--- a/getting-apis-to-work-2021/img/API-ERP.pptx
+++ b/getting-apis-to-work-2021/img/API-ERP.pptx
@@ -5,11 +5,7 @@
     <p:sldMasterId id="2147483648" r:id="rId1"/>
   </p:sldMasterIdLst>
   <p:sldIdLst>
-    <p:sldId id="260" r:id="rId2"/>
-    <p:sldId id="261" r:id="rId3"/>
-    <p:sldId id="262" r:id="rId4"/>
-    <p:sldId id="263" r:id="rId5"/>
-    <p:sldId id="264" r:id="rId6"/>
+    <p:sldId id="264" r:id="rId2"/>
   </p:sldIdLst>
   <p:sldSz cx="12192000" cy="6858000"/>
   <p:notesSz cx="6858000" cy="9144000"/>
@@ -263,7 +259,7 @@
           <a:p>
             <a:fld id="{ECE09280-3139-264F-8D17-EA79BB57EDA8}" type="datetimeFigureOut">
               <a:rPr lang="en-US" smtClean="0"/>
-              <a:t>9/14/21</a:t>
+              <a:t>10/7/21</a:t>
             </a:fld>
             <a:endParaRPr lang="en-US"/>
           </a:p>
@@ -461,7 +457,7 @@
           <a:p>
             <a:fld id="{ECE09280-3139-264F-8D17-EA79BB57EDA8}" type="datetimeFigureOut">
               <a:rPr lang="en-US" smtClean="0"/>
-              <a:t>9/14/21</a:t>
+              <a:t>10/7/21</a:t>
             </a:fld>
             <a:endParaRPr lang="en-US"/>
           </a:p>
@@ -669,7 +665,7 @@
           <a:p>
             <a:fld id="{ECE09280-3139-264F-8D17-EA79BB57EDA8}" type="datetimeFigureOut">
               <a:rPr lang="en-US" smtClean="0"/>
-              <a:t>9/14/21</a:t>
+              <a:t>10/7/21</a:t>
             </a:fld>
             <a:endParaRPr lang="en-US"/>
           </a:p>
@@ -867,7 +863,7 @@
           <a:p>
             <a:fld id="{ECE09280-3139-264F-8D17-EA79BB57EDA8}" type="datetimeFigureOut">
               <a:rPr lang="en-US" smtClean="0"/>
-              <a:t>9/14/21</a:t>
+              <a:t>10/7/21</a:t>
             </a:fld>
             <a:endParaRPr lang="en-US"/>
           </a:p>
@@ -1142,7 +1138,7 @@
           <a:p>
             <a:fld id="{ECE09280-3139-264F-8D17-EA79BB57EDA8}" type="datetimeFigureOut">
               <a:rPr lang="en-US" smtClean="0"/>
-              <a:t>9/14/21</a:t>
+              <a:t>10/7/21</a:t>
             </a:fld>
             <a:endParaRPr lang="en-US"/>
           </a:p>
@@ -1407,7 +1403,7 @@
           <a:p>
             <a:fld id="{ECE09280-3139-264F-8D17-EA79BB57EDA8}" type="datetimeFigureOut">
               <a:rPr lang="en-US" smtClean="0"/>
-              <a:t>9/14/21</a:t>
+              <a:t>10/7/21</a:t>
             </a:fld>
             <a:endParaRPr lang="en-US"/>
           </a:p>
@@ -1819,7 +1815,7 @@
           <a:p>
             <a:fld id="{ECE09280-3139-264F-8D17-EA79BB57EDA8}" type="datetimeFigureOut">
               <a:rPr lang="en-US" smtClean="0"/>
-              <a:t>9/14/21</a:t>
+              <a:t>10/7/21</a:t>
             </a:fld>
             <a:endParaRPr lang="en-US"/>
           </a:p>
@@ -1960,7 +1956,7 @@
           <a:p>
             <a:fld id="{ECE09280-3139-264F-8D17-EA79BB57EDA8}" type="datetimeFigureOut">
               <a:rPr lang="en-US" smtClean="0"/>
-              <a:t>9/14/21</a:t>
+              <a:t>10/7/21</a:t>
             </a:fld>
             <a:endParaRPr lang="en-US"/>
           </a:p>
@@ -2073,7 +2069,7 @@
           <a:p>
             <a:fld id="{ECE09280-3139-264F-8D17-EA79BB57EDA8}" type="datetimeFigureOut">
               <a:rPr lang="en-US" smtClean="0"/>
-              <a:t>9/14/21</a:t>
+              <a:t>10/7/21</a:t>
             </a:fld>
             <a:endParaRPr lang="en-US"/>
           </a:p>
@@ -2384,7 +2380,7 @@
           <a:p>
             <a:fld id="{ECE09280-3139-264F-8D17-EA79BB57EDA8}" type="datetimeFigureOut">
               <a:rPr lang="en-US" smtClean="0"/>
-              <a:t>9/14/21</a:t>
+              <a:t>10/7/21</a:t>
             </a:fld>
             <a:endParaRPr lang="en-US"/>
           </a:p>
@@ -2672,7 +2668,7 @@
           <a:p>
             <a:fld id="{ECE09280-3139-264F-8D17-EA79BB57EDA8}" type="datetimeFigureOut">
               <a:rPr lang="en-US" smtClean="0"/>
-              <a:t>9/14/21</a:t>
+              <a:t>10/7/21</a:t>
             </a:fld>
             <a:endParaRPr lang="en-US"/>
           </a:p>
@@ -2913,7 +2909,7 @@
           <a:p>
             <a:fld id="{ECE09280-3139-264F-8D17-EA79BB57EDA8}" type="datetimeFigureOut">
               <a:rPr lang="en-US" smtClean="0"/>
-              <a:t>9/14/21</a:t>
+              <a:t>10/7/21</a:t>
             </a:fld>
             <a:endParaRPr lang="en-US"/>
           </a:p>
@@ -3332,10 +3328,10 @@
       </p:grpSpPr>
       <p:sp>
         <p:nvSpPr>
-          <p:cNvPr id="5" name="Rectangle 4">
-            <a:extLst>
-              <a:ext uri="{FF2B5EF4-FFF2-40B4-BE49-F238E27FC236}">
-                <a16:creationId xmlns:a16="http://schemas.microsoft.com/office/drawing/2014/main" id="{A554FE1C-5FC9-B149-BCDC-7AD424CE742D}"/>
+          <p:cNvPr id="4" name="Rectangle 3">
+            <a:extLst>
+              <a:ext uri="{FF2B5EF4-FFF2-40B4-BE49-F238E27FC236}">
+                <a16:creationId xmlns:a16="http://schemas.microsoft.com/office/drawing/2014/main" id="{AFE62128-DAA0-9C44-A811-C7D4B435533E}"/>
               </a:ext>
             </a:extLst>
           </p:cNvPr>
@@ -3344,7 +3340,61 @@
         </p:nvSpPr>
         <p:spPr>
           <a:xfrm>
-            <a:off x="405810" y="5232314"/>
+            <a:off x="5683029" y="5341085"/>
+            <a:ext cx="1360967" cy="435936"/>
+          </a:xfrm>
+          <a:prstGeom prst="rect">
+            <a:avLst/>
+          </a:prstGeom>
+          <a:solidFill>
+            <a:schemeClr val="accent1">
+              <a:lumMod val="50000"/>
+            </a:schemeClr>
+          </a:solidFill>
+        </p:spPr>
+        <p:style>
+          <a:lnRef idx="2">
+            <a:schemeClr val="accent1">
+              <a:shade val="50000"/>
+            </a:schemeClr>
+          </a:lnRef>
+          <a:fillRef idx="1">
+            <a:schemeClr val="accent1"/>
+          </a:fillRef>
+          <a:effectRef idx="0">
+            <a:schemeClr val="accent1"/>
+          </a:effectRef>
+          <a:fontRef idx="minor">
+            <a:schemeClr val="lt1"/>
+          </a:fontRef>
+        </p:style>
+        <p:txBody>
+          <a:bodyPr rtlCol="0" anchor="ctr"/>
+          <a:lstStyle/>
+          <a:p>
+            <a:pPr algn="ctr"/>
+            <a:r>
+              <a:rPr lang="en-US" dirty="0"/>
+              <a:t>Digital Asset</a:t>
+            </a:r>
+          </a:p>
+        </p:txBody>
+      </p:sp>
+      <p:sp>
+        <p:nvSpPr>
+          <p:cNvPr id="5" name="Rectangle 4">
+            <a:extLst>
+              <a:ext uri="{FF2B5EF4-FFF2-40B4-BE49-F238E27FC236}">
+                <a16:creationId xmlns:a16="http://schemas.microsoft.com/office/drawing/2014/main" id="{A554FE1C-5FC9-B149-BCDC-7AD424CE742D}"/>
+              </a:ext>
+            </a:extLst>
+          </p:cNvPr>
+          <p:cNvSpPr/>
+          <p:nvPr/>
+        </p:nvSpPr>
+        <p:spPr>
+          <a:xfrm>
+            <a:off x="5683028" y="4789290"/>
             <a:ext cx="1360967" cy="435936"/>
           </a:xfrm>
           <a:prstGeom prst="rect">
@@ -3391,10 +3441,10 @@
       </p:sp>
       <p:sp>
         <p:nvSpPr>
-          <p:cNvPr id="11" name="Rectangle 10">
-            <a:extLst>
-              <a:ext uri="{FF2B5EF4-FFF2-40B4-BE49-F238E27FC236}">
-                <a16:creationId xmlns:a16="http://schemas.microsoft.com/office/drawing/2014/main" id="{C45211D4-C403-C249-8362-B1B386FEC205}"/>
+          <p:cNvPr id="8" name="Rectangle 7">
+            <a:extLst>
+              <a:ext uri="{FF2B5EF4-FFF2-40B4-BE49-F238E27FC236}">
+                <a16:creationId xmlns:a16="http://schemas.microsoft.com/office/drawing/2014/main" id="{C097CC69-F3DF-5242-834D-D17351C5B1EA}"/>
               </a:ext>
             </a:extLst>
           </p:cNvPr>
@@ -3403,7 +3453,152 @@
         </p:nvSpPr>
         <p:spPr>
           <a:xfrm>
-            <a:off x="2014870" y="5232314"/>
+            <a:off x="3277430" y="2497753"/>
+            <a:ext cx="2504004" cy="1073259"/>
+          </a:xfrm>
+          <a:prstGeom prst="rect">
+            <a:avLst/>
+          </a:prstGeom>
+          <a:solidFill>
+            <a:schemeClr val="accent1">
+              <a:lumMod val="60000"/>
+              <a:lumOff val="40000"/>
+            </a:schemeClr>
+          </a:solidFill>
+        </p:spPr>
+        <p:style>
+          <a:lnRef idx="2">
+            <a:schemeClr val="accent1">
+              <a:shade val="50000"/>
+            </a:schemeClr>
+          </a:lnRef>
+          <a:fillRef idx="1">
+            <a:schemeClr val="accent1"/>
+          </a:fillRef>
+          <a:effectRef idx="0">
+            <a:schemeClr val="accent1"/>
+          </a:effectRef>
+          <a:fontRef idx="minor">
+            <a:schemeClr val="lt1"/>
+          </a:fontRef>
+        </p:style>
+        <p:txBody>
+          <a:bodyPr rtlCol="0" anchor="b"/>
+          <a:lstStyle/>
+          <a:p>
+            <a:pPr algn="r"/>
+            <a:r>
+              <a:rPr lang="en-US" dirty="0"/>
+              <a:t>Catalog</a:t>
+            </a:r>
+          </a:p>
+        </p:txBody>
+      </p:sp>
+      <p:pic>
+        <p:nvPicPr>
+          <p:cNvPr id="7" name="Graphic 6">
+            <a:extLst>
+              <a:ext uri="{FF2B5EF4-FFF2-40B4-BE49-F238E27FC236}">
+                <a16:creationId xmlns:a16="http://schemas.microsoft.com/office/drawing/2014/main" id="{8E1450E0-72FD-8946-8286-8222E2F1789F}"/>
+              </a:ext>
+            </a:extLst>
+          </p:cNvPr>
+          <p:cNvPicPr>
+            <a:picLocks noChangeAspect="1"/>
+          </p:cNvPicPr>
+          <p:nvPr/>
+        </p:nvPicPr>
+        <p:blipFill>
+          <a:blip r:embed="rId2">
+            <a:extLst>
+              <a:ext uri="{96DAC541-7B7A-43D3-8B79-37D633B846F1}">
+                <asvg:svgBlip xmlns:asvg="http://schemas.microsoft.com/office/drawing/2016/SVG/main" r:embed="rId3"/>
+              </a:ext>
+            </a:extLst>
+          </a:blip>
+          <a:stretch>
+            <a:fillRect/>
+          </a:stretch>
+        </p:blipFill>
+        <p:spPr>
+          <a:xfrm>
+            <a:off x="3343966" y="2562883"/>
+            <a:ext cx="1903079" cy="942998"/>
+          </a:xfrm>
+          <a:prstGeom prst="rect">
+            <a:avLst/>
+          </a:prstGeom>
+        </p:spPr>
+      </p:pic>
+      <p:sp>
+        <p:nvSpPr>
+          <p:cNvPr id="10" name="Rectangle 9">
+            <a:extLst>
+              <a:ext uri="{FF2B5EF4-FFF2-40B4-BE49-F238E27FC236}">
+                <a16:creationId xmlns:a16="http://schemas.microsoft.com/office/drawing/2014/main" id="{2B393DD3-7185-8145-9533-FDF1CECE79A4}"/>
+              </a:ext>
+            </a:extLst>
+          </p:cNvPr>
+          <p:cNvSpPr/>
+          <p:nvPr/>
+        </p:nvSpPr>
+        <p:spPr>
+          <a:xfrm>
+            <a:off x="7292089" y="5341085"/>
+            <a:ext cx="1360967" cy="435936"/>
+          </a:xfrm>
+          <a:prstGeom prst="rect">
+            <a:avLst/>
+          </a:prstGeom>
+          <a:solidFill>
+            <a:schemeClr val="accent1">
+              <a:lumMod val="50000"/>
+            </a:schemeClr>
+          </a:solidFill>
+        </p:spPr>
+        <p:style>
+          <a:lnRef idx="2">
+            <a:schemeClr val="accent1">
+              <a:shade val="50000"/>
+            </a:schemeClr>
+          </a:lnRef>
+          <a:fillRef idx="1">
+            <a:schemeClr val="accent1"/>
+          </a:fillRef>
+          <a:effectRef idx="0">
+            <a:schemeClr val="accent1"/>
+          </a:effectRef>
+          <a:fontRef idx="minor">
+            <a:schemeClr val="lt1"/>
+          </a:fontRef>
+        </p:style>
+        <p:txBody>
+          <a:bodyPr rtlCol="0" anchor="ctr"/>
+          <a:lstStyle/>
+          <a:p>
+            <a:pPr algn="ctr"/>
+            <a:r>
+              <a:rPr lang="en-US" dirty="0"/>
+              <a:t>Digital Asset</a:t>
+            </a:r>
+          </a:p>
+        </p:txBody>
+      </p:sp>
+      <p:sp>
+        <p:nvSpPr>
+          <p:cNvPr id="11" name="Rectangle 10">
+            <a:extLst>
+              <a:ext uri="{FF2B5EF4-FFF2-40B4-BE49-F238E27FC236}">
+                <a16:creationId xmlns:a16="http://schemas.microsoft.com/office/drawing/2014/main" id="{C45211D4-C403-C249-8362-B1B386FEC205}"/>
+              </a:ext>
+            </a:extLst>
+          </p:cNvPr>
+          <p:cNvSpPr/>
+          <p:nvPr/>
+        </p:nvSpPr>
+        <p:spPr>
+          <a:xfrm>
+            <a:off x="7292088" y="4789290"/>
             <a:ext cx="1360967" cy="435936"/>
           </a:xfrm>
           <a:prstGeom prst="rect">
@@ -3450,10 +3645,10 @@
       </p:sp>
       <p:sp>
         <p:nvSpPr>
-          <p:cNvPr id="13" name="Rectangle 12">
-            <a:extLst>
-              <a:ext uri="{FF2B5EF4-FFF2-40B4-BE49-F238E27FC236}">
-                <a16:creationId xmlns:a16="http://schemas.microsoft.com/office/drawing/2014/main" id="{00A1E21E-21CB-1A46-9D12-80A2E40D8D89}"/>
+          <p:cNvPr id="12" name="Rectangle 11">
+            <a:extLst>
+              <a:ext uri="{FF2B5EF4-FFF2-40B4-BE49-F238E27FC236}">
+                <a16:creationId xmlns:a16="http://schemas.microsoft.com/office/drawing/2014/main" id="{CAC86C98-5B0C-CB46-9A75-0B3DBC2FF255}"/>
               </a:ext>
             </a:extLst>
           </p:cNvPr>
@@ -3462,7 +3657,61 @@
         </p:nvSpPr>
         <p:spPr>
           <a:xfrm>
-            <a:off x="3815317" y="5233409"/>
+            <a:off x="405808" y="5341085"/>
+            <a:ext cx="1360967" cy="435936"/>
+          </a:xfrm>
+          <a:prstGeom prst="rect">
+            <a:avLst/>
+          </a:prstGeom>
+          <a:solidFill>
+            <a:schemeClr val="accent1">
+              <a:lumMod val="50000"/>
+            </a:schemeClr>
+          </a:solidFill>
+        </p:spPr>
+        <p:style>
+          <a:lnRef idx="2">
+            <a:schemeClr val="accent1">
+              <a:shade val="50000"/>
+            </a:schemeClr>
+          </a:lnRef>
+          <a:fillRef idx="1">
+            <a:schemeClr val="accent1"/>
+          </a:fillRef>
+          <a:effectRef idx="0">
+            <a:schemeClr val="accent1"/>
+          </a:effectRef>
+          <a:fontRef idx="minor">
+            <a:schemeClr val="lt1"/>
+          </a:fontRef>
+        </p:style>
+        <p:txBody>
+          <a:bodyPr rtlCol="0" anchor="ctr"/>
+          <a:lstStyle/>
+          <a:p>
+            <a:pPr algn="ctr"/>
+            <a:r>
+              <a:rPr lang="en-US" dirty="0"/>
+              <a:t>Digital Asset</a:t>
+            </a:r>
+          </a:p>
+        </p:txBody>
+      </p:sp>
+      <p:sp>
+        <p:nvSpPr>
+          <p:cNvPr id="13" name="Rectangle 12">
+            <a:extLst>
+              <a:ext uri="{FF2B5EF4-FFF2-40B4-BE49-F238E27FC236}">
+                <a16:creationId xmlns:a16="http://schemas.microsoft.com/office/drawing/2014/main" id="{00A1E21E-21CB-1A46-9D12-80A2E40D8D89}"/>
+              </a:ext>
+            </a:extLst>
+          </p:cNvPr>
+          <p:cNvSpPr/>
+          <p:nvPr/>
+        </p:nvSpPr>
+        <p:spPr>
+          <a:xfrm>
+            <a:off x="405808" y="4790385"/>
             <a:ext cx="1360967" cy="435936"/>
           </a:xfrm>
           <a:prstGeom prst="rect">
@@ -3509,10 +3758,10 @@
       </p:sp>
       <p:sp>
         <p:nvSpPr>
-          <p:cNvPr id="15" name="Rectangle 14">
-            <a:extLst>
-              <a:ext uri="{FF2B5EF4-FFF2-40B4-BE49-F238E27FC236}">
-                <a16:creationId xmlns:a16="http://schemas.microsoft.com/office/drawing/2014/main" id="{0DCD9790-E817-5F42-963B-086773F5FC69}"/>
+          <p:cNvPr id="14" name="Rectangle 13">
+            <a:extLst>
+              <a:ext uri="{FF2B5EF4-FFF2-40B4-BE49-F238E27FC236}">
+                <a16:creationId xmlns:a16="http://schemas.microsoft.com/office/drawing/2014/main" id="{AEB52E2E-C599-7F43-8437-77CA49E0C8C5}"/>
               </a:ext>
             </a:extLst>
           </p:cNvPr>
@@ -3521,7 +3770,61 @@
         </p:nvSpPr>
         <p:spPr>
           <a:xfrm>
-            <a:off x="5424377" y="5232314"/>
+            <a:off x="2014868" y="5341085"/>
+            <a:ext cx="1360967" cy="435936"/>
+          </a:xfrm>
+          <a:prstGeom prst="rect">
+            <a:avLst/>
+          </a:prstGeom>
+          <a:solidFill>
+            <a:schemeClr val="accent1">
+              <a:lumMod val="50000"/>
+            </a:schemeClr>
+          </a:solidFill>
+        </p:spPr>
+        <p:style>
+          <a:lnRef idx="2">
+            <a:schemeClr val="accent1">
+              <a:shade val="50000"/>
+            </a:schemeClr>
+          </a:lnRef>
+          <a:fillRef idx="1">
+            <a:schemeClr val="accent1"/>
+          </a:fillRef>
+          <a:effectRef idx="0">
+            <a:schemeClr val="accent1"/>
+          </a:effectRef>
+          <a:fontRef idx="minor">
+            <a:schemeClr val="lt1"/>
+          </a:fontRef>
+        </p:style>
+        <p:txBody>
+          <a:bodyPr rtlCol="0" anchor="ctr"/>
+          <a:lstStyle/>
+          <a:p>
+            <a:pPr algn="ctr"/>
+            <a:r>
+              <a:rPr lang="en-US" dirty="0"/>
+              <a:t>Digital Asset</a:t>
+            </a:r>
+          </a:p>
+        </p:txBody>
+      </p:sp>
+      <p:sp>
+        <p:nvSpPr>
+          <p:cNvPr id="15" name="Rectangle 14">
+            <a:extLst>
+              <a:ext uri="{FF2B5EF4-FFF2-40B4-BE49-F238E27FC236}">
+                <a16:creationId xmlns:a16="http://schemas.microsoft.com/office/drawing/2014/main" id="{0DCD9790-E817-5F42-963B-086773F5FC69}"/>
+              </a:ext>
+            </a:extLst>
+          </p:cNvPr>
+          <p:cNvSpPr/>
+          <p:nvPr/>
+        </p:nvSpPr>
+        <p:spPr>
+          <a:xfrm>
+            <a:off x="2014868" y="4789290"/>
             <a:ext cx="1360967" cy="435936"/>
           </a:xfrm>
           <a:prstGeom prst="rect">
@@ -3568,10 +3871,10 @@
       </p:sp>
       <p:sp>
         <p:nvSpPr>
-          <p:cNvPr id="17" name="Rectangle 16">
-            <a:extLst>
-              <a:ext uri="{FF2B5EF4-FFF2-40B4-BE49-F238E27FC236}">
-                <a16:creationId xmlns:a16="http://schemas.microsoft.com/office/drawing/2014/main" id="{519005A8-38F4-E749-8CA7-58B98E35BC59}"/>
+          <p:cNvPr id="16" name="Rectangle 15">
+            <a:extLst>
+              <a:ext uri="{FF2B5EF4-FFF2-40B4-BE49-F238E27FC236}">
+                <a16:creationId xmlns:a16="http://schemas.microsoft.com/office/drawing/2014/main" id="{C837277F-B763-7B46-9545-F91A5DF8566A}"/>
               </a:ext>
             </a:extLst>
           </p:cNvPr>
@@ -3580,7 +3883,61 @@
         </p:nvSpPr>
         <p:spPr>
           <a:xfrm>
-            <a:off x="7224822" y="5233409"/>
+            <a:off x="3848948" y="5341086"/>
+            <a:ext cx="1360967" cy="435936"/>
+          </a:xfrm>
+          <a:prstGeom prst="rect">
+            <a:avLst/>
+          </a:prstGeom>
+          <a:solidFill>
+            <a:schemeClr val="accent1">
+              <a:lumMod val="50000"/>
+            </a:schemeClr>
+          </a:solidFill>
+        </p:spPr>
+        <p:style>
+          <a:lnRef idx="2">
+            <a:schemeClr val="accent1">
+              <a:shade val="50000"/>
+            </a:schemeClr>
+          </a:lnRef>
+          <a:fillRef idx="1">
+            <a:schemeClr val="accent1"/>
+          </a:fillRef>
+          <a:effectRef idx="0">
+            <a:schemeClr val="accent1"/>
+          </a:effectRef>
+          <a:fontRef idx="minor">
+            <a:schemeClr val="lt1"/>
+          </a:fontRef>
+        </p:style>
+        <p:txBody>
+          <a:bodyPr rtlCol="0" anchor="ctr"/>
+          <a:lstStyle/>
+          <a:p>
+            <a:pPr algn="ctr"/>
+            <a:r>
+              <a:rPr lang="en-US" dirty="0"/>
+              <a:t>Digital Asset</a:t>
+            </a:r>
+          </a:p>
+        </p:txBody>
+      </p:sp>
+      <p:sp>
+        <p:nvSpPr>
+          <p:cNvPr id="17" name="Rectangle 16">
+            <a:extLst>
+              <a:ext uri="{FF2B5EF4-FFF2-40B4-BE49-F238E27FC236}">
+                <a16:creationId xmlns:a16="http://schemas.microsoft.com/office/drawing/2014/main" id="{519005A8-38F4-E749-8CA7-58B98E35BC59}"/>
+              </a:ext>
+            </a:extLst>
+          </p:cNvPr>
+          <p:cNvSpPr/>
+          <p:nvPr/>
+        </p:nvSpPr>
+        <p:spPr>
+          <a:xfrm>
+            <a:off x="3848947" y="4790385"/>
             <a:ext cx="1360967" cy="435936"/>
           </a:xfrm>
           <a:prstGeom prst="rect">
@@ -3625,42 +3982,12 @@
           </a:p>
         </p:txBody>
       </p:sp>
-    </p:spTree>
-    <p:extLst>
-      <p:ext uri="{BB962C8B-B14F-4D97-AF65-F5344CB8AC3E}">
-        <p14:creationId xmlns:p14="http://schemas.microsoft.com/office/powerpoint/2010/main" val="724363671"/>
-      </p:ext>
-    </p:extLst>
-  </p:cSld>
-  <p:clrMapOvr>
-    <a:masterClrMapping/>
-  </p:clrMapOvr>
-</p:sld>
-</file>
-
-<file path=ppt/slides/slide2.xml><?xml version="1.0" encoding="utf-8"?>
-<p:sld xmlns:a="http://schemas.openxmlformats.org/drawingml/2006/main" xmlns:r="http://schemas.openxmlformats.org/officeDocument/2006/relationships" xmlns:p="http://schemas.openxmlformats.org/presentationml/2006/main">
-  <p:cSld>
-    <p:spTree>
-      <p:nvGrpSpPr>
-        <p:cNvPr id="1" name=""/>
-        <p:cNvGrpSpPr/>
-        <p:nvPr/>
-      </p:nvGrpSpPr>
-      <p:grpSpPr>
-        <a:xfrm>
-          <a:off x="0" y="0"/>
-          <a:ext cx="0" cy="0"/>
-          <a:chOff x="0" y="0"/>
-          <a:chExt cx="0" cy="0"/>
-        </a:xfrm>
-      </p:grpSpPr>
-      <p:sp>
-        <p:nvSpPr>
-          <p:cNvPr id="5" name="Rectangle 4">
-            <a:extLst>
-              <a:ext uri="{FF2B5EF4-FFF2-40B4-BE49-F238E27FC236}">
-                <a16:creationId xmlns:a16="http://schemas.microsoft.com/office/drawing/2014/main" id="{A554FE1C-5FC9-B149-BCDC-7AD424CE742D}"/>
+      <p:sp>
+        <p:nvSpPr>
+          <p:cNvPr id="18" name="Rectangle 17">
+            <a:extLst>
+              <a:ext uri="{FF2B5EF4-FFF2-40B4-BE49-F238E27FC236}">
+                <a16:creationId xmlns:a16="http://schemas.microsoft.com/office/drawing/2014/main" id="{5EA7F77D-A9CE-5843-8176-AFA5C2CE1FFD}"/>
               </a:ext>
             </a:extLst>
           </p:cNvPr>
@@ -3669,302 +3996,7 @@
         </p:nvSpPr>
         <p:spPr>
           <a:xfrm>
-            <a:off x="405810" y="5232314"/>
-            <a:ext cx="1360967" cy="435936"/>
-          </a:xfrm>
-          <a:prstGeom prst="rect">
-            <a:avLst/>
-          </a:prstGeom>
-          <a:solidFill>
-            <a:schemeClr val="accent1">
-              <a:lumMod val="75000"/>
-            </a:schemeClr>
-          </a:solidFill>
-        </p:spPr>
-        <p:style>
-          <a:lnRef idx="2">
-            <a:schemeClr val="accent1">
-              <a:shade val="50000"/>
-            </a:schemeClr>
-          </a:lnRef>
-          <a:fillRef idx="1">
-            <a:schemeClr val="accent1"/>
-          </a:fillRef>
-          <a:effectRef idx="0">
-            <a:schemeClr val="accent1"/>
-          </a:effectRef>
-          <a:fontRef idx="minor">
-            <a:schemeClr val="lt1"/>
-          </a:fontRef>
-        </p:style>
-        <p:txBody>
-          <a:bodyPr rtlCol="0" anchor="ctr"/>
-          <a:lstStyle/>
-          <a:p>
-            <a:pPr algn="ctr"/>
-            <a:r>
-              <a:rPr lang="en-US" dirty="0" err="1"/>
-              <a:t>API</a:t>
-            </a:r>
-            <a:r>
-              <a:rPr lang="en-US" baseline="-25000" dirty="0" err="1"/>
-              <a:t>Provider</a:t>
-            </a:r>
-            <a:endParaRPr lang="en-US" dirty="0"/>
-          </a:p>
-        </p:txBody>
-      </p:sp>
-      <p:sp>
-        <p:nvSpPr>
-          <p:cNvPr id="11" name="Rectangle 10">
-            <a:extLst>
-              <a:ext uri="{FF2B5EF4-FFF2-40B4-BE49-F238E27FC236}">
-                <a16:creationId xmlns:a16="http://schemas.microsoft.com/office/drawing/2014/main" id="{C45211D4-C403-C249-8362-B1B386FEC205}"/>
-              </a:ext>
-            </a:extLst>
-          </p:cNvPr>
-          <p:cNvSpPr/>
-          <p:nvPr/>
-        </p:nvSpPr>
-        <p:spPr>
-          <a:xfrm>
-            <a:off x="2014870" y="5232314"/>
-            <a:ext cx="1360967" cy="435936"/>
-          </a:xfrm>
-          <a:prstGeom prst="rect">
-            <a:avLst/>
-          </a:prstGeom>
-          <a:solidFill>
-            <a:schemeClr val="accent1">
-              <a:lumMod val="75000"/>
-            </a:schemeClr>
-          </a:solidFill>
-        </p:spPr>
-        <p:style>
-          <a:lnRef idx="2">
-            <a:schemeClr val="accent1">
-              <a:shade val="50000"/>
-            </a:schemeClr>
-          </a:lnRef>
-          <a:fillRef idx="1">
-            <a:schemeClr val="accent1"/>
-          </a:fillRef>
-          <a:effectRef idx="0">
-            <a:schemeClr val="accent1"/>
-          </a:effectRef>
-          <a:fontRef idx="minor">
-            <a:schemeClr val="lt1"/>
-          </a:fontRef>
-        </p:style>
-        <p:txBody>
-          <a:bodyPr rtlCol="0" anchor="ctr"/>
-          <a:lstStyle/>
-          <a:p>
-            <a:pPr algn="ctr"/>
-            <a:r>
-              <a:rPr lang="en-US" dirty="0" err="1"/>
-              <a:t>API</a:t>
-            </a:r>
-            <a:r>
-              <a:rPr lang="en-US" baseline="-25000" dirty="0" err="1"/>
-              <a:t>Provider</a:t>
-            </a:r>
-            <a:endParaRPr lang="en-US" dirty="0"/>
-          </a:p>
-        </p:txBody>
-      </p:sp>
-      <p:sp>
-        <p:nvSpPr>
-          <p:cNvPr id="13" name="Rectangle 12">
-            <a:extLst>
-              <a:ext uri="{FF2B5EF4-FFF2-40B4-BE49-F238E27FC236}">
-                <a16:creationId xmlns:a16="http://schemas.microsoft.com/office/drawing/2014/main" id="{00A1E21E-21CB-1A46-9D12-80A2E40D8D89}"/>
-              </a:ext>
-            </a:extLst>
-          </p:cNvPr>
-          <p:cNvSpPr/>
-          <p:nvPr/>
-        </p:nvSpPr>
-        <p:spPr>
-          <a:xfrm>
-            <a:off x="3815317" y="5233409"/>
-            <a:ext cx="1360967" cy="435936"/>
-          </a:xfrm>
-          <a:prstGeom prst="rect">
-            <a:avLst/>
-          </a:prstGeom>
-          <a:solidFill>
-            <a:schemeClr val="accent1">
-              <a:lumMod val="75000"/>
-            </a:schemeClr>
-          </a:solidFill>
-        </p:spPr>
-        <p:style>
-          <a:lnRef idx="2">
-            <a:schemeClr val="accent1">
-              <a:shade val="50000"/>
-            </a:schemeClr>
-          </a:lnRef>
-          <a:fillRef idx="1">
-            <a:schemeClr val="accent1"/>
-          </a:fillRef>
-          <a:effectRef idx="0">
-            <a:schemeClr val="accent1"/>
-          </a:effectRef>
-          <a:fontRef idx="minor">
-            <a:schemeClr val="lt1"/>
-          </a:fontRef>
-        </p:style>
-        <p:txBody>
-          <a:bodyPr rtlCol="0" anchor="ctr"/>
-          <a:lstStyle/>
-          <a:p>
-            <a:pPr algn="ctr"/>
-            <a:r>
-              <a:rPr lang="en-US" dirty="0" err="1"/>
-              <a:t>API</a:t>
-            </a:r>
-            <a:r>
-              <a:rPr lang="en-US" baseline="-25000" dirty="0" err="1"/>
-              <a:t>Provider</a:t>
-            </a:r>
-            <a:endParaRPr lang="en-US" dirty="0"/>
-          </a:p>
-        </p:txBody>
-      </p:sp>
-      <p:sp>
-        <p:nvSpPr>
-          <p:cNvPr id="15" name="Rectangle 14">
-            <a:extLst>
-              <a:ext uri="{FF2B5EF4-FFF2-40B4-BE49-F238E27FC236}">
-                <a16:creationId xmlns:a16="http://schemas.microsoft.com/office/drawing/2014/main" id="{0DCD9790-E817-5F42-963B-086773F5FC69}"/>
-              </a:ext>
-            </a:extLst>
-          </p:cNvPr>
-          <p:cNvSpPr/>
-          <p:nvPr/>
-        </p:nvSpPr>
-        <p:spPr>
-          <a:xfrm>
-            <a:off x="5424377" y="5232314"/>
-            <a:ext cx="1360967" cy="435936"/>
-          </a:xfrm>
-          <a:prstGeom prst="rect">
-            <a:avLst/>
-          </a:prstGeom>
-          <a:solidFill>
-            <a:schemeClr val="accent1">
-              <a:lumMod val="75000"/>
-            </a:schemeClr>
-          </a:solidFill>
-        </p:spPr>
-        <p:style>
-          <a:lnRef idx="2">
-            <a:schemeClr val="accent1">
-              <a:shade val="50000"/>
-            </a:schemeClr>
-          </a:lnRef>
-          <a:fillRef idx="1">
-            <a:schemeClr val="accent1"/>
-          </a:fillRef>
-          <a:effectRef idx="0">
-            <a:schemeClr val="accent1"/>
-          </a:effectRef>
-          <a:fontRef idx="minor">
-            <a:schemeClr val="lt1"/>
-          </a:fontRef>
-        </p:style>
-        <p:txBody>
-          <a:bodyPr rtlCol="0" anchor="ctr"/>
-          <a:lstStyle/>
-          <a:p>
-            <a:pPr algn="ctr"/>
-            <a:r>
-              <a:rPr lang="en-US" dirty="0" err="1"/>
-              <a:t>API</a:t>
-            </a:r>
-            <a:r>
-              <a:rPr lang="en-US" baseline="-25000" dirty="0" err="1"/>
-              <a:t>Provider</a:t>
-            </a:r>
-            <a:endParaRPr lang="en-US" dirty="0"/>
-          </a:p>
-        </p:txBody>
-      </p:sp>
-      <p:sp>
-        <p:nvSpPr>
-          <p:cNvPr id="17" name="Rectangle 16">
-            <a:extLst>
-              <a:ext uri="{FF2B5EF4-FFF2-40B4-BE49-F238E27FC236}">
-                <a16:creationId xmlns:a16="http://schemas.microsoft.com/office/drawing/2014/main" id="{519005A8-38F4-E749-8CA7-58B98E35BC59}"/>
-              </a:ext>
-            </a:extLst>
-          </p:cNvPr>
-          <p:cNvSpPr/>
-          <p:nvPr/>
-        </p:nvSpPr>
-        <p:spPr>
-          <a:xfrm>
-            <a:off x="7224822" y="5233409"/>
-            <a:ext cx="1360967" cy="435936"/>
-          </a:xfrm>
-          <a:prstGeom prst="rect">
-            <a:avLst/>
-          </a:prstGeom>
-          <a:solidFill>
-            <a:schemeClr val="accent1">
-              <a:lumMod val="75000"/>
-            </a:schemeClr>
-          </a:solidFill>
-        </p:spPr>
-        <p:style>
-          <a:lnRef idx="2">
-            <a:schemeClr val="accent1">
-              <a:shade val="50000"/>
-            </a:schemeClr>
-          </a:lnRef>
-          <a:fillRef idx="1">
-            <a:schemeClr val="accent1"/>
-          </a:fillRef>
-          <a:effectRef idx="0">
-            <a:schemeClr val="accent1"/>
-          </a:effectRef>
-          <a:fontRef idx="minor">
-            <a:schemeClr val="lt1"/>
-          </a:fontRef>
-        </p:style>
-        <p:txBody>
-          <a:bodyPr rtlCol="0" anchor="ctr"/>
-          <a:lstStyle/>
-          <a:p>
-            <a:pPr algn="ctr"/>
-            <a:r>
-              <a:rPr lang="en-US" dirty="0" err="1"/>
-              <a:t>API</a:t>
-            </a:r>
-            <a:r>
-              <a:rPr lang="en-US" baseline="-25000" dirty="0" err="1"/>
-              <a:t>Provider</a:t>
-            </a:r>
-            <a:endParaRPr lang="en-US" dirty="0"/>
-          </a:p>
-        </p:txBody>
-      </p:sp>
-      <p:sp>
-        <p:nvSpPr>
-          <p:cNvPr id="18" name="Rectangle 17">
-            <a:extLst>
-              <a:ext uri="{FF2B5EF4-FFF2-40B4-BE49-F238E27FC236}">
-                <a16:creationId xmlns:a16="http://schemas.microsoft.com/office/drawing/2014/main" id="{5EA7F77D-A9CE-5843-8176-AFA5C2CE1FFD}"/>
-              </a:ext>
-            </a:extLst>
-          </p:cNvPr>
-          <p:cNvSpPr/>
-          <p:nvPr/>
-        </p:nvSpPr>
-        <p:spPr>
-          <a:xfrm>
-            <a:off x="405810" y="4556049"/>
+            <a:off x="5683028" y="4113025"/>
             <a:ext cx="2970028" cy="435936"/>
           </a:xfrm>
           <a:prstGeom prst="rect">
@@ -4027,7 +4059,7 @@
         </p:nvSpPr>
         <p:spPr>
           <a:xfrm>
-            <a:off x="3815316" y="4556049"/>
+            <a:off x="405807" y="4113025"/>
             <a:ext cx="2970028" cy="435936"/>
           </a:xfrm>
           <a:prstGeom prst="rect">
@@ -4090,7 +4122,7 @@
         </p:nvSpPr>
         <p:spPr>
           <a:xfrm>
-            <a:off x="7224822" y="4556049"/>
+            <a:off x="3848947" y="4113025"/>
             <a:ext cx="1360967" cy="435936"/>
           </a:xfrm>
           <a:prstGeom prst="rect">
@@ -4153,7 +4185,7 @@
         </p:nvSpPr>
         <p:spPr>
           <a:xfrm>
-            <a:off x="405810" y="1253543"/>
+            <a:off x="405809" y="810520"/>
             <a:ext cx="1360967" cy="435936"/>
           </a:xfrm>
           <a:prstGeom prst="rect">
@@ -4212,7 +4244,7 @@
         </p:nvSpPr>
         <p:spPr>
           <a:xfrm>
-            <a:off x="2014870" y="1253543"/>
+            <a:off x="2014869" y="810520"/>
             <a:ext cx="1360967" cy="435936"/>
           </a:xfrm>
           <a:prstGeom prst="rect">
@@ -4259,10 +4291,10 @@
       </p:sp>
       <p:sp>
         <p:nvSpPr>
-          <p:cNvPr id="28" name="Rectangle 27">
-            <a:extLst>
-              <a:ext uri="{FF2B5EF4-FFF2-40B4-BE49-F238E27FC236}">
-                <a16:creationId xmlns:a16="http://schemas.microsoft.com/office/drawing/2014/main" id="{11357D2E-026C-5A4F-A590-9C6164108CD6}"/>
+          <p:cNvPr id="25" name="Left-Right Arrow 24">
+            <a:extLst>
+              <a:ext uri="{FF2B5EF4-FFF2-40B4-BE49-F238E27FC236}">
+                <a16:creationId xmlns:a16="http://schemas.microsoft.com/office/drawing/2014/main" id="{C5F4C495-95A0-7B46-9BC6-E4B548F4CC55}"/>
               </a:ext>
             </a:extLst>
           </p:cNvPr>
@@ -4270,8 +4302,79 @@
           <p:nvPr/>
         </p:nvSpPr>
         <p:spPr>
+          <a:xfrm rot="16200000">
+            <a:off x="8322637" y="4606555"/>
+            <a:ext cx="1663996" cy="676937"/>
+          </a:xfrm>
+          <a:prstGeom prst="leftRightArrow">
+            <a:avLst>
+              <a:gd name="adj1" fmla="val 73256"/>
+              <a:gd name="adj2" fmla="val 43023"/>
+            </a:avLst>
+          </a:prstGeom>
+          <a:solidFill>
+            <a:schemeClr val="accent6">
+              <a:lumMod val="75000"/>
+            </a:schemeClr>
+          </a:solidFill>
+          <a:ln>
+            <a:solidFill>
+              <a:schemeClr val="accent6">
+                <a:lumMod val="50000"/>
+              </a:schemeClr>
+            </a:solidFill>
+          </a:ln>
+        </p:spPr>
+        <p:style>
+          <a:lnRef idx="2">
+            <a:schemeClr val="accent1">
+              <a:shade val="50000"/>
+            </a:schemeClr>
+          </a:lnRef>
+          <a:fillRef idx="1">
+            <a:schemeClr val="accent1"/>
+          </a:fillRef>
+          <a:effectRef idx="0">
+            <a:schemeClr val="accent1"/>
+          </a:effectRef>
+          <a:fontRef idx="minor">
+            <a:schemeClr val="lt1"/>
+          </a:fontRef>
+        </p:style>
+        <p:txBody>
+          <a:bodyPr rtlCol="0" anchor="ctr"/>
+          <a:lstStyle/>
+          <a:p>
+            <a:pPr algn="ctr"/>
+            <a:r>
+              <a:rPr lang="en-US" sz="1100" dirty="0"/>
+              <a:t> Technical API</a:t>
+            </a:r>
+          </a:p>
+          <a:p>
+            <a:pPr algn="ctr"/>
+            <a:r>
+              <a:rPr lang="en-US" sz="1100" dirty="0"/>
+              <a:t>Management</a:t>
+            </a:r>
+          </a:p>
+        </p:txBody>
+      </p:sp>
+      <p:sp>
+        <p:nvSpPr>
+          <p:cNvPr id="28" name="Rectangle 27">
+            <a:extLst>
+              <a:ext uri="{FF2B5EF4-FFF2-40B4-BE49-F238E27FC236}">
+                <a16:creationId xmlns:a16="http://schemas.microsoft.com/office/drawing/2014/main" id="{11357D2E-026C-5A4F-A590-9C6164108CD6}"/>
+              </a:ext>
+            </a:extLst>
+          </p:cNvPr>
+          <p:cNvSpPr/>
+          <p:nvPr/>
+        </p:nvSpPr>
+        <p:spPr>
           <a:xfrm>
-            <a:off x="5683030" y="1240042"/>
+            <a:off x="5683029" y="797019"/>
             <a:ext cx="1360967" cy="435936"/>
           </a:xfrm>
           <a:prstGeom prst="rect">
@@ -4330,7 +4433,7 @@
         </p:nvSpPr>
         <p:spPr>
           <a:xfrm>
-            <a:off x="7292090" y="1240042"/>
+            <a:off x="7292089" y="797019"/>
             <a:ext cx="1360967" cy="435936"/>
           </a:xfrm>
           <a:prstGeom prst="rect">
@@ -4389,7 +4492,7 @@
         </p:nvSpPr>
         <p:spPr>
           <a:xfrm>
-            <a:off x="3848950" y="1240042"/>
+            <a:off x="3848949" y="797019"/>
             <a:ext cx="1360967" cy="435936"/>
           </a:xfrm>
           <a:prstGeom prst="rect">
@@ -4434,42 +4537,12 @@
           </a:p>
         </p:txBody>
       </p:sp>
-    </p:spTree>
-    <p:extLst>
-      <p:ext uri="{BB962C8B-B14F-4D97-AF65-F5344CB8AC3E}">
-        <p14:creationId xmlns:p14="http://schemas.microsoft.com/office/powerpoint/2010/main" val="3069744098"/>
-      </p:ext>
-    </p:extLst>
-  </p:cSld>
-  <p:clrMapOvr>
-    <a:masterClrMapping/>
-  </p:clrMapOvr>
-</p:sld>
-</file>
-
-<file path=ppt/slides/slide3.xml><?xml version="1.0" encoding="utf-8"?>
-<p:sld xmlns:a="http://schemas.openxmlformats.org/drawingml/2006/main" xmlns:r="http://schemas.openxmlformats.org/officeDocument/2006/relationships" xmlns:p="http://schemas.openxmlformats.org/presentationml/2006/main">
-  <p:cSld>
-    <p:spTree>
-      <p:nvGrpSpPr>
-        <p:cNvPr id="1" name=""/>
-        <p:cNvGrpSpPr/>
-        <p:nvPr/>
-      </p:nvGrpSpPr>
-      <p:grpSpPr>
-        <a:xfrm>
-          <a:off x="0" y="0"/>
-          <a:ext cx="0" cy="0"/>
-          <a:chOff x="0" y="0"/>
-          <a:chExt cx="0" cy="0"/>
-        </a:xfrm>
-      </p:grpSpPr>
-      <p:sp>
-        <p:nvSpPr>
-          <p:cNvPr id="5" name="Rectangle 4">
-            <a:extLst>
-              <a:ext uri="{FF2B5EF4-FFF2-40B4-BE49-F238E27FC236}">
-                <a16:creationId xmlns:a16="http://schemas.microsoft.com/office/drawing/2014/main" id="{A554FE1C-5FC9-B149-BCDC-7AD424CE742D}"/>
+      <p:sp>
+        <p:nvSpPr>
+          <p:cNvPr id="32" name="Rectangle 31">
+            <a:extLst>
+              <a:ext uri="{FF2B5EF4-FFF2-40B4-BE49-F238E27FC236}">
+                <a16:creationId xmlns:a16="http://schemas.microsoft.com/office/drawing/2014/main" id="{D3FA2E88-4AA9-4F4D-8FD0-45D0BD4E01E0}"/>
               </a:ext>
             </a:extLst>
           </p:cNvPr>
@@ -4478,393 +4551,7 @@
         </p:nvSpPr>
         <p:spPr>
           <a:xfrm>
-            <a:off x="405810" y="5232314"/>
-            <a:ext cx="1360967" cy="435936"/>
-          </a:xfrm>
-          <a:prstGeom prst="rect">
-            <a:avLst/>
-          </a:prstGeom>
-          <a:solidFill>
-            <a:schemeClr val="accent1">
-              <a:lumMod val="75000"/>
-            </a:schemeClr>
-          </a:solidFill>
-        </p:spPr>
-        <p:style>
-          <a:lnRef idx="2">
-            <a:schemeClr val="accent1">
-              <a:shade val="50000"/>
-            </a:schemeClr>
-          </a:lnRef>
-          <a:fillRef idx="1">
-            <a:schemeClr val="accent1"/>
-          </a:fillRef>
-          <a:effectRef idx="0">
-            <a:schemeClr val="accent1"/>
-          </a:effectRef>
-          <a:fontRef idx="minor">
-            <a:schemeClr val="lt1"/>
-          </a:fontRef>
-        </p:style>
-        <p:txBody>
-          <a:bodyPr rtlCol="0" anchor="ctr"/>
-          <a:lstStyle/>
-          <a:p>
-            <a:pPr algn="ctr"/>
-            <a:r>
-              <a:rPr lang="en-US" dirty="0" err="1"/>
-              <a:t>API</a:t>
-            </a:r>
-            <a:r>
-              <a:rPr lang="en-US" baseline="-25000" dirty="0" err="1"/>
-              <a:t>Provider</a:t>
-            </a:r>
-            <a:endParaRPr lang="en-US" dirty="0"/>
-          </a:p>
-        </p:txBody>
-      </p:sp>
-      <p:sp>
-        <p:nvSpPr>
-          <p:cNvPr id="8" name="Rectangle 7">
-            <a:extLst>
-              <a:ext uri="{FF2B5EF4-FFF2-40B4-BE49-F238E27FC236}">
-                <a16:creationId xmlns:a16="http://schemas.microsoft.com/office/drawing/2014/main" id="{C097CC69-F3DF-5242-834D-D17351C5B1EA}"/>
-              </a:ext>
-            </a:extLst>
-          </p:cNvPr>
-          <p:cNvSpPr/>
-          <p:nvPr/>
-        </p:nvSpPr>
-        <p:spPr>
-          <a:xfrm>
-            <a:off x="3277431" y="2940776"/>
-            <a:ext cx="2504004" cy="1073259"/>
-          </a:xfrm>
-          <a:prstGeom prst="rect">
-            <a:avLst/>
-          </a:prstGeom>
-          <a:solidFill>
-            <a:schemeClr val="accent1">
-              <a:lumMod val="60000"/>
-              <a:lumOff val="40000"/>
-            </a:schemeClr>
-          </a:solidFill>
-        </p:spPr>
-        <p:style>
-          <a:lnRef idx="2">
-            <a:schemeClr val="accent1">
-              <a:shade val="50000"/>
-            </a:schemeClr>
-          </a:lnRef>
-          <a:fillRef idx="1">
-            <a:schemeClr val="accent1"/>
-          </a:fillRef>
-          <a:effectRef idx="0">
-            <a:schemeClr val="accent1"/>
-          </a:effectRef>
-          <a:fontRef idx="minor">
-            <a:schemeClr val="lt1"/>
-          </a:fontRef>
-        </p:style>
-        <p:txBody>
-          <a:bodyPr rtlCol="0" anchor="b"/>
-          <a:lstStyle/>
-          <a:p>
-            <a:pPr algn="r"/>
-            <a:r>
-              <a:rPr lang="en-US" dirty="0"/>
-              <a:t>Catalog</a:t>
-            </a:r>
-          </a:p>
-        </p:txBody>
-      </p:sp>
-      <p:pic>
-        <p:nvPicPr>
-          <p:cNvPr id="7" name="Graphic 6">
-            <a:extLst>
-              <a:ext uri="{FF2B5EF4-FFF2-40B4-BE49-F238E27FC236}">
-                <a16:creationId xmlns:a16="http://schemas.microsoft.com/office/drawing/2014/main" id="{8E1450E0-72FD-8946-8286-8222E2F1789F}"/>
-              </a:ext>
-            </a:extLst>
-          </p:cNvPr>
-          <p:cNvPicPr>
-            <a:picLocks noChangeAspect="1"/>
-          </p:cNvPicPr>
-          <p:nvPr/>
-        </p:nvPicPr>
-        <p:blipFill>
-          <a:blip r:embed="rId2">
-            <a:extLst>
-              <a:ext uri="{96DAC541-7B7A-43D3-8B79-37D633B846F1}">
-                <asvg:svgBlip xmlns:asvg="http://schemas.microsoft.com/office/drawing/2016/SVG/main" r:embed="rId3"/>
-              </a:ext>
-            </a:extLst>
-          </a:blip>
-          <a:stretch>
-            <a:fillRect/>
-          </a:stretch>
-        </p:blipFill>
-        <p:spPr>
-          <a:xfrm>
-            <a:off x="3343967" y="3005906"/>
-            <a:ext cx="1903079" cy="942998"/>
-          </a:xfrm>
-          <a:prstGeom prst="rect">
-            <a:avLst/>
-          </a:prstGeom>
-        </p:spPr>
-      </p:pic>
-      <p:sp>
-        <p:nvSpPr>
-          <p:cNvPr id="11" name="Rectangle 10">
-            <a:extLst>
-              <a:ext uri="{FF2B5EF4-FFF2-40B4-BE49-F238E27FC236}">
-                <a16:creationId xmlns:a16="http://schemas.microsoft.com/office/drawing/2014/main" id="{C45211D4-C403-C249-8362-B1B386FEC205}"/>
-              </a:ext>
-            </a:extLst>
-          </p:cNvPr>
-          <p:cNvSpPr/>
-          <p:nvPr/>
-        </p:nvSpPr>
-        <p:spPr>
-          <a:xfrm>
-            <a:off x="2014870" y="5232314"/>
-            <a:ext cx="1360967" cy="435936"/>
-          </a:xfrm>
-          <a:prstGeom prst="rect">
-            <a:avLst/>
-          </a:prstGeom>
-          <a:solidFill>
-            <a:schemeClr val="accent1">
-              <a:lumMod val="75000"/>
-            </a:schemeClr>
-          </a:solidFill>
-        </p:spPr>
-        <p:style>
-          <a:lnRef idx="2">
-            <a:schemeClr val="accent1">
-              <a:shade val="50000"/>
-            </a:schemeClr>
-          </a:lnRef>
-          <a:fillRef idx="1">
-            <a:schemeClr val="accent1"/>
-          </a:fillRef>
-          <a:effectRef idx="0">
-            <a:schemeClr val="accent1"/>
-          </a:effectRef>
-          <a:fontRef idx="minor">
-            <a:schemeClr val="lt1"/>
-          </a:fontRef>
-        </p:style>
-        <p:txBody>
-          <a:bodyPr rtlCol="0" anchor="ctr"/>
-          <a:lstStyle/>
-          <a:p>
-            <a:pPr algn="ctr"/>
-            <a:r>
-              <a:rPr lang="en-US" dirty="0" err="1"/>
-              <a:t>API</a:t>
-            </a:r>
-            <a:r>
-              <a:rPr lang="en-US" baseline="-25000" dirty="0" err="1"/>
-              <a:t>Provider</a:t>
-            </a:r>
-            <a:endParaRPr lang="en-US" dirty="0"/>
-          </a:p>
-        </p:txBody>
-      </p:sp>
-      <p:sp>
-        <p:nvSpPr>
-          <p:cNvPr id="13" name="Rectangle 12">
-            <a:extLst>
-              <a:ext uri="{FF2B5EF4-FFF2-40B4-BE49-F238E27FC236}">
-                <a16:creationId xmlns:a16="http://schemas.microsoft.com/office/drawing/2014/main" id="{00A1E21E-21CB-1A46-9D12-80A2E40D8D89}"/>
-              </a:ext>
-            </a:extLst>
-          </p:cNvPr>
-          <p:cNvSpPr/>
-          <p:nvPr/>
-        </p:nvSpPr>
-        <p:spPr>
-          <a:xfrm>
-            <a:off x="3815317" y="5233409"/>
-            <a:ext cx="1360967" cy="435936"/>
-          </a:xfrm>
-          <a:prstGeom prst="rect">
-            <a:avLst/>
-          </a:prstGeom>
-          <a:solidFill>
-            <a:schemeClr val="accent1">
-              <a:lumMod val="75000"/>
-            </a:schemeClr>
-          </a:solidFill>
-        </p:spPr>
-        <p:style>
-          <a:lnRef idx="2">
-            <a:schemeClr val="accent1">
-              <a:shade val="50000"/>
-            </a:schemeClr>
-          </a:lnRef>
-          <a:fillRef idx="1">
-            <a:schemeClr val="accent1"/>
-          </a:fillRef>
-          <a:effectRef idx="0">
-            <a:schemeClr val="accent1"/>
-          </a:effectRef>
-          <a:fontRef idx="minor">
-            <a:schemeClr val="lt1"/>
-          </a:fontRef>
-        </p:style>
-        <p:txBody>
-          <a:bodyPr rtlCol="0" anchor="ctr"/>
-          <a:lstStyle/>
-          <a:p>
-            <a:pPr algn="ctr"/>
-            <a:r>
-              <a:rPr lang="en-US" dirty="0" err="1"/>
-              <a:t>API</a:t>
-            </a:r>
-            <a:r>
-              <a:rPr lang="en-US" baseline="-25000" dirty="0" err="1"/>
-              <a:t>Provider</a:t>
-            </a:r>
-            <a:endParaRPr lang="en-US" dirty="0"/>
-          </a:p>
-        </p:txBody>
-      </p:sp>
-      <p:sp>
-        <p:nvSpPr>
-          <p:cNvPr id="15" name="Rectangle 14">
-            <a:extLst>
-              <a:ext uri="{FF2B5EF4-FFF2-40B4-BE49-F238E27FC236}">
-                <a16:creationId xmlns:a16="http://schemas.microsoft.com/office/drawing/2014/main" id="{0DCD9790-E817-5F42-963B-086773F5FC69}"/>
-              </a:ext>
-            </a:extLst>
-          </p:cNvPr>
-          <p:cNvSpPr/>
-          <p:nvPr/>
-        </p:nvSpPr>
-        <p:spPr>
-          <a:xfrm>
-            <a:off x="5424377" y="5232314"/>
-            <a:ext cx="1360967" cy="435936"/>
-          </a:xfrm>
-          <a:prstGeom prst="rect">
-            <a:avLst/>
-          </a:prstGeom>
-          <a:solidFill>
-            <a:schemeClr val="accent1">
-              <a:lumMod val="75000"/>
-            </a:schemeClr>
-          </a:solidFill>
-        </p:spPr>
-        <p:style>
-          <a:lnRef idx="2">
-            <a:schemeClr val="accent1">
-              <a:shade val="50000"/>
-            </a:schemeClr>
-          </a:lnRef>
-          <a:fillRef idx="1">
-            <a:schemeClr val="accent1"/>
-          </a:fillRef>
-          <a:effectRef idx="0">
-            <a:schemeClr val="accent1"/>
-          </a:effectRef>
-          <a:fontRef idx="minor">
-            <a:schemeClr val="lt1"/>
-          </a:fontRef>
-        </p:style>
-        <p:txBody>
-          <a:bodyPr rtlCol="0" anchor="ctr"/>
-          <a:lstStyle/>
-          <a:p>
-            <a:pPr algn="ctr"/>
-            <a:r>
-              <a:rPr lang="en-US" dirty="0" err="1"/>
-              <a:t>API</a:t>
-            </a:r>
-            <a:r>
-              <a:rPr lang="en-US" baseline="-25000" dirty="0" err="1"/>
-              <a:t>Provider</a:t>
-            </a:r>
-            <a:endParaRPr lang="en-US" dirty="0"/>
-          </a:p>
-        </p:txBody>
-      </p:sp>
-      <p:sp>
-        <p:nvSpPr>
-          <p:cNvPr id="17" name="Rectangle 16">
-            <a:extLst>
-              <a:ext uri="{FF2B5EF4-FFF2-40B4-BE49-F238E27FC236}">
-                <a16:creationId xmlns:a16="http://schemas.microsoft.com/office/drawing/2014/main" id="{519005A8-38F4-E749-8CA7-58B98E35BC59}"/>
-              </a:ext>
-            </a:extLst>
-          </p:cNvPr>
-          <p:cNvSpPr/>
-          <p:nvPr/>
-        </p:nvSpPr>
-        <p:spPr>
-          <a:xfrm>
-            <a:off x="7224822" y="5233409"/>
-            <a:ext cx="1360967" cy="435936"/>
-          </a:xfrm>
-          <a:prstGeom prst="rect">
-            <a:avLst/>
-          </a:prstGeom>
-          <a:solidFill>
-            <a:schemeClr val="accent1">
-              <a:lumMod val="75000"/>
-            </a:schemeClr>
-          </a:solidFill>
-        </p:spPr>
-        <p:style>
-          <a:lnRef idx="2">
-            <a:schemeClr val="accent1">
-              <a:shade val="50000"/>
-            </a:schemeClr>
-          </a:lnRef>
-          <a:fillRef idx="1">
-            <a:schemeClr val="accent1"/>
-          </a:fillRef>
-          <a:effectRef idx="0">
-            <a:schemeClr val="accent1"/>
-          </a:effectRef>
-          <a:fontRef idx="minor">
-            <a:schemeClr val="lt1"/>
-          </a:fontRef>
-        </p:style>
-        <p:txBody>
-          <a:bodyPr rtlCol="0" anchor="ctr"/>
-          <a:lstStyle/>
-          <a:p>
-            <a:pPr algn="ctr"/>
-            <a:r>
-              <a:rPr lang="en-US" dirty="0" err="1"/>
-              <a:t>API</a:t>
-            </a:r>
-            <a:r>
-              <a:rPr lang="en-US" baseline="-25000" dirty="0" err="1"/>
-              <a:t>Provider</a:t>
-            </a:r>
-            <a:endParaRPr lang="en-US" dirty="0"/>
-          </a:p>
-        </p:txBody>
-      </p:sp>
-      <p:sp>
-        <p:nvSpPr>
-          <p:cNvPr id="18" name="Rectangle 17">
-            <a:extLst>
-              <a:ext uri="{FF2B5EF4-FFF2-40B4-BE49-F238E27FC236}">
-                <a16:creationId xmlns:a16="http://schemas.microsoft.com/office/drawing/2014/main" id="{5EA7F77D-A9CE-5843-8176-AFA5C2CE1FFD}"/>
-              </a:ext>
-            </a:extLst>
-          </p:cNvPr>
-          <p:cNvSpPr/>
-          <p:nvPr/>
-        </p:nvSpPr>
-        <p:spPr>
-          <a:xfrm>
-            <a:off x="405810" y="4556049"/>
+            <a:off x="5683029" y="1462103"/>
             <a:ext cx="2970028" cy="435936"/>
           </a:xfrm>
           <a:prstGeom prst="rect">
@@ -4908,17 +4595,17 @@
             <a:pPr algn="ctr"/>
             <a:r>
               <a:rPr lang="en-US" dirty="0"/>
-              <a:t>Gateway</a:t>
-            </a:r>
-          </a:p>
-        </p:txBody>
-      </p:sp>
-      <p:sp>
-        <p:nvSpPr>
-          <p:cNvPr id="19" name="Rectangle 18">
-            <a:extLst>
-              <a:ext uri="{FF2B5EF4-FFF2-40B4-BE49-F238E27FC236}">
-                <a16:creationId xmlns:a16="http://schemas.microsoft.com/office/drawing/2014/main" id="{89AF62B9-ADF0-9447-B76F-EC7667F8B8D3}"/>
+              <a:t>Marketplace</a:t>
+            </a:r>
+          </a:p>
+        </p:txBody>
+      </p:sp>
+      <p:sp>
+        <p:nvSpPr>
+          <p:cNvPr id="34" name="Rectangle 33">
+            <a:extLst>
+              <a:ext uri="{FF2B5EF4-FFF2-40B4-BE49-F238E27FC236}">
+                <a16:creationId xmlns:a16="http://schemas.microsoft.com/office/drawing/2014/main" id="{5380F2A4-5C4E-7F40-8EAD-B0A9F6F32103}"/>
               </a:ext>
             </a:extLst>
           </p:cNvPr>
@@ -4927,7 +4614,7 @@
         </p:nvSpPr>
         <p:spPr>
           <a:xfrm>
-            <a:off x="3815316" y="4556049"/>
+            <a:off x="405807" y="1462103"/>
             <a:ext cx="2970028" cy="435936"/>
           </a:xfrm>
           <a:prstGeom prst="rect">
@@ -4971,17 +4658,17 @@
             <a:pPr algn="ctr"/>
             <a:r>
               <a:rPr lang="en-US" dirty="0"/>
-              <a:t>Gateway</a:t>
-            </a:r>
-          </a:p>
-        </p:txBody>
-      </p:sp>
-      <p:sp>
-        <p:nvSpPr>
-          <p:cNvPr id="20" name="Rectangle 19">
-            <a:extLst>
-              <a:ext uri="{FF2B5EF4-FFF2-40B4-BE49-F238E27FC236}">
-                <a16:creationId xmlns:a16="http://schemas.microsoft.com/office/drawing/2014/main" id="{1E4834FB-16C1-D842-988D-801595A91D65}"/>
+              <a:t>Portal</a:t>
+            </a:r>
+          </a:p>
+        </p:txBody>
+      </p:sp>
+      <p:sp>
+        <p:nvSpPr>
+          <p:cNvPr id="35" name="Rectangle 34">
+            <a:extLst>
+              <a:ext uri="{FF2B5EF4-FFF2-40B4-BE49-F238E27FC236}">
+                <a16:creationId xmlns:a16="http://schemas.microsoft.com/office/drawing/2014/main" id="{5070D854-2878-9448-B5D8-DC23EC7B7F21}"/>
               </a:ext>
             </a:extLst>
           </p:cNvPr>
@@ -4990,7 +4677,7 @@
         </p:nvSpPr>
         <p:spPr>
           <a:xfrm>
-            <a:off x="7224822" y="4556049"/>
+            <a:off x="3848947" y="1472792"/>
             <a:ext cx="1360967" cy="435936"/>
           </a:xfrm>
           <a:prstGeom prst="rect">
@@ -5034,17 +4721,17 @@
             <a:pPr algn="ctr"/>
             <a:r>
               <a:rPr lang="en-US" dirty="0"/>
-              <a:t>Gateway</a:t>
-            </a:r>
-          </a:p>
-        </p:txBody>
-      </p:sp>
-      <p:sp>
-        <p:nvSpPr>
-          <p:cNvPr id="22" name="Rectangle 21">
-            <a:extLst>
-              <a:ext uri="{FF2B5EF4-FFF2-40B4-BE49-F238E27FC236}">
-                <a16:creationId xmlns:a16="http://schemas.microsoft.com/office/drawing/2014/main" id="{91D54C4F-B4AE-1441-9D56-A2C9E5237445}"/>
+              <a:t>Portal</a:t>
+            </a:r>
+          </a:p>
+        </p:txBody>
+      </p:sp>
+      <p:sp>
+        <p:nvSpPr>
+          <p:cNvPr id="36" name="Left-Right Arrow 35">
+            <a:extLst>
+              <a:ext uri="{FF2B5EF4-FFF2-40B4-BE49-F238E27FC236}">
+                <a16:creationId xmlns:a16="http://schemas.microsoft.com/office/drawing/2014/main" id="{FF2B0A4D-4A66-0748-B57A-424CD1F3F13E}"/>
               </a:ext>
             </a:extLst>
           </p:cNvPr>
@@ -5053,1215 +4740,8 @@
         </p:nvSpPr>
         <p:spPr>
           <a:xfrm>
-            <a:off x="405810" y="1253543"/>
-            <a:ext cx="1360967" cy="435936"/>
-          </a:xfrm>
-          <a:prstGeom prst="rect">
-            <a:avLst/>
-          </a:prstGeom>
-          <a:solidFill>
-            <a:schemeClr val="accent1">
-              <a:lumMod val="75000"/>
-            </a:schemeClr>
-          </a:solidFill>
-        </p:spPr>
-        <p:style>
-          <a:lnRef idx="2">
-            <a:schemeClr val="accent1">
-              <a:shade val="50000"/>
-            </a:schemeClr>
-          </a:lnRef>
-          <a:fillRef idx="1">
-            <a:schemeClr val="accent1"/>
-          </a:fillRef>
-          <a:effectRef idx="0">
-            <a:schemeClr val="accent1"/>
-          </a:effectRef>
-          <a:fontRef idx="minor">
-            <a:schemeClr val="lt1"/>
-          </a:fontRef>
-        </p:style>
-        <p:txBody>
-          <a:bodyPr rtlCol="0" anchor="ctr"/>
-          <a:lstStyle/>
-          <a:p>
-            <a:pPr algn="ctr"/>
-            <a:r>
-              <a:rPr lang="en-US" dirty="0" err="1"/>
-              <a:t>API</a:t>
-            </a:r>
-            <a:r>
-              <a:rPr lang="en-US" baseline="-25000" dirty="0" err="1"/>
-              <a:t>Consumer</a:t>
-            </a:r>
-            <a:endParaRPr lang="en-US" baseline="-25000" dirty="0"/>
-          </a:p>
-        </p:txBody>
-      </p:sp>
-      <p:sp>
-        <p:nvSpPr>
-          <p:cNvPr id="23" name="Rectangle 22">
-            <a:extLst>
-              <a:ext uri="{FF2B5EF4-FFF2-40B4-BE49-F238E27FC236}">
-                <a16:creationId xmlns:a16="http://schemas.microsoft.com/office/drawing/2014/main" id="{A9544A8B-3602-0E41-A6A1-33F7FB5A504A}"/>
-              </a:ext>
-            </a:extLst>
-          </p:cNvPr>
-          <p:cNvSpPr/>
-          <p:nvPr/>
-        </p:nvSpPr>
-        <p:spPr>
-          <a:xfrm>
-            <a:off x="2014870" y="1253543"/>
-            <a:ext cx="1360967" cy="435936"/>
-          </a:xfrm>
-          <a:prstGeom prst="rect">
-            <a:avLst/>
-          </a:prstGeom>
-          <a:solidFill>
-            <a:schemeClr val="accent1">
-              <a:lumMod val="75000"/>
-            </a:schemeClr>
-          </a:solidFill>
-        </p:spPr>
-        <p:style>
-          <a:lnRef idx="2">
-            <a:schemeClr val="accent1">
-              <a:shade val="50000"/>
-            </a:schemeClr>
-          </a:lnRef>
-          <a:fillRef idx="1">
-            <a:schemeClr val="accent1"/>
-          </a:fillRef>
-          <a:effectRef idx="0">
-            <a:schemeClr val="accent1"/>
-          </a:effectRef>
-          <a:fontRef idx="minor">
-            <a:schemeClr val="lt1"/>
-          </a:fontRef>
-        </p:style>
-        <p:txBody>
-          <a:bodyPr rtlCol="0" anchor="ctr"/>
-          <a:lstStyle/>
-          <a:p>
-            <a:pPr algn="ctr"/>
-            <a:r>
-              <a:rPr lang="en-US" dirty="0" err="1"/>
-              <a:t>API</a:t>
-            </a:r>
-            <a:r>
-              <a:rPr lang="en-US" baseline="-25000" dirty="0" err="1"/>
-              <a:t>Consumer</a:t>
-            </a:r>
-            <a:endParaRPr lang="en-US" dirty="0"/>
-          </a:p>
-        </p:txBody>
-      </p:sp>
-      <p:sp>
-        <p:nvSpPr>
-          <p:cNvPr id="28" name="Rectangle 27">
-            <a:extLst>
-              <a:ext uri="{FF2B5EF4-FFF2-40B4-BE49-F238E27FC236}">
-                <a16:creationId xmlns:a16="http://schemas.microsoft.com/office/drawing/2014/main" id="{11357D2E-026C-5A4F-A590-9C6164108CD6}"/>
-              </a:ext>
-            </a:extLst>
-          </p:cNvPr>
-          <p:cNvSpPr/>
-          <p:nvPr/>
-        </p:nvSpPr>
-        <p:spPr>
-          <a:xfrm>
-            <a:off x="5683030" y="1240042"/>
-            <a:ext cx="1360967" cy="435936"/>
-          </a:xfrm>
-          <a:prstGeom prst="rect">
-            <a:avLst/>
-          </a:prstGeom>
-          <a:solidFill>
-            <a:schemeClr val="accent1">
-              <a:lumMod val="75000"/>
-            </a:schemeClr>
-          </a:solidFill>
-        </p:spPr>
-        <p:style>
-          <a:lnRef idx="2">
-            <a:schemeClr val="accent1">
-              <a:shade val="50000"/>
-            </a:schemeClr>
-          </a:lnRef>
-          <a:fillRef idx="1">
-            <a:schemeClr val="accent1"/>
-          </a:fillRef>
-          <a:effectRef idx="0">
-            <a:schemeClr val="accent1"/>
-          </a:effectRef>
-          <a:fontRef idx="minor">
-            <a:schemeClr val="lt1"/>
-          </a:fontRef>
-        </p:style>
-        <p:txBody>
-          <a:bodyPr rtlCol="0" anchor="ctr"/>
-          <a:lstStyle/>
-          <a:p>
-            <a:pPr algn="ctr"/>
-            <a:r>
-              <a:rPr lang="en-US" dirty="0" err="1"/>
-              <a:t>API</a:t>
-            </a:r>
-            <a:r>
-              <a:rPr lang="en-US" baseline="-25000" dirty="0" err="1"/>
-              <a:t>Consumer</a:t>
-            </a:r>
-            <a:endParaRPr lang="en-US" dirty="0"/>
-          </a:p>
-        </p:txBody>
-      </p:sp>
-      <p:sp>
-        <p:nvSpPr>
-          <p:cNvPr id="29" name="Rectangle 28">
-            <a:extLst>
-              <a:ext uri="{FF2B5EF4-FFF2-40B4-BE49-F238E27FC236}">
-                <a16:creationId xmlns:a16="http://schemas.microsoft.com/office/drawing/2014/main" id="{3D2D7876-F859-4B41-AC06-AA012FEBC794}"/>
-              </a:ext>
-            </a:extLst>
-          </p:cNvPr>
-          <p:cNvSpPr/>
-          <p:nvPr/>
-        </p:nvSpPr>
-        <p:spPr>
-          <a:xfrm>
-            <a:off x="7292090" y="1240042"/>
-            <a:ext cx="1360967" cy="435936"/>
-          </a:xfrm>
-          <a:prstGeom prst="rect">
-            <a:avLst/>
-          </a:prstGeom>
-          <a:solidFill>
-            <a:schemeClr val="accent1">
-              <a:lumMod val="75000"/>
-            </a:schemeClr>
-          </a:solidFill>
-        </p:spPr>
-        <p:style>
-          <a:lnRef idx="2">
-            <a:schemeClr val="accent1">
-              <a:shade val="50000"/>
-            </a:schemeClr>
-          </a:lnRef>
-          <a:fillRef idx="1">
-            <a:schemeClr val="accent1"/>
-          </a:fillRef>
-          <a:effectRef idx="0">
-            <a:schemeClr val="accent1"/>
-          </a:effectRef>
-          <a:fontRef idx="minor">
-            <a:schemeClr val="lt1"/>
-          </a:fontRef>
-        </p:style>
-        <p:txBody>
-          <a:bodyPr rtlCol="0" anchor="ctr"/>
-          <a:lstStyle/>
-          <a:p>
-            <a:pPr algn="ctr"/>
-            <a:r>
-              <a:rPr lang="en-US" dirty="0" err="1"/>
-              <a:t>API</a:t>
-            </a:r>
-            <a:r>
-              <a:rPr lang="en-US" baseline="-25000" dirty="0" err="1"/>
-              <a:t>Consumer</a:t>
-            </a:r>
-            <a:endParaRPr lang="en-US" dirty="0"/>
-          </a:p>
-        </p:txBody>
-      </p:sp>
-      <p:sp>
-        <p:nvSpPr>
-          <p:cNvPr id="31" name="Rectangle 30">
-            <a:extLst>
-              <a:ext uri="{FF2B5EF4-FFF2-40B4-BE49-F238E27FC236}">
-                <a16:creationId xmlns:a16="http://schemas.microsoft.com/office/drawing/2014/main" id="{72AE3F21-17F0-A244-BB5C-D3EACB6ACB5B}"/>
-              </a:ext>
-            </a:extLst>
-          </p:cNvPr>
-          <p:cNvSpPr/>
-          <p:nvPr/>
-        </p:nvSpPr>
-        <p:spPr>
-          <a:xfrm>
-            <a:off x="3848950" y="1240042"/>
-            <a:ext cx="1360967" cy="435936"/>
-          </a:xfrm>
-          <a:prstGeom prst="rect">
-            <a:avLst/>
-          </a:prstGeom>
-          <a:solidFill>
-            <a:schemeClr val="accent1">
-              <a:lumMod val="75000"/>
-            </a:schemeClr>
-          </a:solidFill>
-        </p:spPr>
-        <p:style>
-          <a:lnRef idx="2">
-            <a:schemeClr val="accent1">
-              <a:shade val="50000"/>
-            </a:schemeClr>
-          </a:lnRef>
-          <a:fillRef idx="1">
-            <a:schemeClr val="accent1"/>
-          </a:fillRef>
-          <a:effectRef idx="0">
-            <a:schemeClr val="accent1"/>
-          </a:effectRef>
-          <a:fontRef idx="minor">
-            <a:schemeClr val="lt1"/>
-          </a:fontRef>
-        </p:style>
-        <p:txBody>
-          <a:bodyPr rtlCol="0" anchor="ctr"/>
-          <a:lstStyle/>
-          <a:p>
-            <a:pPr algn="ctr"/>
-            <a:r>
-              <a:rPr lang="en-US" dirty="0" err="1"/>
-              <a:t>API</a:t>
-            </a:r>
-            <a:r>
-              <a:rPr lang="en-US" baseline="-25000" dirty="0" err="1"/>
-              <a:t>Consumer</a:t>
-            </a:r>
-            <a:endParaRPr lang="en-US" dirty="0"/>
-          </a:p>
-        </p:txBody>
-      </p:sp>
-      <p:sp>
-        <p:nvSpPr>
-          <p:cNvPr id="32" name="Rectangle 31">
-            <a:extLst>
-              <a:ext uri="{FF2B5EF4-FFF2-40B4-BE49-F238E27FC236}">
-                <a16:creationId xmlns:a16="http://schemas.microsoft.com/office/drawing/2014/main" id="{D3FA2E88-4AA9-4F4D-8FD0-45D0BD4E01E0}"/>
-              </a:ext>
-            </a:extLst>
-          </p:cNvPr>
-          <p:cNvSpPr/>
-          <p:nvPr/>
-        </p:nvSpPr>
-        <p:spPr>
-          <a:xfrm>
-            <a:off x="5683030" y="1905126"/>
-            <a:ext cx="2970028" cy="435936"/>
-          </a:xfrm>
-          <a:prstGeom prst="rect">
-            <a:avLst/>
-          </a:prstGeom>
-          <a:solidFill>
-            <a:schemeClr val="accent1">
-              <a:lumMod val="20000"/>
-              <a:lumOff val="80000"/>
-            </a:schemeClr>
-          </a:solidFill>
-          <a:ln>
-            <a:solidFill>
-              <a:schemeClr val="accent1">
-                <a:lumMod val="60000"/>
-                <a:lumOff val="40000"/>
-              </a:schemeClr>
-            </a:solidFill>
-          </a:ln>
-        </p:spPr>
-        <p:style>
-          <a:lnRef idx="2">
-            <a:schemeClr val="accent1">
-              <a:shade val="50000"/>
-            </a:schemeClr>
-          </a:lnRef>
-          <a:fillRef idx="1">
-            <a:schemeClr val="accent1"/>
-          </a:fillRef>
-          <a:effectRef idx="0">
-            <a:schemeClr val="accent1"/>
-          </a:effectRef>
-          <a:fontRef idx="minor">
-            <a:schemeClr val="lt1"/>
-          </a:fontRef>
-        </p:style>
-        <p:txBody>
-          <a:bodyPr rtlCol="0" anchor="ctr"/>
-          <a:lstStyle/>
-          <a:p>
-            <a:pPr algn="ctr"/>
-            <a:r>
-              <a:rPr lang="en-US" dirty="0"/>
-              <a:t>Marketplace</a:t>
-            </a:r>
-          </a:p>
-        </p:txBody>
-      </p:sp>
-      <p:sp>
-        <p:nvSpPr>
-          <p:cNvPr id="34" name="Rectangle 33">
-            <a:extLst>
-              <a:ext uri="{FF2B5EF4-FFF2-40B4-BE49-F238E27FC236}">
-                <a16:creationId xmlns:a16="http://schemas.microsoft.com/office/drawing/2014/main" id="{5380F2A4-5C4E-7F40-8EAD-B0A9F6F32103}"/>
-              </a:ext>
-            </a:extLst>
-          </p:cNvPr>
-          <p:cNvSpPr/>
-          <p:nvPr/>
-        </p:nvSpPr>
-        <p:spPr>
-          <a:xfrm>
-            <a:off x="373939" y="1905126"/>
-            <a:ext cx="2970028" cy="435936"/>
-          </a:xfrm>
-          <a:prstGeom prst="rect">
-            <a:avLst/>
-          </a:prstGeom>
-          <a:solidFill>
-            <a:schemeClr val="accent1">
-              <a:lumMod val="20000"/>
-              <a:lumOff val="80000"/>
-            </a:schemeClr>
-          </a:solidFill>
-          <a:ln>
-            <a:solidFill>
-              <a:schemeClr val="accent1">
-                <a:lumMod val="60000"/>
-                <a:lumOff val="40000"/>
-              </a:schemeClr>
-            </a:solidFill>
-          </a:ln>
-        </p:spPr>
-        <p:style>
-          <a:lnRef idx="2">
-            <a:schemeClr val="accent1">
-              <a:shade val="50000"/>
-            </a:schemeClr>
-          </a:lnRef>
-          <a:fillRef idx="1">
-            <a:schemeClr val="accent1"/>
-          </a:fillRef>
-          <a:effectRef idx="0">
-            <a:schemeClr val="accent1"/>
-          </a:effectRef>
-          <a:fontRef idx="minor">
-            <a:schemeClr val="lt1"/>
-          </a:fontRef>
-        </p:style>
-        <p:txBody>
-          <a:bodyPr rtlCol="0" anchor="ctr"/>
-          <a:lstStyle/>
-          <a:p>
-            <a:pPr algn="ctr"/>
-            <a:r>
-              <a:rPr lang="en-US" dirty="0"/>
-              <a:t>Portal</a:t>
-            </a:r>
-          </a:p>
-        </p:txBody>
-      </p:sp>
-      <p:sp>
-        <p:nvSpPr>
-          <p:cNvPr id="35" name="Rectangle 34">
-            <a:extLst>
-              <a:ext uri="{FF2B5EF4-FFF2-40B4-BE49-F238E27FC236}">
-                <a16:creationId xmlns:a16="http://schemas.microsoft.com/office/drawing/2014/main" id="{5070D854-2878-9448-B5D8-DC23EC7B7F21}"/>
-              </a:ext>
-            </a:extLst>
-          </p:cNvPr>
-          <p:cNvSpPr/>
-          <p:nvPr/>
-        </p:nvSpPr>
-        <p:spPr>
-          <a:xfrm>
-            <a:off x="3835264" y="1905126"/>
-            <a:ext cx="1360967" cy="435936"/>
-          </a:xfrm>
-          <a:prstGeom prst="rect">
-            <a:avLst/>
-          </a:prstGeom>
-          <a:solidFill>
-            <a:schemeClr val="accent1">
-              <a:lumMod val="20000"/>
-              <a:lumOff val="80000"/>
-            </a:schemeClr>
-          </a:solidFill>
-          <a:ln>
-            <a:solidFill>
-              <a:schemeClr val="accent1">
-                <a:lumMod val="60000"/>
-                <a:lumOff val="40000"/>
-              </a:schemeClr>
-            </a:solidFill>
-          </a:ln>
-        </p:spPr>
-        <p:style>
-          <a:lnRef idx="2">
-            <a:schemeClr val="accent1">
-              <a:shade val="50000"/>
-            </a:schemeClr>
-          </a:lnRef>
-          <a:fillRef idx="1">
-            <a:schemeClr val="accent1"/>
-          </a:fillRef>
-          <a:effectRef idx="0">
-            <a:schemeClr val="accent1"/>
-          </a:effectRef>
-          <a:fontRef idx="minor">
-            <a:schemeClr val="lt1"/>
-          </a:fontRef>
-        </p:style>
-        <p:txBody>
-          <a:bodyPr rtlCol="0" anchor="ctr"/>
-          <a:lstStyle/>
-          <a:p>
-            <a:pPr algn="ctr"/>
-            <a:r>
-              <a:rPr lang="en-US" dirty="0"/>
-              <a:t>Portal</a:t>
-            </a:r>
-          </a:p>
-        </p:txBody>
-      </p:sp>
-    </p:spTree>
-    <p:extLst>
-      <p:ext uri="{BB962C8B-B14F-4D97-AF65-F5344CB8AC3E}">
-        <p14:creationId xmlns:p14="http://schemas.microsoft.com/office/powerpoint/2010/main" val="3442600529"/>
-      </p:ext>
-    </p:extLst>
-  </p:cSld>
-  <p:clrMapOvr>
-    <a:masterClrMapping/>
-  </p:clrMapOvr>
-</p:sld>
-</file>
-
-<file path=ppt/slides/slide4.xml><?xml version="1.0" encoding="utf-8"?>
-<p:sld xmlns:a="http://schemas.openxmlformats.org/drawingml/2006/main" xmlns:r="http://schemas.openxmlformats.org/officeDocument/2006/relationships" xmlns:p="http://schemas.openxmlformats.org/presentationml/2006/main">
-  <p:cSld>
-    <p:spTree>
-      <p:nvGrpSpPr>
-        <p:cNvPr id="1" name=""/>
-        <p:cNvGrpSpPr/>
-        <p:nvPr/>
-      </p:nvGrpSpPr>
-      <p:grpSpPr>
-        <a:xfrm>
-          <a:off x="0" y="0"/>
-          <a:ext cx="0" cy="0"/>
-          <a:chOff x="0" y="0"/>
-          <a:chExt cx="0" cy="0"/>
-        </a:xfrm>
-      </p:grpSpPr>
-      <p:sp>
-        <p:nvSpPr>
-          <p:cNvPr id="5" name="Rectangle 4">
-            <a:extLst>
-              <a:ext uri="{FF2B5EF4-FFF2-40B4-BE49-F238E27FC236}">
-                <a16:creationId xmlns:a16="http://schemas.microsoft.com/office/drawing/2014/main" id="{A554FE1C-5FC9-B149-BCDC-7AD424CE742D}"/>
-              </a:ext>
-            </a:extLst>
-          </p:cNvPr>
-          <p:cNvSpPr/>
-          <p:nvPr/>
-        </p:nvSpPr>
-        <p:spPr>
-          <a:xfrm>
-            <a:off x="405810" y="5232314"/>
-            <a:ext cx="1360967" cy="435936"/>
-          </a:xfrm>
-          <a:prstGeom prst="rect">
-            <a:avLst/>
-          </a:prstGeom>
-          <a:solidFill>
-            <a:schemeClr val="accent1">
-              <a:lumMod val="75000"/>
-            </a:schemeClr>
-          </a:solidFill>
-        </p:spPr>
-        <p:style>
-          <a:lnRef idx="2">
-            <a:schemeClr val="accent1">
-              <a:shade val="50000"/>
-            </a:schemeClr>
-          </a:lnRef>
-          <a:fillRef idx="1">
-            <a:schemeClr val="accent1"/>
-          </a:fillRef>
-          <a:effectRef idx="0">
-            <a:schemeClr val="accent1"/>
-          </a:effectRef>
-          <a:fontRef idx="minor">
-            <a:schemeClr val="lt1"/>
-          </a:fontRef>
-        </p:style>
-        <p:txBody>
-          <a:bodyPr rtlCol="0" anchor="ctr"/>
-          <a:lstStyle/>
-          <a:p>
-            <a:pPr algn="ctr"/>
-            <a:r>
-              <a:rPr lang="en-US" dirty="0" err="1"/>
-              <a:t>API</a:t>
-            </a:r>
-            <a:r>
-              <a:rPr lang="en-US" baseline="-25000" dirty="0" err="1"/>
-              <a:t>Provider</a:t>
-            </a:r>
-            <a:endParaRPr lang="en-US" dirty="0"/>
-          </a:p>
-        </p:txBody>
-      </p:sp>
-      <p:sp>
-        <p:nvSpPr>
-          <p:cNvPr id="8" name="Rectangle 7">
-            <a:extLst>
-              <a:ext uri="{FF2B5EF4-FFF2-40B4-BE49-F238E27FC236}">
-                <a16:creationId xmlns:a16="http://schemas.microsoft.com/office/drawing/2014/main" id="{C097CC69-F3DF-5242-834D-D17351C5B1EA}"/>
-              </a:ext>
-            </a:extLst>
-          </p:cNvPr>
-          <p:cNvSpPr/>
-          <p:nvPr/>
-        </p:nvSpPr>
-        <p:spPr>
-          <a:xfrm>
-            <a:off x="3277431" y="2940776"/>
-            <a:ext cx="2504004" cy="1073259"/>
-          </a:xfrm>
-          <a:prstGeom prst="rect">
-            <a:avLst/>
-          </a:prstGeom>
-          <a:solidFill>
-            <a:schemeClr val="accent1">
-              <a:lumMod val="60000"/>
-              <a:lumOff val="40000"/>
-            </a:schemeClr>
-          </a:solidFill>
-        </p:spPr>
-        <p:style>
-          <a:lnRef idx="2">
-            <a:schemeClr val="accent1">
-              <a:shade val="50000"/>
-            </a:schemeClr>
-          </a:lnRef>
-          <a:fillRef idx="1">
-            <a:schemeClr val="accent1"/>
-          </a:fillRef>
-          <a:effectRef idx="0">
-            <a:schemeClr val="accent1"/>
-          </a:effectRef>
-          <a:fontRef idx="minor">
-            <a:schemeClr val="lt1"/>
-          </a:fontRef>
-        </p:style>
-        <p:txBody>
-          <a:bodyPr rtlCol="0" anchor="b"/>
-          <a:lstStyle/>
-          <a:p>
-            <a:pPr algn="r"/>
-            <a:r>
-              <a:rPr lang="en-US" dirty="0"/>
-              <a:t>Catalog</a:t>
-            </a:r>
-          </a:p>
-        </p:txBody>
-      </p:sp>
-      <p:pic>
-        <p:nvPicPr>
-          <p:cNvPr id="7" name="Graphic 6">
-            <a:extLst>
-              <a:ext uri="{FF2B5EF4-FFF2-40B4-BE49-F238E27FC236}">
-                <a16:creationId xmlns:a16="http://schemas.microsoft.com/office/drawing/2014/main" id="{8E1450E0-72FD-8946-8286-8222E2F1789F}"/>
-              </a:ext>
-            </a:extLst>
-          </p:cNvPr>
-          <p:cNvPicPr>
-            <a:picLocks noChangeAspect="1"/>
-          </p:cNvPicPr>
-          <p:nvPr/>
-        </p:nvPicPr>
-        <p:blipFill>
-          <a:blip r:embed="rId2">
-            <a:extLst>
-              <a:ext uri="{96DAC541-7B7A-43D3-8B79-37D633B846F1}">
-                <asvg:svgBlip xmlns:asvg="http://schemas.microsoft.com/office/drawing/2016/SVG/main" r:embed="rId3"/>
-              </a:ext>
-            </a:extLst>
-          </a:blip>
-          <a:stretch>
-            <a:fillRect/>
-          </a:stretch>
-        </p:blipFill>
-        <p:spPr>
-          <a:xfrm>
-            <a:off x="3343967" y="3005906"/>
-            <a:ext cx="1903079" cy="942998"/>
-          </a:xfrm>
-          <a:prstGeom prst="rect">
-            <a:avLst/>
-          </a:prstGeom>
-        </p:spPr>
-      </p:pic>
-      <p:sp>
-        <p:nvSpPr>
-          <p:cNvPr id="11" name="Rectangle 10">
-            <a:extLst>
-              <a:ext uri="{FF2B5EF4-FFF2-40B4-BE49-F238E27FC236}">
-                <a16:creationId xmlns:a16="http://schemas.microsoft.com/office/drawing/2014/main" id="{C45211D4-C403-C249-8362-B1B386FEC205}"/>
-              </a:ext>
-            </a:extLst>
-          </p:cNvPr>
-          <p:cNvSpPr/>
-          <p:nvPr/>
-        </p:nvSpPr>
-        <p:spPr>
-          <a:xfrm>
-            <a:off x="2014870" y="5232314"/>
-            <a:ext cx="1360967" cy="435936"/>
-          </a:xfrm>
-          <a:prstGeom prst="rect">
-            <a:avLst/>
-          </a:prstGeom>
-          <a:solidFill>
-            <a:schemeClr val="accent1">
-              <a:lumMod val="75000"/>
-            </a:schemeClr>
-          </a:solidFill>
-        </p:spPr>
-        <p:style>
-          <a:lnRef idx="2">
-            <a:schemeClr val="accent1">
-              <a:shade val="50000"/>
-            </a:schemeClr>
-          </a:lnRef>
-          <a:fillRef idx="1">
-            <a:schemeClr val="accent1"/>
-          </a:fillRef>
-          <a:effectRef idx="0">
-            <a:schemeClr val="accent1"/>
-          </a:effectRef>
-          <a:fontRef idx="minor">
-            <a:schemeClr val="lt1"/>
-          </a:fontRef>
-        </p:style>
-        <p:txBody>
-          <a:bodyPr rtlCol="0" anchor="ctr"/>
-          <a:lstStyle/>
-          <a:p>
-            <a:pPr algn="ctr"/>
-            <a:r>
-              <a:rPr lang="en-US" dirty="0" err="1"/>
-              <a:t>API</a:t>
-            </a:r>
-            <a:r>
-              <a:rPr lang="en-US" baseline="-25000" dirty="0" err="1"/>
-              <a:t>Provider</a:t>
-            </a:r>
-            <a:endParaRPr lang="en-US" dirty="0"/>
-          </a:p>
-        </p:txBody>
-      </p:sp>
-      <p:sp>
-        <p:nvSpPr>
-          <p:cNvPr id="13" name="Rectangle 12">
-            <a:extLst>
-              <a:ext uri="{FF2B5EF4-FFF2-40B4-BE49-F238E27FC236}">
-                <a16:creationId xmlns:a16="http://schemas.microsoft.com/office/drawing/2014/main" id="{00A1E21E-21CB-1A46-9D12-80A2E40D8D89}"/>
-              </a:ext>
-            </a:extLst>
-          </p:cNvPr>
-          <p:cNvSpPr/>
-          <p:nvPr/>
-        </p:nvSpPr>
-        <p:spPr>
-          <a:xfrm>
-            <a:off x="3815317" y="5233409"/>
-            <a:ext cx="1360967" cy="435936"/>
-          </a:xfrm>
-          <a:prstGeom prst="rect">
-            <a:avLst/>
-          </a:prstGeom>
-          <a:solidFill>
-            <a:schemeClr val="accent1">
-              <a:lumMod val="75000"/>
-            </a:schemeClr>
-          </a:solidFill>
-        </p:spPr>
-        <p:style>
-          <a:lnRef idx="2">
-            <a:schemeClr val="accent1">
-              <a:shade val="50000"/>
-            </a:schemeClr>
-          </a:lnRef>
-          <a:fillRef idx="1">
-            <a:schemeClr val="accent1"/>
-          </a:fillRef>
-          <a:effectRef idx="0">
-            <a:schemeClr val="accent1"/>
-          </a:effectRef>
-          <a:fontRef idx="minor">
-            <a:schemeClr val="lt1"/>
-          </a:fontRef>
-        </p:style>
-        <p:txBody>
-          <a:bodyPr rtlCol="0" anchor="ctr"/>
-          <a:lstStyle/>
-          <a:p>
-            <a:pPr algn="ctr"/>
-            <a:r>
-              <a:rPr lang="en-US" dirty="0" err="1"/>
-              <a:t>API</a:t>
-            </a:r>
-            <a:r>
-              <a:rPr lang="en-US" baseline="-25000" dirty="0" err="1"/>
-              <a:t>Provider</a:t>
-            </a:r>
-            <a:endParaRPr lang="en-US" dirty="0"/>
-          </a:p>
-        </p:txBody>
-      </p:sp>
-      <p:sp>
-        <p:nvSpPr>
-          <p:cNvPr id="15" name="Rectangle 14">
-            <a:extLst>
-              <a:ext uri="{FF2B5EF4-FFF2-40B4-BE49-F238E27FC236}">
-                <a16:creationId xmlns:a16="http://schemas.microsoft.com/office/drawing/2014/main" id="{0DCD9790-E817-5F42-963B-086773F5FC69}"/>
-              </a:ext>
-            </a:extLst>
-          </p:cNvPr>
-          <p:cNvSpPr/>
-          <p:nvPr/>
-        </p:nvSpPr>
-        <p:spPr>
-          <a:xfrm>
-            <a:off x="5424377" y="5232314"/>
-            <a:ext cx="1360967" cy="435936"/>
-          </a:xfrm>
-          <a:prstGeom prst="rect">
-            <a:avLst/>
-          </a:prstGeom>
-          <a:solidFill>
-            <a:schemeClr val="accent1">
-              <a:lumMod val="75000"/>
-            </a:schemeClr>
-          </a:solidFill>
-        </p:spPr>
-        <p:style>
-          <a:lnRef idx="2">
-            <a:schemeClr val="accent1">
-              <a:shade val="50000"/>
-            </a:schemeClr>
-          </a:lnRef>
-          <a:fillRef idx="1">
-            <a:schemeClr val="accent1"/>
-          </a:fillRef>
-          <a:effectRef idx="0">
-            <a:schemeClr val="accent1"/>
-          </a:effectRef>
-          <a:fontRef idx="minor">
-            <a:schemeClr val="lt1"/>
-          </a:fontRef>
-        </p:style>
-        <p:txBody>
-          <a:bodyPr rtlCol="0" anchor="ctr"/>
-          <a:lstStyle/>
-          <a:p>
-            <a:pPr algn="ctr"/>
-            <a:r>
-              <a:rPr lang="en-US" dirty="0" err="1"/>
-              <a:t>API</a:t>
-            </a:r>
-            <a:r>
-              <a:rPr lang="en-US" baseline="-25000" dirty="0" err="1"/>
-              <a:t>Provider</a:t>
-            </a:r>
-            <a:endParaRPr lang="en-US" dirty="0"/>
-          </a:p>
-        </p:txBody>
-      </p:sp>
-      <p:sp>
-        <p:nvSpPr>
-          <p:cNvPr id="17" name="Rectangle 16">
-            <a:extLst>
-              <a:ext uri="{FF2B5EF4-FFF2-40B4-BE49-F238E27FC236}">
-                <a16:creationId xmlns:a16="http://schemas.microsoft.com/office/drawing/2014/main" id="{519005A8-38F4-E749-8CA7-58B98E35BC59}"/>
-              </a:ext>
-            </a:extLst>
-          </p:cNvPr>
-          <p:cNvSpPr/>
-          <p:nvPr/>
-        </p:nvSpPr>
-        <p:spPr>
-          <a:xfrm>
-            <a:off x="7224822" y="5233409"/>
-            <a:ext cx="1360967" cy="435936"/>
-          </a:xfrm>
-          <a:prstGeom prst="rect">
-            <a:avLst/>
-          </a:prstGeom>
-          <a:solidFill>
-            <a:schemeClr val="accent1">
-              <a:lumMod val="75000"/>
-            </a:schemeClr>
-          </a:solidFill>
-        </p:spPr>
-        <p:style>
-          <a:lnRef idx="2">
-            <a:schemeClr val="accent1">
-              <a:shade val="50000"/>
-            </a:schemeClr>
-          </a:lnRef>
-          <a:fillRef idx="1">
-            <a:schemeClr val="accent1"/>
-          </a:fillRef>
-          <a:effectRef idx="0">
-            <a:schemeClr val="accent1"/>
-          </a:effectRef>
-          <a:fontRef idx="minor">
-            <a:schemeClr val="lt1"/>
-          </a:fontRef>
-        </p:style>
-        <p:txBody>
-          <a:bodyPr rtlCol="0" anchor="ctr"/>
-          <a:lstStyle/>
-          <a:p>
-            <a:pPr algn="ctr"/>
-            <a:r>
-              <a:rPr lang="en-US" dirty="0" err="1"/>
-              <a:t>API</a:t>
-            </a:r>
-            <a:r>
-              <a:rPr lang="en-US" baseline="-25000" dirty="0" err="1"/>
-              <a:t>Provider</a:t>
-            </a:r>
-            <a:endParaRPr lang="en-US" dirty="0"/>
-          </a:p>
-        </p:txBody>
-      </p:sp>
-      <p:sp>
-        <p:nvSpPr>
-          <p:cNvPr id="18" name="Rectangle 17">
-            <a:extLst>
-              <a:ext uri="{FF2B5EF4-FFF2-40B4-BE49-F238E27FC236}">
-                <a16:creationId xmlns:a16="http://schemas.microsoft.com/office/drawing/2014/main" id="{5EA7F77D-A9CE-5843-8176-AFA5C2CE1FFD}"/>
-              </a:ext>
-            </a:extLst>
-          </p:cNvPr>
-          <p:cNvSpPr/>
-          <p:nvPr/>
-        </p:nvSpPr>
-        <p:spPr>
-          <a:xfrm>
-            <a:off x="405810" y="4556049"/>
-            <a:ext cx="2970028" cy="435936"/>
-          </a:xfrm>
-          <a:prstGeom prst="rect">
-            <a:avLst/>
-          </a:prstGeom>
-          <a:solidFill>
-            <a:schemeClr val="accent1">
-              <a:lumMod val="20000"/>
-              <a:lumOff val="80000"/>
-            </a:schemeClr>
-          </a:solidFill>
-          <a:ln>
-            <a:solidFill>
-              <a:schemeClr val="accent1">
-                <a:lumMod val="60000"/>
-                <a:lumOff val="40000"/>
-              </a:schemeClr>
-            </a:solidFill>
-          </a:ln>
-        </p:spPr>
-        <p:style>
-          <a:lnRef idx="2">
-            <a:schemeClr val="accent1">
-              <a:shade val="50000"/>
-            </a:schemeClr>
-          </a:lnRef>
-          <a:fillRef idx="1">
-            <a:schemeClr val="accent1"/>
-          </a:fillRef>
-          <a:effectRef idx="0">
-            <a:schemeClr val="accent1"/>
-          </a:effectRef>
-          <a:fontRef idx="minor">
-            <a:schemeClr val="lt1"/>
-          </a:fontRef>
-        </p:style>
-        <p:txBody>
-          <a:bodyPr rtlCol="0" anchor="ctr"/>
-          <a:lstStyle/>
-          <a:p>
-            <a:pPr algn="ctr"/>
-            <a:r>
-              <a:rPr lang="en-US" dirty="0"/>
-              <a:t>Gateway</a:t>
-            </a:r>
-          </a:p>
-        </p:txBody>
-      </p:sp>
-      <p:sp>
-        <p:nvSpPr>
-          <p:cNvPr id="19" name="Rectangle 18">
-            <a:extLst>
-              <a:ext uri="{FF2B5EF4-FFF2-40B4-BE49-F238E27FC236}">
-                <a16:creationId xmlns:a16="http://schemas.microsoft.com/office/drawing/2014/main" id="{89AF62B9-ADF0-9447-B76F-EC7667F8B8D3}"/>
-              </a:ext>
-            </a:extLst>
-          </p:cNvPr>
-          <p:cNvSpPr/>
-          <p:nvPr/>
-        </p:nvSpPr>
-        <p:spPr>
-          <a:xfrm>
-            <a:off x="3815316" y="4556049"/>
-            <a:ext cx="2970028" cy="435936"/>
-          </a:xfrm>
-          <a:prstGeom prst="rect">
-            <a:avLst/>
-          </a:prstGeom>
-          <a:solidFill>
-            <a:schemeClr val="accent1">
-              <a:lumMod val="20000"/>
-              <a:lumOff val="80000"/>
-            </a:schemeClr>
-          </a:solidFill>
-          <a:ln>
-            <a:solidFill>
-              <a:schemeClr val="accent1">
-                <a:lumMod val="60000"/>
-                <a:lumOff val="40000"/>
-              </a:schemeClr>
-            </a:solidFill>
-          </a:ln>
-        </p:spPr>
-        <p:style>
-          <a:lnRef idx="2">
-            <a:schemeClr val="accent1">
-              <a:shade val="50000"/>
-            </a:schemeClr>
-          </a:lnRef>
-          <a:fillRef idx="1">
-            <a:schemeClr val="accent1"/>
-          </a:fillRef>
-          <a:effectRef idx="0">
-            <a:schemeClr val="accent1"/>
-          </a:effectRef>
-          <a:fontRef idx="minor">
-            <a:schemeClr val="lt1"/>
-          </a:fontRef>
-        </p:style>
-        <p:txBody>
-          <a:bodyPr rtlCol="0" anchor="ctr"/>
-          <a:lstStyle/>
-          <a:p>
-            <a:pPr algn="ctr"/>
-            <a:r>
-              <a:rPr lang="en-US" dirty="0"/>
-              <a:t>Gateway</a:t>
-            </a:r>
-          </a:p>
-        </p:txBody>
-      </p:sp>
-      <p:sp>
-        <p:nvSpPr>
-          <p:cNvPr id="20" name="Rectangle 19">
-            <a:extLst>
-              <a:ext uri="{FF2B5EF4-FFF2-40B4-BE49-F238E27FC236}">
-                <a16:creationId xmlns:a16="http://schemas.microsoft.com/office/drawing/2014/main" id="{1E4834FB-16C1-D842-988D-801595A91D65}"/>
-              </a:ext>
-            </a:extLst>
-          </p:cNvPr>
-          <p:cNvSpPr/>
-          <p:nvPr/>
-        </p:nvSpPr>
-        <p:spPr>
-          <a:xfrm>
-            <a:off x="7224822" y="4556049"/>
-            <a:ext cx="1360967" cy="435936"/>
-          </a:xfrm>
-          <a:prstGeom prst="rect">
-            <a:avLst/>
-          </a:prstGeom>
-          <a:solidFill>
-            <a:schemeClr val="accent1">
-              <a:lumMod val="20000"/>
-              <a:lumOff val="80000"/>
-            </a:schemeClr>
-          </a:solidFill>
-          <a:ln>
-            <a:solidFill>
-              <a:schemeClr val="accent1">
-                <a:lumMod val="60000"/>
-                <a:lumOff val="40000"/>
-              </a:schemeClr>
-            </a:solidFill>
-          </a:ln>
-        </p:spPr>
-        <p:style>
-          <a:lnRef idx="2">
-            <a:schemeClr val="accent1">
-              <a:shade val="50000"/>
-            </a:schemeClr>
-          </a:lnRef>
-          <a:fillRef idx="1">
-            <a:schemeClr val="accent1"/>
-          </a:fillRef>
-          <a:effectRef idx="0">
-            <a:schemeClr val="accent1"/>
-          </a:effectRef>
-          <a:fontRef idx="minor">
-            <a:schemeClr val="lt1"/>
-          </a:fontRef>
-        </p:style>
-        <p:txBody>
-          <a:bodyPr rtlCol="0" anchor="ctr"/>
-          <a:lstStyle/>
-          <a:p>
-            <a:pPr algn="ctr"/>
-            <a:r>
-              <a:rPr lang="en-US" dirty="0"/>
-              <a:t>Gateway</a:t>
-            </a:r>
-          </a:p>
-        </p:txBody>
-      </p:sp>
-      <p:sp>
-        <p:nvSpPr>
-          <p:cNvPr id="22" name="Rectangle 21">
-            <a:extLst>
-              <a:ext uri="{FF2B5EF4-FFF2-40B4-BE49-F238E27FC236}">
-                <a16:creationId xmlns:a16="http://schemas.microsoft.com/office/drawing/2014/main" id="{91D54C4F-B4AE-1441-9D56-A2C9E5237445}"/>
-              </a:ext>
-            </a:extLst>
-          </p:cNvPr>
-          <p:cNvSpPr/>
-          <p:nvPr/>
-        </p:nvSpPr>
-        <p:spPr>
-          <a:xfrm>
-            <a:off x="405810" y="1253543"/>
-            <a:ext cx="1360967" cy="435936"/>
-          </a:xfrm>
-          <a:prstGeom prst="rect">
-            <a:avLst/>
-          </a:prstGeom>
-          <a:solidFill>
-            <a:schemeClr val="accent1">
-              <a:lumMod val="75000"/>
-            </a:schemeClr>
-          </a:solidFill>
-        </p:spPr>
-        <p:style>
-          <a:lnRef idx="2">
-            <a:schemeClr val="accent1">
-              <a:shade val="50000"/>
-            </a:schemeClr>
-          </a:lnRef>
-          <a:fillRef idx="1">
-            <a:schemeClr val="accent1"/>
-          </a:fillRef>
-          <a:effectRef idx="0">
-            <a:schemeClr val="accent1"/>
-          </a:effectRef>
-          <a:fontRef idx="minor">
-            <a:schemeClr val="lt1"/>
-          </a:fontRef>
-        </p:style>
-        <p:txBody>
-          <a:bodyPr rtlCol="0" anchor="ctr"/>
-          <a:lstStyle/>
-          <a:p>
-            <a:pPr algn="ctr"/>
-            <a:r>
-              <a:rPr lang="en-US" dirty="0" err="1"/>
-              <a:t>API</a:t>
-            </a:r>
-            <a:r>
-              <a:rPr lang="en-US" baseline="-25000" dirty="0" err="1"/>
-              <a:t>Consumer</a:t>
-            </a:r>
-            <a:endParaRPr lang="en-US" baseline="-25000" dirty="0"/>
-          </a:p>
-        </p:txBody>
-      </p:sp>
-      <p:sp>
-        <p:nvSpPr>
-          <p:cNvPr id="23" name="Rectangle 22">
-            <a:extLst>
-              <a:ext uri="{FF2B5EF4-FFF2-40B4-BE49-F238E27FC236}">
-                <a16:creationId xmlns:a16="http://schemas.microsoft.com/office/drawing/2014/main" id="{A9544A8B-3602-0E41-A6A1-33F7FB5A504A}"/>
-              </a:ext>
-            </a:extLst>
-          </p:cNvPr>
-          <p:cNvSpPr/>
-          <p:nvPr/>
-        </p:nvSpPr>
-        <p:spPr>
-          <a:xfrm>
-            <a:off x="2014870" y="1253543"/>
-            <a:ext cx="1360967" cy="435936"/>
-          </a:xfrm>
-          <a:prstGeom prst="rect">
-            <a:avLst/>
-          </a:prstGeom>
-          <a:solidFill>
-            <a:schemeClr val="accent1">
-              <a:lumMod val="75000"/>
-            </a:schemeClr>
-          </a:solidFill>
-        </p:spPr>
-        <p:style>
-          <a:lnRef idx="2">
-            <a:schemeClr val="accent1">
-              <a:shade val="50000"/>
-            </a:schemeClr>
-          </a:lnRef>
-          <a:fillRef idx="1">
-            <a:schemeClr val="accent1"/>
-          </a:fillRef>
-          <a:effectRef idx="0">
-            <a:schemeClr val="accent1"/>
-          </a:effectRef>
-          <a:fontRef idx="minor">
-            <a:schemeClr val="lt1"/>
-          </a:fontRef>
-        </p:style>
-        <p:txBody>
-          <a:bodyPr rtlCol="0" anchor="ctr"/>
-          <a:lstStyle/>
-          <a:p>
-            <a:pPr algn="ctr"/>
-            <a:r>
-              <a:rPr lang="en-US" dirty="0" err="1"/>
-              <a:t>API</a:t>
-            </a:r>
-            <a:r>
-              <a:rPr lang="en-US" baseline="-25000" dirty="0" err="1"/>
-              <a:t>Consumer</a:t>
-            </a:r>
-            <a:endParaRPr lang="en-US" dirty="0"/>
-          </a:p>
-        </p:txBody>
-      </p:sp>
-      <p:sp>
-        <p:nvSpPr>
-          <p:cNvPr id="25" name="Left-Right Arrow 24">
-            <a:extLst>
-              <a:ext uri="{FF2B5EF4-FFF2-40B4-BE49-F238E27FC236}">
-                <a16:creationId xmlns:a16="http://schemas.microsoft.com/office/drawing/2014/main" id="{C5F4C495-95A0-7B46-9BC6-E4B548F4CC55}"/>
-              </a:ext>
-            </a:extLst>
-          </p:cNvPr>
-          <p:cNvSpPr/>
-          <p:nvPr/>
-        </p:nvSpPr>
-        <p:spPr>
-          <a:xfrm rot="16200000">
-            <a:off x="7552746" y="3102934"/>
-            <a:ext cx="3799366" cy="676937"/>
+            <a:off x="5683028" y="5932970"/>
+            <a:ext cx="2993062" cy="676937"/>
           </a:xfrm>
           <a:prstGeom prst="leftRightArrow">
             <a:avLst>
@@ -6304,18 +4784,25 @@
           <a:p>
             <a:pPr algn="ctr"/>
             <a:r>
-              <a:rPr lang="en-US" dirty="0"/>
-              <a:t>API Technology</a:t>
-            </a:r>
-          </a:p>
-        </p:txBody>
-      </p:sp>
-      <p:sp>
-        <p:nvSpPr>
-          <p:cNvPr id="28" name="Rectangle 27">
-            <a:extLst>
-              <a:ext uri="{FF2B5EF4-FFF2-40B4-BE49-F238E27FC236}">
-                <a16:creationId xmlns:a16="http://schemas.microsoft.com/office/drawing/2014/main" id="{11357D2E-026C-5A4F-A590-9C6164108CD6}"/>
+              <a:rPr lang="en-US" sz="1100" dirty="0"/>
+              <a:t>API Lifecycle</a:t>
+            </a:r>
+          </a:p>
+          <a:p>
+            <a:pPr algn="ctr"/>
+            <a:r>
+              <a:rPr lang="en-US" sz="1100" dirty="0"/>
+              <a:t>Management</a:t>
+            </a:r>
+          </a:p>
+        </p:txBody>
+      </p:sp>
+      <p:sp>
+        <p:nvSpPr>
+          <p:cNvPr id="37" name="Left-Right Arrow 36">
+            <a:extLst>
+              <a:ext uri="{FF2B5EF4-FFF2-40B4-BE49-F238E27FC236}">
+                <a16:creationId xmlns:a16="http://schemas.microsoft.com/office/drawing/2014/main" id="{D6E1B239-6049-5A41-ADC0-56A1CDF9A472}"/>
               </a:ext>
             </a:extLst>
           </p:cNvPr>
@@ -6323,1452 +4810,9 @@
           <p:nvPr/>
         </p:nvSpPr>
         <p:spPr>
-          <a:xfrm>
-            <a:off x="5683030" y="1240042"/>
-            <a:ext cx="1360967" cy="435936"/>
-          </a:xfrm>
-          <a:prstGeom prst="rect">
-            <a:avLst/>
-          </a:prstGeom>
-          <a:solidFill>
-            <a:schemeClr val="accent1">
-              <a:lumMod val="75000"/>
-            </a:schemeClr>
-          </a:solidFill>
-        </p:spPr>
-        <p:style>
-          <a:lnRef idx="2">
-            <a:schemeClr val="accent1">
-              <a:shade val="50000"/>
-            </a:schemeClr>
-          </a:lnRef>
-          <a:fillRef idx="1">
-            <a:schemeClr val="accent1"/>
-          </a:fillRef>
-          <a:effectRef idx="0">
-            <a:schemeClr val="accent1"/>
-          </a:effectRef>
-          <a:fontRef idx="minor">
-            <a:schemeClr val="lt1"/>
-          </a:fontRef>
-        </p:style>
-        <p:txBody>
-          <a:bodyPr rtlCol="0" anchor="ctr"/>
-          <a:lstStyle/>
-          <a:p>
-            <a:pPr algn="ctr"/>
-            <a:r>
-              <a:rPr lang="en-US" dirty="0" err="1"/>
-              <a:t>API</a:t>
-            </a:r>
-            <a:r>
-              <a:rPr lang="en-US" baseline="-25000" dirty="0" err="1"/>
-              <a:t>Consumer</a:t>
-            </a:r>
-            <a:endParaRPr lang="en-US" dirty="0"/>
-          </a:p>
-        </p:txBody>
-      </p:sp>
-      <p:sp>
-        <p:nvSpPr>
-          <p:cNvPr id="29" name="Rectangle 28">
-            <a:extLst>
-              <a:ext uri="{FF2B5EF4-FFF2-40B4-BE49-F238E27FC236}">
-                <a16:creationId xmlns:a16="http://schemas.microsoft.com/office/drawing/2014/main" id="{3D2D7876-F859-4B41-AC06-AA012FEBC794}"/>
-              </a:ext>
-            </a:extLst>
-          </p:cNvPr>
-          <p:cNvSpPr/>
-          <p:nvPr/>
-        </p:nvSpPr>
-        <p:spPr>
-          <a:xfrm>
-            <a:off x="7292090" y="1240042"/>
-            <a:ext cx="1360967" cy="435936"/>
-          </a:xfrm>
-          <a:prstGeom prst="rect">
-            <a:avLst/>
-          </a:prstGeom>
-          <a:solidFill>
-            <a:schemeClr val="accent1">
-              <a:lumMod val="75000"/>
-            </a:schemeClr>
-          </a:solidFill>
-        </p:spPr>
-        <p:style>
-          <a:lnRef idx="2">
-            <a:schemeClr val="accent1">
-              <a:shade val="50000"/>
-            </a:schemeClr>
-          </a:lnRef>
-          <a:fillRef idx="1">
-            <a:schemeClr val="accent1"/>
-          </a:fillRef>
-          <a:effectRef idx="0">
-            <a:schemeClr val="accent1"/>
-          </a:effectRef>
-          <a:fontRef idx="minor">
-            <a:schemeClr val="lt1"/>
-          </a:fontRef>
-        </p:style>
-        <p:txBody>
-          <a:bodyPr rtlCol="0" anchor="ctr"/>
-          <a:lstStyle/>
-          <a:p>
-            <a:pPr algn="ctr"/>
-            <a:r>
-              <a:rPr lang="en-US" dirty="0" err="1"/>
-              <a:t>API</a:t>
-            </a:r>
-            <a:r>
-              <a:rPr lang="en-US" baseline="-25000" dirty="0" err="1"/>
-              <a:t>Consumer</a:t>
-            </a:r>
-            <a:endParaRPr lang="en-US" dirty="0"/>
-          </a:p>
-        </p:txBody>
-      </p:sp>
-      <p:sp>
-        <p:nvSpPr>
-          <p:cNvPr id="31" name="Rectangle 30">
-            <a:extLst>
-              <a:ext uri="{FF2B5EF4-FFF2-40B4-BE49-F238E27FC236}">
-                <a16:creationId xmlns:a16="http://schemas.microsoft.com/office/drawing/2014/main" id="{72AE3F21-17F0-A244-BB5C-D3EACB6ACB5B}"/>
-              </a:ext>
-            </a:extLst>
-          </p:cNvPr>
-          <p:cNvSpPr/>
-          <p:nvPr/>
-        </p:nvSpPr>
-        <p:spPr>
-          <a:xfrm>
-            <a:off x="3848950" y="1240042"/>
-            <a:ext cx="1360967" cy="435936"/>
-          </a:xfrm>
-          <a:prstGeom prst="rect">
-            <a:avLst/>
-          </a:prstGeom>
-          <a:solidFill>
-            <a:schemeClr val="accent1">
-              <a:lumMod val="75000"/>
-            </a:schemeClr>
-          </a:solidFill>
-        </p:spPr>
-        <p:style>
-          <a:lnRef idx="2">
-            <a:schemeClr val="accent1">
-              <a:shade val="50000"/>
-            </a:schemeClr>
-          </a:lnRef>
-          <a:fillRef idx="1">
-            <a:schemeClr val="accent1"/>
-          </a:fillRef>
-          <a:effectRef idx="0">
-            <a:schemeClr val="accent1"/>
-          </a:effectRef>
-          <a:fontRef idx="minor">
-            <a:schemeClr val="lt1"/>
-          </a:fontRef>
-        </p:style>
-        <p:txBody>
-          <a:bodyPr rtlCol="0" anchor="ctr"/>
-          <a:lstStyle/>
-          <a:p>
-            <a:pPr algn="ctr"/>
-            <a:r>
-              <a:rPr lang="en-US" dirty="0" err="1"/>
-              <a:t>API</a:t>
-            </a:r>
-            <a:r>
-              <a:rPr lang="en-US" baseline="-25000" dirty="0" err="1"/>
-              <a:t>Consumer</a:t>
-            </a:r>
-            <a:endParaRPr lang="en-US" dirty="0"/>
-          </a:p>
-        </p:txBody>
-      </p:sp>
-      <p:sp>
-        <p:nvSpPr>
-          <p:cNvPr id="32" name="Rectangle 31">
-            <a:extLst>
-              <a:ext uri="{FF2B5EF4-FFF2-40B4-BE49-F238E27FC236}">
-                <a16:creationId xmlns:a16="http://schemas.microsoft.com/office/drawing/2014/main" id="{D3FA2E88-4AA9-4F4D-8FD0-45D0BD4E01E0}"/>
-              </a:ext>
-            </a:extLst>
-          </p:cNvPr>
-          <p:cNvSpPr/>
-          <p:nvPr/>
-        </p:nvSpPr>
-        <p:spPr>
-          <a:xfrm>
-            <a:off x="5683030" y="1905126"/>
-            <a:ext cx="2970028" cy="435936"/>
-          </a:xfrm>
-          <a:prstGeom prst="rect">
-            <a:avLst/>
-          </a:prstGeom>
-          <a:solidFill>
-            <a:schemeClr val="accent1">
-              <a:lumMod val="20000"/>
-              <a:lumOff val="80000"/>
-            </a:schemeClr>
-          </a:solidFill>
-          <a:ln>
-            <a:solidFill>
-              <a:schemeClr val="accent1">
-                <a:lumMod val="60000"/>
-                <a:lumOff val="40000"/>
-              </a:schemeClr>
-            </a:solidFill>
-          </a:ln>
-        </p:spPr>
-        <p:style>
-          <a:lnRef idx="2">
-            <a:schemeClr val="accent1">
-              <a:shade val="50000"/>
-            </a:schemeClr>
-          </a:lnRef>
-          <a:fillRef idx="1">
-            <a:schemeClr val="accent1"/>
-          </a:fillRef>
-          <a:effectRef idx="0">
-            <a:schemeClr val="accent1"/>
-          </a:effectRef>
-          <a:fontRef idx="minor">
-            <a:schemeClr val="lt1"/>
-          </a:fontRef>
-        </p:style>
-        <p:txBody>
-          <a:bodyPr rtlCol="0" anchor="ctr"/>
-          <a:lstStyle/>
-          <a:p>
-            <a:pPr algn="ctr"/>
-            <a:r>
-              <a:rPr lang="en-US" dirty="0"/>
-              <a:t>Marketplace</a:t>
-            </a:r>
-          </a:p>
-        </p:txBody>
-      </p:sp>
-      <p:sp>
-        <p:nvSpPr>
-          <p:cNvPr id="34" name="Rectangle 33">
-            <a:extLst>
-              <a:ext uri="{FF2B5EF4-FFF2-40B4-BE49-F238E27FC236}">
-                <a16:creationId xmlns:a16="http://schemas.microsoft.com/office/drawing/2014/main" id="{5380F2A4-5C4E-7F40-8EAD-B0A9F6F32103}"/>
-              </a:ext>
-            </a:extLst>
-          </p:cNvPr>
-          <p:cNvSpPr/>
-          <p:nvPr/>
-        </p:nvSpPr>
-        <p:spPr>
-          <a:xfrm>
-            <a:off x="373939" y="1905126"/>
-            <a:ext cx="2970028" cy="435936"/>
-          </a:xfrm>
-          <a:prstGeom prst="rect">
-            <a:avLst/>
-          </a:prstGeom>
-          <a:solidFill>
-            <a:schemeClr val="accent1">
-              <a:lumMod val="20000"/>
-              <a:lumOff val="80000"/>
-            </a:schemeClr>
-          </a:solidFill>
-          <a:ln>
-            <a:solidFill>
-              <a:schemeClr val="accent1">
-                <a:lumMod val="60000"/>
-                <a:lumOff val="40000"/>
-              </a:schemeClr>
-            </a:solidFill>
-          </a:ln>
-        </p:spPr>
-        <p:style>
-          <a:lnRef idx="2">
-            <a:schemeClr val="accent1">
-              <a:shade val="50000"/>
-            </a:schemeClr>
-          </a:lnRef>
-          <a:fillRef idx="1">
-            <a:schemeClr val="accent1"/>
-          </a:fillRef>
-          <a:effectRef idx="0">
-            <a:schemeClr val="accent1"/>
-          </a:effectRef>
-          <a:fontRef idx="minor">
-            <a:schemeClr val="lt1"/>
-          </a:fontRef>
-        </p:style>
-        <p:txBody>
-          <a:bodyPr rtlCol="0" anchor="ctr"/>
-          <a:lstStyle/>
-          <a:p>
-            <a:pPr algn="ctr"/>
-            <a:r>
-              <a:rPr lang="en-US" dirty="0"/>
-              <a:t>Portal</a:t>
-            </a:r>
-          </a:p>
-        </p:txBody>
-      </p:sp>
-      <p:sp>
-        <p:nvSpPr>
-          <p:cNvPr id="35" name="Rectangle 34">
-            <a:extLst>
-              <a:ext uri="{FF2B5EF4-FFF2-40B4-BE49-F238E27FC236}">
-                <a16:creationId xmlns:a16="http://schemas.microsoft.com/office/drawing/2014/main" id="{5070D854-2878-9448-B5D8-DC23EC7B7F21}"/>
-              </a:ext>
-            </a:extLst>
-          </p:cNvPr>
-          <p:cNvSpPr/>
-          <p:nvPr/>
-        </p:nvSpPr>
-        <p:spPr>
-          <a:xfrm>
-            <a:off x="3835264" y="1905126"/>
-            <a:ext cx="1360967" cy="435936"/>
-          </a:xfrm>
-          <a:prstGeom prst="rect">
-            <a:avLst/>
-          </a:prstGeom>
-          <a:solidFill>
-            <a:schemeClr val="accent1">
-              <a:lumMod val="20000"/>
-              <a:lumOff val="80000"/>
-            </a:schemeClr>
-          </a:solidFill>
-          <a:ln>
-            <a:solidFill>
-              <a:schemeClr val="accent1">
-                <a:lumMod val="60000"/>
-                <a:lumOff val="40000"/>
-              </a:schemeClr>
-            </a:solidFill>
-          </a:ln>
-        </p:spPr>
-        <p:style>
-          <a:lnRef idx="2">
-            <a:schemeClr val="accent1">
-              <a:shade val="50000"/>
-            </a:schemeClr>
-          </a:lnRef>
-          <a:fillRef idx="1">
-            <a:schemeClr val="accent1"/>
-          </a:fillRef>
-          <a:effectRef idx="0">
-            <a:schemeClr val="accent1"/>
-          </a:effectRef>
-          <a:fontRef idx="minor">
-            <a:schemeClr val="lt1"/>
-          </a:fontRef>
-        </p:style>
-        <p:txBody>
-          <a:bodyPr rtlCol="0" anchor="ctr"/>
-          <a:lstStyle/>
-          <a:p>
-            <a:pPr algn="ctr"/>
-            <a:r>
-              <a:rPr lang="en-US" dirty="0"/>
-              <a:t>Portal</a:t>
-            </a:r>
-          </a:p>
-        </p:txBody>
-      </p:sp>
-      <p:pic>
-        <p:nvPicPr>
-          <p:cNvPr id="36" name="Picture 35">
-            <a:extLst>
-              <a:ext uri="{FF2B5EF4-FFF2-40B4-BE49-F238E27FC236}">
-                <a16:creationId xmlns:a16="http://schemas.microsoft.com/office/drawing/2014/main" id="{FF748643-E7B8-114A-AFC2-3424D2ED957D}"/>
-              </a:ext>
-            </a:extLst>
-          </p:cNvPr>
-          <p:cNvPicPr>
-            <a:picLocks noChangeAspect="1"/>
-          </p:cNvPicPr>
-          <p:nvPr/>
-        </p:nvPicPr>
-        <p:blipFill>
-          <a:blip r:embed="rId4"/>
-          <a:stretch>
-            <a:fillRect/>
-          </a:stretch>
-        </p:blipFill>
-        <p:spPr>
           <a:xfrm rot="16200000">
-            <a:off x="9872886" y="2831207"/>
-            <a:ext cx="1154377" cy="1149506"/>
-          </a:xfrm>
-          <a:prstGeom prst="rect">
-            <a:avLst/>
-          </a:prstGeom>
-        </p:spPr>
-      </p:pic>
-    </p:spTree>
-    <p:extLst>
-      <p:ext uri="{BB962C8B-B14F-4D97-AF65-F5344CB8AC3E}">
-        <p14:creationId xmlns:p14="http://schemas.microsoft.com/office/powerpoint/2010/main" val="715553506"/>
-      </p:ext>
-    </p:extLst>
-  </p:cSld>
-  <p:clrMapOvr>
-    <a:masterClrMapping/>
-  </p:clrMapOvr>
-</p:sld>
-</file>
-
-<file path=ppt/slides/slide5.xml><?xml version="1.0" encoding="utf-8"?>
-<p:sld xmlns:a="http://schemas.openxmlformats.org/drawingml/2006/main" xmlns:r="http://schemas.openxmlformats.org/officeDocument/2006/relationships" xmlns:p="http://schemas.openxmlformats.org/presentationml/2006/main">
-  <p:cSld>
-    <p:spTree>
-      <p:nvGrpSpPr>
-        <p:cNvPr id="1" name=""/>
-        <p:cNvGrpSpPr/>
-        <p:nvPr/>
-      </p:nvGrpSpPr>
-      <p:grpSpPr>
-        <a:xfrm>
-          <a:off x="0" y="0"/>
-          <a:ext cx="0" cy="0"/>
-          <a:chOff x="0" y="0"/>
-          <a:chExt cx="0" cy="0"/>
-        </a:xfrm>
-      </p:grpSpPr>
-      <p:sp>
-        <p:nvSpPr>
-          <p:cNvPr id="4" name="Rectangle 3">
-            <a:extLst>
-              <a:ext uri="{FF2B5EF4-FFF2-40B4-BE49-F238E27FC236}">
-                <a16:creationId xmlns:a16="http://schemas.microsoft.com/office/drawing/2014/main" id="{AFE62128-DAA0-9C44-A811-C7D4B435533E}"/>
-              </a:ext>
-            </a:extLst>
-          </p:cNvPr>
-          <p:cNvSpPr/>
-          <p:nvPr/>
-        </p:nvSpPr>
-        <p:spPr>
-          <a:xfrm>
-            <a:off x="405811" y="5784109"/>
-            <a:ext cx="1360967" cy="435936"/>
-          </a:xfrm>
-          <a:prstGeom prst="rect">
-            <a:avLst/>
-          </a:prstGeom>
-          <a:solidFill>
-            <a:schemeClr val="accent1">
-              <a:lumMod val="50000"/>
-            </a:schemeClr>
-          </a:solidFill>
-        </p:spPr>
-        <p:style>
-          <a:lnRef idx="2">
-            <a:schemeClr val="accent1">
-              <a:shade val="50000"/>
-            </a:schemeClr>
-          </a:lnRef>
-          <a:fillRef idx="1">
-            <a:schemeClr val="accent1"/>
-          </a:fillRef>
-          <a:effectRef idx="0">
-            <a:schemeClr val="accent1"/>
-          </a:effectRef>
-          <a:fontRef idx="minor">
-            <a:schemeClr val="lt1"/>
-          </a:fontRef>
-        </p:style>
-        <p:txBody>
-          <a:bodyPr rtlCol="0" anchor="ctr"/>
-          <a:lstStyle/>
-          <a:p>
-            <a:pPr algn="ctr"/>
-            <a:r>
-              <a:rPr lang="en-US" dirty="0"/>
-              <a:t>Digital Asset</a:t>
-            </a:r>
-          </a:p>
-        </p:txBody>
-      </p:sp>
-      <p:sp>
-        <p:nvSpPr>
-          <p:cNvPr id="5" name="Rectangle 4">
-            <a:extLst>
-              <a:ext uri="{FF2B5EF4-FFF2-40B4-BE49-F238E27FC236}">
-                <a16:creationId xmlns:a16="http://schemas.microsoft.com/office/drawing/2014/main" id="{A554FE1C-5FC9-B149-BCDC-7AD424CE742D}"/>
-              </a:ext>
-            </a:extLst>
-          </p:cNvPr>
-          <p:cNvSpPr/>
-          <p:nvPr/>
-        </p:nvSpPr>
-        <p:spPr>
-          <a:xfrm>
-            <a:off x="405810" y="5232314"/>
-            <a:ext cx="1360967" cy="435936"/>
-          </a:xfrm>
-          <a:prstGeom prst="rect">
-            <a:avLst/>
-          </a:prstGeom>
-          <a:solidFill>
-            <a:schemeClr val="accent1">
-              <a:lumMod val="75000"/>
-            </a:schemeClr>
-          </a:solidFill>
-        </p:spPr>
-        <p:style>
-          <a:lnRef idx="2">
-            <a:schemeClr val="accent1">
-              <a:shade val="50000"/>
-            </a:schemeClr>
-          </a:lnRef>
-          <a:fillRef idx="1">
-            <a:schemeClr val="accent1"/>
-          </a:fillRef>
-          <a:effectRef idx="0">
-            <a:schemeClr val="accent1"/>
-          </a:effectRef>
-          <a:fontRef idx="minor">
-            <a:schemeClr val="lt1"/>
-          </a:fontRef>
-        </p:style>
-        <p:txBody>
-          <a:bodyPr rtlCol="0" anchor="ctr"/>
-          <a:lstStyle/>
-          <a:p>
-            <a:pPr algn="ctr"/>
-            <a:r>
-              <a:rPr lang="en-US" dirty="0" err="1"/>
-              <a:t>API</a:t>
-            </a:r>
-            <a:r>
-              <a:rPr lang="en-US" baseline="-25000" dirty="0" err="1"/>
-              <a:t>Provider</a:t>
-            </a:r>
-            <a:endParaRPr lang="en-US" dirty="0"/>
-          </a:p>
-        </p:txBody>
-      </p:sp>
-      <p:sp>
-        <p:nvSpPr>
-          <p:cNvPr id="8" name="Rectangle 7">
-            <a:extLst>
-              <a:ext uri="{FF2B5EF4-FFF2-40B4-BE49-F238E27FC236}">
-                <a16:creationId xmlns:a16="http://schemas.microsoft.com/office/drawing/2014/main" id="{C097CC69-F3DF-5242-834D-D17351C5B1EA}"/>
-              </a:ext>
-            </a:extLst>
-          </p:cNvPr>
-          <p:cNvSpPr/>
-          <p:nvPr/>
-        </p:nvSpPr>
-        <p:spPr>
-          <a:xfrm>
-            <a:off x="3277431" y="2940776"/>
-            <a:ext cx="2504004" cy="1073259"/>
-          </a:xfrm>
-          <a:prstGeom prst="rect">
-            <a:avLst/>
-          </a:prstGeom>
-          <a:solidFill>
-            <a:schemeClr val="accent1">
-              <a:lumMod val="60000"/>
-              <a:lumOff val="40000"/>
-            </a:schemeClr>
-          </a:solidFill>
-        </p:spPr>
-        <p:style>
-          <a:lnRef idx="2">
-            <a:schemeClr val="accent1">
-              <a:shade val="50000"/>
-            </a:schemeClr>
-          </a:lnRef>
-          <a:fillRef idx="1">
-            <a:schemeClr val="accent1"/>
-          </a:fillRef>
-          <a:effectRef idx="0">
-            <a:schemeClr val="accent1"/>
-          </a:effectRef>
-          <a:fontRef idx="minor">
-            <a:schemeClr val="lt1"/>
-          </a:fontRef>
-        </p:style>
-        <p:txBody>
-          <a:bodyPr rtlCol="0" anchor="b"/>
-          <a:lstStyle/>
-          <a:p>
-            <a:pPr algn="r"/>
-            <a:r>
-              <a:rPr lang="en-US" dirty="0"/>
-              <a:t>Catalog</a:t>
-            </a:r>
-          </a:p>
-        </p:txBody>
-      </p:sp>
-      <p:pic>
-        <p:nvPicPr>
-          <p:cNvPr id="7" name="Graphic 6">
-            <a:extLst>
-              <a:ext uri="{FF2B5EF4-FFF2-40B4-BE49-F238E27FC236}">
-                <a16:creationId xmlns:a16="http://schemas.microsoft.com/office/drawing/2014/main" id="{8E1450E0-72FD-8946-8286-8222E2F1789F}"/>
-              </a:ext>
-            </a:extLst>
-          </p:cNvPr>
-          <p:cNvPicPr>
-            <a:picLocks noChangeAspect="1"/>
-          </p:cNvPicPr>
-          <p:nvPr/>
-        </p:nvPicPr>
-        <p:blipFill>
-          <a:blip r:embed="rId2">
-            <a:extLst>
-              <a:ext uri="{96DAC541-7B7A-43D3-8B79-37D633B846F1}">
-                <asvg:svgBlip xmlns:asvg="http://schemas.microsoft.com/office/drawing/2016/SVG/main" r:embed="rId3"/>
-              </a:ext>
-            </a:extLst>
-          </a:blip>
-          <a:stretch>
-            <a:fillRect/>
-          </a:stretch>
-        </p:blipFill>
-        <p:spPr>
-          <a:xfrm>
-            <a:off x="3343967" y="3005906"/>
-            <a:ext cx="1903079" cy="942998"/>
-          </a:xfrm>
-          <a:prstGeom prst="rect">
-            <a:avLst/>
-          </a:prstGeom>
-        </p:spPr>
-      </p:pic>
-      <p:sp>
-        <p:nvSpPr>
-          <p:cNvPr id="10" name="Rectangle 9">
-            <a:extLst>
-              <a:ext uri="{FF2B5EF4-FFF2-40B4-BE49-F238E27FC236}">
-                <a16:creationId xmlns:a16="http://schemas.microsoft.com/office/drawing/2014/main" id="{2B393DD3-7185-8145-9533-FDF1CECE79A4}"/>
-              </a:ext>
-            </a:extLst>
-          </p:cNvPr>
-          <p:cNvSpPr/>
-          <p:nvPr/>
-        </p:nvSpPr>
-        <p:spPr>
-          <a:xfrm>
-            <a:off x="2014871" y="5784109"/>
-            <a:ext cx="1360967" cy="435936"/>
-          </a:xfrm>
-          <a:prstGeom prst="rect">
-            <a:avLst/>
-          </a:prstGeom>
-          <a:solidFill>
-            <a:schemeClr val="accent1">
-              <a:lumMod val="50000"/>
-            </a:schemeClr>
-          </a:solidFill>
-        </p:spPr>
-        <p:style>
-          <a:lnRef idx="2">
-            <a:schemeClr val="accent1">
-              <a:shade val="50000"/>
-            </a:schemeClr>
-          </a:lnRef>
-          <a:fillRef idx="1">
-            <a:schemeClr val="accent1"/>
-          </a:fillRef>
-          <a:effectRef idx="0">
-            <a:schemeClr val="accent1"/>
-          </a:effectRef>
-          <a:fontRef idx="minor">
-            <a:schemeClr val="lt1"/>
-          </a:fontRef>
-        </p:style>
-        <p:txBody>
-          <a:bodyPr rtlCol="0" anchor="ctr"/>
-          <a:lstStyle/>
-          <a:p>
-            <a:pPr algn="ctr"/>
-            <a:r>
-              <a:rPr lang="en-US" dirty="0"/>
-              <a:t>Digital Asset</a:t>
-            </a:r>
-          </a:p>
-        </p:txBody>
-      </p:sp>
-      <p:sp>
-        <p:nvSpPr>
-          <p:cNvPr id="11" name="Rectangle 10">
-            <a:extLst>
-              <a:ext uri="{FF2B5EF4-FFF2-40B4-BE49-F238E27FC236}">
-                <a16:creationId xmlns:a16="http://schemas.microsoft.com/office/drawing/2014/main" id="{C45211D4-C403-C249-8362-B1B386FEC205}"/>
-              </a:ext>
-            </a:extLst>
-          </p:cNvPr>
-          <p:cNvSpPr/>
-          <p:nvPr/>
-        </p:nvSpPr>
-        <p:spPr>
-          <a:xfrm>
-            <a:off x="2014870" y="5232314"/>
-            <a:ext cx="1360967" cy="435936"/>
-          </a:xfrm>
-          <a:prstGeom prst="rect">
-            <a:avLst/>
-          </a:prstGeom>
-          <a:solidFill>
-            <a:schemeClr val="accent1">
-              <a:lumMod val="75000"/>
-            </a:schemeClr>
-          </a:solidFill>
-        </p:spPr>
-        <p:style>
-          <a:lnRef idx="2">
-            <a:schemeClr val="accent1">
-              <a:shade val="50000"/>
-            </a:schemeClr>
-          </a:lnRef>
-          <a:fillRef idx="1">
-            <a:schemeClr val="accent1"/>
-          </a:fillRef>
-          <a:effectRef idx="0">
-            <a:schemeClr val="accent1"/>
-          </a:effectRef>
-          <a:fontRef idx="minor">
-            <a:schemeClr val="lt1"/>
-          </a:fontRef>
-        </p:style>
-        <p:txBody>
-          <a:bodyPr rtlCol="0" anchor="ctr"/>
-          <a:lstStyle/>
-          <a:p>
-            <a:pPr algn="ctr"/>
-            <a:r>
-              <a:rPr lang="en-US" dirty="0" err="1"/>
-              <a:t>API</a:t>
-            </a:r>
-            <a:r>
-              <a:rPr lang="en-US" baseline="-25000" dirty="0" err="1"/>
-              <a:t>Provider</a:t>
-            </a:r>
-            <a:endParaRPr lang="en-US" dirty="0"/>
-          </a:p>
-        </p:txBody>
-      </p:sp>
-      <p:sp>
-        <p:nvSpPr>
-          <p:cNvPr id="12" name="Rectangle 11">
-            <a:extLst>
-              <a:ext uri="{FF2B5EF4-FFF2-40B4-BE49-F238E27FC236}">
-                <a16:creationId xmlns:a16="http://schemas.microsoft.com/office/drawing/2014/main" id="{CAC86C98-5B0C-CB46-9A75-0B3DBC2FF255}"/>
-              </a:ext>
-            </a:extLst>
-          </p:cNvPr>
-          <p:cNvSpPr/>
-          <p:nvPr/>
-        </p:nvSpPr>
-        <p:spPr>
-          <a:xfrm>
-            <a:off x="3815317" y="5784109"/>
-            <a:ext cx="1360967" cy="435936"/>
-          </a:xfrm>
-          <a:prstGeom prst="rect">
-            <a:avLst/>
-          </a:prstGeom>
-          <a:solidFill>
-            <a:schemeClr val="accent1">
-              <a:lumMod val="50000"/>
-            </a:schemeClr>
-          </a:solidFill>
-        </p:spPr>
-        <p:style>
-          <a:lnRef idx="2">
-            <a:schemeClr val="accent1">
-              <a:shade val="50000"/>
-            </a:schemeClr>
-          </a:lnRef>
-          <a:fillRef idx="1">
-            <a:schemeClr val="accent1"/>
-          </a:fillRef>
-          <a:effectRef idx="0">
-            <a:schemeClr val="accent1"/>
-          </a:effectRef>
-          <a:fontRef idx="minor">
-            <a:schemeClr val="lt1"/>
-          </a:fontRef>
-        </p:style>
-        <p:txBody>
-          <a:bodyPr rtlCol="0" anchor="ctr"/>
-          <a:lstStyle/>
-          <a:p>
-            <a:pPr algn="ctr"/>
-            <a:r>
-              <a:rPr lang="en-US" dirty="0"/>
-              <a:t>Digital Asset</a:t>
-            </a:r>
-          </a:p>
-        </p:txBody>
-      </p:sp>
-      <p:sp>
-        <p:nvSpPr>
-          <p:cNvPr id="13" name="Rectangle 12">
-            <a:extLst>
-              <a:ext uri="{FF2B5EF4-FFF2-40B4-BE49-F238E27FC236}">
-                <a16:creationId xmlns:a16="http://schemas.microsoft.com/office/drawing/2014/main" id="{00A1E21E-21CB-1A46-9D12-80A2E40D8D89}"/>
-              </a:ext>
-            </a:extLst>
-          </p:cNvPr>
-          <p:cNvSpPr/>
-          <p:nvPr/>
-        </p:nvSpPr>
-        <p:spPr>
-          <a:xfrm>
-            <a:off x="3815317" y="5233409"/>
-            <a:ext cx="1360967" cy="435936"/>
-          </a:xfrm>
-          <a:prstGeom prst="rect">
-            <a:avLst/>
-          </a:prstGeom>
-          <a:solidFill>
-            <a:schemeClr val="accent1">
-              <a:lumMod val="75000"/>
-            </a:schemeClr>
-          </a:solidFill>
-        </p:spPr>
-        <p:style>
-          <a:lnRef idx="2">
-            <a:schemeClr val="accent1">
-              <a:shade val="50000"/>
-            </a:schemeClr>
-          </a:lnRef>
-          <a:fillRef idx="1">
-            <a:schemeClr val="accent1"/>
-          </a:fillRef>
-          <a:effectRef idx="0">
-            <a:schemeClr val="accent1"/>
-          </a:effectRef>
-          <a:fontRef idx="minor">
-            <a:schemeClr val="lt1"/>
-          </a:fontRef>
-        </p:style>
-        <p:txBody>
-          <a:bodyPr rtlCol="0" anchor="ctr"/>
-          <a:lstStyle/>
-          <a:p>
-            <a:pPr algn="ctr"/>
-            <a:r>
-              <a:rPr lang="en-US" dirty="0" err="1"/>
-              <a:t>API</a:t>
-            </a:r>
-            <a:r>
-              <a:rPr lang="en-US" baseline="-25000" dirty="0" err="1"/>
-              <a:t>Provider</a:t>
-            </a:r>
-            <a:endParaRPr lang="en-US" dirty="0"/>
-          </a:p>
-        </p:txBody>
-      </p:sp>
-      <p:sp>
-        <p:nvSpPr>
-          <p:cNvPr id="14" name="Rectangle 13">
-            <a:extLst>
-              <a:ext uri="{FF2B5EF4-FFF2-40B4-BE49-F238E27FC236}">
-                <a16:creationId xmlns:a16="http://schemas.microsoft.com/office/drawing/2014/main" id="{AEB52E2E-C599-7F43-8437-77CA49E0C8C5}"/>
-              </a:ext>
-            </a:extLst>
-          </p:cNvPr>
-          <p:cNvSpPr/>
-          <p:nvPr/>
-        </p:nvSpPr>
-        <p:spPr>
-          <a:xfrm>
-            <a:off x="5424377" y="5784109"/>
-            <a:ext cx="1360967" cy="435936"/>
-          </a:xfrm>
-          <a:prstGeom prst="rect">
-            <a:avLst/>
-          </a:prstGeom>
-          <a:solidFill>
-            <a:schemeClr val="accent1">
-              <a:lumMod val="50000"/>
-            </a:schemeClr>
-          </a:solidFill>
-        </p:spPr>
-        <p:style>
-          <a:lnRef idx="2">
-            <a:schemeClr val="accent1">
-              <a:shade val="50000"/>
-            </a:schemeClr>
-          </a:lnRef>
-          <a:fillRef idx="1">
-            <a:schemeClr val="accent1"/>
-          </a:fillRef>
-          <a:effectRef idx="0">
-            <a:schemeClr val="accent1"/>
-          </a:effectRef>
-          <a:fontRef idx="minor">
-            <a:schemeClr val="lt1"/>
-          </a:fontRef>
-        </p:style>
-        <p:txBody>
-          <a:bodyPr rtlCol="0" anchor="ctr"/>
-          <a:lstStyle/>
-          <a:p>
-            <a:pPr algn="ctr"/>
-            <a:r>
-              <a:rPr lang="en-US" dirty="0"/>
-              <a:t>Digital Asset</a:t>
-            </a:r>
-          </a:p>
-        </p:txBody>
-      </p:sp>
-      <p:sp>
-        <p:nvSpPr>
-          <p:cNvPr id="15" name="Rectangle 14">
-            <a:extLst>
-              <a:ext uri="{FF2B5EF4-FFF2-40B4-BE49-F238E27FC236}">
-                <a16:creationId xmlns:a16="http://schemas.microsoft.com/office/drawing/2014/main" id="{0DCD9790-E817-5F42-963B-086773F5FC69}"/>
-              </a:ext>
-            </a:extLst>
-          </p:cNvPr>
-          <p:cNvSpPr/>
-          <p:nvPr/>
-        </p:nvSpPr>
-        <p:spPr>
-          <a:xfrm>
-            <a:off x="5424377" y="5232314"/>
-            <a:ext cx="1360967" cy="435936"/>
-          </a:xfrm>
-          <a:prstGeom prst="rect">
-            <a:avLst/>
-          </a:prstGeom>
-          <a:solidFill>
-            <a:schemeClr val="accent1">
-              <a:lumMod val="75000"/>
-            </a:schemeClr>
-          </a:solidFill>
-        </p:spPr>
-        <p:style>
-          <a:lnRef idx="2">
-            <a:schemeClr val="accent1">
-              <a:shade val="50000"/>
-            </a:schemeClr>
-          </a:lnRef>
-          <a:fillRef idx="1">
-            <a:schemeClr val="accent1"/>
-          </a:fillRef>
-          <a:effectRef idx="0">
-            <a:schemeClr val="accent1"/>
-          </a:effectRef>
-          <a:fontRef idx="minor">
-            <a:schemeClr val="lt1"/>
-          </a:fontRef>
-        </p:style>
-        <p:txBody>
-          <a:bodyPr rtlCol="0" anchor="ctr"/>
-          <a:lstStyle/>
-          <a:p>
-            <a:pPr algn="ctr"/>
-            <a:r>
-              <a:rPr lang="en-US" dirty="0" err="1"/>
-              <a:t>API</a:t>
-            </a:r>
-            <a:r>
-              <a:rPr lang="en-US" baseline="-25000" dirty="0" err="1"/>
-              <a:t>Provider</a:t>
-            </a:r>
-            <a:endParaRPr lang="en-US" dirty="0"/>
-          </a:p>
-        </p:txBody>
-      </p:sp>
-      <p:sp>
-        <p:nvSpPr>
-          <p:cNvPr id="16" name="Rectangle 15">
-            <a:extLst>
-              <a:ext uri="{FF2B5EF4-FFF2-40B4-BE49-F238E27FC236}">
-                <a16:creationId xmlns:a16="http://schemas.microsoft.com/office/drawing/2014/main" id="{C837277F-B763-7B46-9545-F91A5DF8566A}"/>
-              </a:ext>
-            </a:extLst>
-          </p:cNvPr>
-          <p:cNvSpPr/>
-          <p:nvPr/>
-        </p:nvSpPr>
-        <p:spPr>
-          <a:xfrm>
-            <a:off x="7224823" y="5784110"/>
-            <a:ext cx="1360967" cy="435936"/>
-          </a:xfrm>
-          <a:prstGeom prst="rect">
-            <a:avLst/>
-          </a:prstGeom>
-          <a:solidFill>
-            <a:schemeClr val="accent1">
-              <a:lumMod val="50000"/>
-            </a:schemeClr>
-          </a:solidFill>
-        </p:spPr>
-        <p:style>
-          <a:lnRef idx="2">
-            <a:schemeClr val="accent1">
-              <a:shade val="50000"/>
-            </a:schemeClr>
-          </a:lnRef>
-          <a:fillRef idx="1">
-            <a:schemeClr val="accent1"/>
-          </a:fillRef>
-          <a:effectRef idx="0">
-            <a:schemeClr val="accent1"/>
-          </a:effectRef>
-          <a:fontRef idx="minor">
-            <a:schemeClr val="lt1"/>
-          </a:fontRef>
-        </p:style>
-        <p:txBody>
-          <a:bodyPr rtlCol="0" anchor="ctr"/>
-          <a:lstStyle/>
-          <a:p>
-            <a:pPr algn="ctr"/>
-            <a:r>
-              <a:rPr lang="en-US" dirty="0"/>
-              <a:t>Digital Asset</a:t>
-            </a:r>
-          </a:p>
-        </p:txBody>
-      </p:sp>
-      <p:sp>
-        <p:nvSpPr>
-          <p:cNvPr id="17" name="Rectangle 16">
-            <a:extLst>
-              <a:ext uri="{FF2B5EF4-FFF2-40B4-BE49-F238E27FC236}">
-                <a16:creationId xmlns:a16="http://schemas.microsoft.com/office/drawing/2014/main" id="{519005A8-38F4-E749-8CA7-58B98E35BC59}"/>
-              </a:ext>
-            </a:extLst>
-          </p:cNvPr>
-          <p:cNvSpPr/>
-          <p:nvPr/>
-        </p:nvSpPr>
-        <p:spPr>
-          <a:xfrm>
-            <a:off x="7224822" y="5233409"/>
-            <a:ext cx="1360967" cy="435936"/>
-          </a:xfrm>
-          <a:prstGeom prst="rect">
-            <a:avLst/>
-          </a:prstGeom>
-          <a:solidFill>
-            <a:schemeClr val="accent1">
-              <a:lumMod val="75000"/>
-            </a:schemeClr>
-          </a:solidFill>
-        </p:spPr>
-        <p:style>
-          <a:lnRef idx="2">
-            <a:schemeClr val="accent1">
-              <a:shade val="50000"/>
-            </a:schemeClr>
-          </a:lnRef>
-          <a:fillRef idx="1">
-            <a:schemeClr val="accent1"/>
-          </a:fillRef>
-          <a:effectRef idx="0">
-            <a:schemeClr val="accent1"/>
-          </a:effectRef>
-          <a:fontRef idx="minor">
-            <a:schemeClr val="lt1"/>
-          </a:fontRef>
-        </p:style>
-        <p:txBody>
-          <a:bodyPr rtlCol="0" anchor="ctr"/>
-          <a:lstStyle/>
-          <a:p>
-            <a:pPr algn="ctr"/>
-            <a:r>
-              <a:rPr lang="en-US" dirty="0" err="1"/>
-              <a:t>API</a:t>
-            </a:r>
-            <a:r>
-              <a:rPr lang="en-US" baseline="-25000" dirty="0" err="1"/>
-              <a:t>Provider</a:t>
-            </a:r>
-            <a:endParaRPr lang="en-US" dirty="0"/>
-          </a:p>
-        </p:txBody>
-      </p:sp>
-      <p:sp>
-        <p:nvSpPr>
-          <p:cNvPr id="18" name="Rectangle 17">
-            <a:extLst>
-              <a:ext uri="{FF2B5EF4-FFF2-40B4-BE49-F238E27FC236}">
-                <a16:creationId xmlns:a16="http://schemas.microsoft.com/office/drawing/2014/main" id="{5EA7F77D-A9CE-5843-8176-AFA5C2CE1FFD}"/>
-              </a:ext>
-            </a:extLst>
-          </p:cNvPr>
-          <p:cNvSpPr/>
-          <p:nvPr/>
-        </p:nvSpPr>
-        <p:spPr>
-          <a:xfrm>
-            <a:off x="405810" y="4556049"/>
-            <a:ext cx="2970028" cy="435936"/>
-          </a:xfrm>
-          <a:prstGeom prst="rect">
-            <a:avLst/>
-          </a:prstGeom>
-          <a:solidFill>
-            <a:schemeClr val="accent1">
-              <a:lumMod val="20000"/>
-              <a:lumOff val="80000"/>
-            </a:schemeClr>
-          </a:solidFill>
-          <a:ln>
-            <a:solidFill>
-              <a:schemeClr val="accent1">
-                <a:lumMod val="60000"/>
-                <a:lumOff val="40000"/>
-              </a:schemeClr>
-            </a:solidFill>
-          </a:ln>
-        </p:spPr>
-        <p:style>
-          <a:lnRef idx="2">
-            <a:schemeClr val="accent1">
-              <a:shade val="50000"/>
-            </a:schemeClr>
-          </a:lnRef>
-          <a:fillRef idx="1">
-            <a:schemeClr val="accent1"/>
-          </a:fillRef>
-          <a:effectRef idx="0">
-            <a:schemeClr val="accent1"/>
-          </a:effectRef>
-          <a:fontRef idx="minor">
-            <a:schemeClr val="lt1"/>
-          </a:fontRef>
-        </p:style>
-        <p:txBody>
-          <a:bodyPr rtlCol="0" anchor="ctr"/>
-          <a:lstStyle/>
-          <a:p>
-            <a:pPr algn="ctr"/>
-            <a:r>
-              <a:rPr lang="en-US" dirty="0"/>
-              <a:t>Gateway</a:t>
-            </a:r>
-          </a:p>
-        </p:txBody>
-      </p:sp>
-      <p:sp>
-        <p:nvSpPr>
-          <p:cNvPr id="19" name="Rectangle 18">
-            <a:extLst>
-              <a:ext uri="{FF2B5EF4-FFF2-40B4-BE49-F238E27FC236}">
-                <a16:creationId xmlns:a16="http://schemas.microsoft.com/office/drawing/2014/main" id="{89AF62B9-ADF0-9447-B76F-EC7667F8B8D3}"/>
-              </a:ext>
-            </a:extLst>
-          </p:cNvPr>
-          <p:cNvSpPr/>
-          <p:nvPr/>
-        </p:nvSpPr>
-        <p:spPr>
-          <a:xfrm>
-            <a:off x="3815316" y="4556049"/>
-            <a:ext cx="2970028" cy="435936"/>
-          </a:xfrm>
-          <a:prstGeom prst="rect">
-            <a:avLst/>
-          </a:prstGeom>
-          <a:solidFill>
-            <a:schemeClr val="accent1">
-              <a:lumMod val="20000"/>
-              <a:lumOff val="80000"/>
-            </a:schemeClr>
-          </a:solidFill>
-          <a:ln>
-            <a:solidFill>
-              <a:schemeClr val="accent1">
-                <a:lumMod val="60000"/>
-                <a:lumOff val="40000"/>
-              </a:schemeClr>
-            </a:solidFill>
-          </a:ln>
-        </p:spPr>
-        <p:style>
-          <a:lnRef idx="2">
-            <a:schemeClr val="accent1">
-              <a:shade val="50000"/>
-            </a:schemeClr>
-          </a:lnRef>
-          <a:fillRef idx="1">
-            <a:schemeClr val="accent1"/>
-          </a:fillRef>
-          <a:effectRef idx="0">
-            <a:schemeClr val="accent1"/>
-          </a:effectRef>
-          <a:fontRef idx="minor">
-            <a:schemeClr val="lt1"/>
-          </a:fontRef>
-        </p:style>
-        <p:txBody>
-          <a:bodyPr rtlCol="0" anchor="ctr"/>
-          <a:lstStyle/>
-          <a:p>
-            <a:pPr algn="ctr"/>
-            <a:r>
-              <a:rPr lang="en-US" dirty="0"/>
-              <a:t>Gateway</a:t>
-            </a:r>
-          </a:p>
-        </p:txBody>
-      </p:sp>
-      <p:sp>
-        <p:nvSpPr>
-          <p:cNvPr id="20" name="Rectangle 19">
-            <a:extLst>
-              <a:ext uri="{FF2B5EF4-FFF2-40B4-BE49-F238E27FC236}">
-                <a16:creationId xmlns:a16="http://schemas.microsoft.com/office/drawing/2014/main" id="{1E4834FB-16C1-D842-988D-801595A91D65}"/>
-              </a:ext>
-            </a:extLst>
-          </p:cNvPr>
-          <p:cNvSpPr/>
-          <p:nvPr/>
-        </p:nvSpPr>
-        <p:spPr>
-          <a:xfrm>
-            <a:off x="7224822" y="4556049"/>
-            <a:ext cx="1360967" cy="435936"/>
-          </a:xfrm>
-          <a:prstGeom prst="rect">
-            <a:avLst/>
-          </a:prstGeom>
-          <a:solidFill>
-            <a:schemeClr val="accent1">
-              <a:lumMod val="20000"/>
-              <a:lumOff val="80000"/>
-            </a:schemeClr>
-          </a:solidFill>
-          <a:ln>
-            <a:solidFill>
-              <a:schemeClr val="accent1">
-                <a:lumMod val="60000"/>
-                <a:lumOff val="40000"/>
-              </a:schemeClr>
-            </a:solidFill>
-          </a:ln>
-        </p:spPr>
-        <p:style>
-          <a:lnRef idx="2">
-            <a:schemeClr val="accent1">
-              <a:shade val="50000"/>
-            </a:schemeClr>
-          </a:lnRef>
-          <a:fillRef idx="1">
-            <a:schemeClr val="accent1"/>
-          </a:fillRef>
-          <a:effectRef idx="0">
-            <a:schemeClr val="accent1"/>
-          </a:effectRef>
-          <a:fontRef idx="minor">
-            <a:schemeClr val="lt1"/>
-          </a:fontRef>
-        </p:style>
-        <p:txBody>
-          <a:bodyPr rtlCol="0" anchor="ctr"/>
-          <a:lstStyle/>
-          <a:p>
-            <a:pPr algn="ctr"/>
-            <a:r>
-              <a:rPr lang="en-US" dirty="0"/>
-              <a:t>Gateway</a:t>
-            </a:r>
-          </a:p>
-        </p:txBody>
-      </p:sp>
-      <p:sp>
-        <p:nvSpPr>
-          <p:cNvPr id="21" name="Rectangle 20">
-            <a:extLst>
-              <a:ext uri="{FF2B5EF4-FFF2-40B4-BE49-F238E27FC236}">
-                <a16:creationId xmlns:a16="http://schemas.microsoft.com/office/drawing/2014/main" id="{30AAA154-4B3C-4145-B06D-033993810601}"/>
-              </a:ext>
-            </a:extLst>
-          </p:cNvPr>
-          <p:cNvSpPr/>
-          <p:nvPr/>
-        </p:nvSpPr>
-        <p:spPr>
-          <a:xfrm>
-            <a:off x="405810" y="691116"/>
-            <a:ext cx="2970028" cy="435936"/>
-          </a:xfrm>
-          <a:prstGeom prst="rect">
-            <a:avLst/>
-          </a:prstGeom>
-          <a:solidFill>
-            <a:schemeClr val="accent1">
-              <a:lumMod val="50000"/>
-            </a:schemeClr>
-          </a:solidFill>
-        </p:spPr>
-        <p:style>
-          <a:lnRef idx="2">
-            <a:schemeClr val="accent1">
-              <a:shade val="50000"/>
-            </a:schemeClr>
-          </a:lnRef>
-          <a:fillRef idx="1">
-            <a:schemeClr val="accent1"/>
-          </a:fillRef>
-          <a:effectRef idx="0">
-            <a:schemeClr val="accent1"/>
-          </a:effectRef>
-          <a:fontRef idx="minor">
-            <a:schemeClr val="lt1"/>
-          </a:fontRef>
-        </p:style>
-        <p:txBody>
-          <a:bodyPr rtlCol="0" anchor="ctr"/>
-          <a:lstStyle/>
-          <a:p>
-            <a:pPr algn="ctr"/>
-            <a:r>
-              <a:rPr lang="en-US" dirty="0"/>
-              <a:t>Product</a:t>
-            </a:r>
-          </a:p>
-        </p:txBody>
-      </p:sp>
-      <p:sp>
-        <p:nvSpPr>
-          <p:cNvPr id="22" name="Rectangle 21">
-            <a:extLst>
-              <a:ext uri="{FF2B5EF4-FFF2-40B4-BE49-F238E27FC236}">
-                <a16:creationId xmlns:a16="http://schemas.microsoft.com/office/drawing/2014/main" id="{91D54C4F-B4AE-1441-9D56-A2C9E5237445}"/>
-              </a:ext>
-            </a:extLst>
-          </p:cNvPr>
-          <p:cNvSpPr/>
-          <p:nvPr/>
-        </p:nvSpPr>
-        <p:spPr>
-          <a:xfrm>
-            <a:off x="405810" y="1253543"/>
-            <a:ext cx="1360967" cy="435936"/>
-          </a:xfrm>
-          <a:prstGeom prst="rect">
-            <a:avLst/>
-          </a:prstGeom>
-          <a:solidFill>
-            <a:schemeClr val="accent1">
-              <a:lumMod val="75000"/>
-            </a:schemeClr>
-          </a:solidFill>
-        </p:spPr>
-        <p:style>
-          <a:lnRef idx="2">
-            <a:schemeClr val="accent1">
-              <a:shade val="50000"/>
-            </a:schemeClr>
-          </a:lnRef>
-          <a:fillRef idx="1">
-            <a:schemeClr val="accent1"/>
-          </a:fillRef>
-          <a:effectRef idx="0">
-            <a:schemeClr val="accent1"/>
-          </a:effectRef>
-          <a:fontRef idx="minor">
-            <a:schemeClr val="lt1"/>
-          </a:fontRef>
-        </p:style>
-        <p:txBody>
-          <a:bodyPr rtlCol="0" anchor="ctr"/>
-          <a:lstStyle/>
-          <a:p>
-            <a:pPr algn="ctr"/>
-            <a:r>
-              <a:rPr lang="en-US" dirty="0" err="1"/>
-              <a:t>API</a:t>
-            </a:r>
-            <a:r>
-              <a:rPr lang="en-US" baseline="-25000" dirty="0" err="1"/>
-              <a:t>Consumer</a:t>
-            </a:r>
-            <a:endParaRPr lang="en-US" baseline="-25000" dirty="0"/>
-          </a:p>
-        </p:txBody>
-      </p:sp>
-      <p:sp>
-        <p:nvSpPr>
-          <p:cNvPr id="23" name="Rectangle 22">
-            <a:extLst>
-              <a:ext uri="{FF2B5EF4-FFF2-40B4-BE49-F238E27FC236}">
-                <a16:creationId xmlns:a16="http://schemas.microsoft.com/office/drawing/2014/main" id="{A9544A8B-3602-0E41-A6A1-33F7FB5A504A}"/>
-              </a:ext>
-            </a:extLst>
-          </p:cNvPr>
-          <p:cNvSpPr/>
-          <p:nvPr/>
-        </p:nvSpPr>
-        <p:spPr>
-          <a:xfrm>
-            <a:off x="2014870" y="1253543"/>
-            <a:ext cx="1360967" cy="435936"/>
-          </a:xfrm>
-          <a:prstGeom prst="rect">
-            <a:avLst/>
-          </a:prstGeom>
-          <a:solidFill>
-            <a:schemeClr val="accent1">
-              <a:lumMod val="75000"/>
-            </a:schemeClr>
-          </a:solidFill>
-        </p:spPr>
-        <p:style>
-          <a:lnRef idx="2">
-            <a:schemeClr val="accent1">
-              <a:shade val="50000"/>
-            </a:schemeClr>
-          </a:lnRef>
-          <a:fillRef idx="1">
-            <a:schemeClr val="accent1"/>
-          </a:fillRef>
-          <a:effectRef idx="0">
-            <a:schemeClr val="accent1"/>
-          </a:effectRef>
-          <a:fontRef idx="minor">
-            <a:schemeClr val="lt1"/>
-          </a:fontRef>
-        </p:style>
-        <p:txBody>
-          <a:bodyPr rtlCol="0" anchor="ctr"/>
-          <a:lstStyle/>
-          <a:p>
-            <a:pPr algn="ctr"/>
-            <a:r>
-              <a:rPr lang="en-US" dirty="0" err="1"/>
-              <a:t>API</a:t>
-            </a:r>
-            <a:r>
-              <a:rPr lang="en-US" baseline="-25000" dirty="0" err="1"/>
-              <a:t>Consumer</a:t>
-            </a:r>
-            <a:endParaRPr lang="en-US" dirty="0"/>
-          </a:p>
-        </p:txBody>
-      </p:sp>
-      <p:sp>
-        <p:nvSpPr>
-          <p:cNvPr id="25" name="Left-Right Arrow 24">
-            <a:extLst>
-              <a:ext uri="{FF2B5EF4-FFF2-40B4-BE49-F238E27FC236}">
-                <a16:creationId xmlns:a16="http://schemas.microsoft.com/office/drawing/2014/main" id="{C5F4C495-95A0-7B46-9BC6-E4B548F4CC55}"/>
-              </a:ext>
-            </a:extLst>
-          </p:cNvPr>
-          <p:cNvSpPr/>
-          <p:nvPr/>
-        </p:nvSpPr>
-        <p:spPr>
-          <a:xfrm rot="16200000">
-            <a:off x="7552746" y="3102934"/>
-            <a:ext cx="3799366" cy="676937"/>
+            <a:off x="8833891" y="4144925"/>
+            <a:ext cx="2587254" cy="676937"/>
           </a:xfrm>
           <a:prstGeom prst="leftRightArrow">
             <a:avLst>
@@ -7811,18 +4855,25 @@
           <a:p>
             <a:pPr algn="ctr"/>
             <a:r>
-              <a:rPr lang="en-US" dirty="0"/>
-              <a:t>API Technology</a:t>
-            </a:r>
-          </a:p>
-        </p:txBody>
-      </p:sp>
-      <p:sp>
-        <p:nvSpPr>
-          <p:cNvPr id="26" name="Left-Right Arrow 25">
-            <a:extLst>
-              <a:ext uri="{FF2B5EF4-FFF2-40B4-BE49-F238E27FC236}">
-                <a16:creationId xmlns:a16="http://schemas.microsoft.com/office/drawing/2014/main" id="{3D87E930-E65D-E14B-A036-55EFC5496640}"/>
+              <a:rPr lang="en-US" sz="1100" dirty="0"/>
+              <a:t>API Product</a:t>
+            </a:r>
+          </a:p>
+          <a:p>
+            <a:pPr algn="ctr"/>
+            <a:r>
+              <a:rPr lang="en-US" sz="1100" dirty="0"/>
+              <a:t>Management</a:t>
+            </a:r>
+          </a:p>
+        </p:txBody>
+      </p:sp>
+      <p:sp>
+        <p:nvSpPr>
+          <p:cNvPr id="38" name="Left-Right Arrow 37">
+            <a:extLst>
+              <a:ext uri="{FF2B5EF4-FFF2-40B4-BE49-F238E27FC236}">
+                <a16:creationId xmlns:a16="http://schemas.microsoft.com/office/drawing/2014/main" id="{BECB2934-E187-9640-983F-3E98E6690725}"/>
               </a:ext>
             </a:extLst>
           </p:cNvPr>
@@ -7831,8 +4882,8 @@
         </p:nvSpPr>
         <p:spPr>
           <a:xfrm rot="16200000">
-            <a:off x="8901224" y="3067492"/>
-            <a:ext cx="5092994" cy="676937"/>
+            <a:off x="9092065" y="1507502"/>
+            <a:ext cx="2070904" cy="676937"/>
           </a:xfrm>
           <a:prstGeom prst="leftRightArrow">
             <a:avLst>
@@ -7875,512 +4926,15 @@
           <a:p>
             <a:pPr algn="ctr"/>
             <a:r>
-              <a:rPr lang="en-US" dirty="0"/>
-              <a:t>API Value</a:t>
-            </a:r>
-          </a:p>
-        </p:txBody>
-      </p:sp>
-      <p:sp>
-        <p:nvSpPr>
-          <p:cNvPr id="27" name="Rectangle 26">
-            <a:extLst>
-              <a:ext uri="{FF2B5EF4-FFF2-40B4-BE49-F238E27FC236}">
-                <a16:creationId xmlns:a16="http://schemas.microsoft.com/office/drawing/2014/main" id="{0F53DE16-57F1-5447-AF48-58E549A0B20F}"/>
-              </a:ext>
-            </a:extLst>
-          </p:cNvPr>
-          <p:cNvSpPr/>
-          <p:nvPr/>
-        </p:nvSpPr>
-        <p:spPr>
-          <a:xfrm>
-            <a:off x="5683030" y="691116"/>
-            <a:ext cx="2970028" cy="435936"/>
-          </a:xfrm>
-          <a:prstGeom prst="rect">
-            <a:avLst/>
-          </a:prstGeom>
-          <a:solidFill>
-            <a:schemeClr val="accent1">
-              <a:lumMod val="50000"/>
-            </a:schemeClr>
-          </a:solidFill>
-        </p:spPr>
-        <p:style>
-          <a:lnRef idx="2">
-            <a:schemeClr val="accent1">
-              <a:shade val="50000"/>
-            </a:schemeClr>
-          </a:lnRef>
-          <a:fillRef idx="1">
-            <a:schemeClr val="accent1"/>
-          </a:fillRef>
-          <a:effectRef idx="0">
-            <a:schemeClr val="accent1"/>
-          </a:effectRef>
-          <a:fontRef idx="minor">
-            <a:schemeClr val="lt1"/>
-          </a:fontRef>
-        </p:style>
-        <p:txBody>
-          <a:bodyPr rtlCol="0" anchor="ctr"/>
-          <a:lstStyle/>
+              <a:rPr lang="en-US" sz="1100" dirty="0"/>
+              <a:t>API Product</a:t>
+            </a:r>
+          </a:p>
           <a:p>
             <a:pPr algn="ctr"/>
             <a:r>
-              <a:rPr lang="en-US" dirty="0"/>
-              <a:t>Product</a:t>
-            </a:r>
-          </a:p>
-        </p:txBody>
-      </p:sp>
-      <p:sp>
-        <p:nvSpPr>
-          <p:cNvPr id="28" name="Rectangle 27">
-            <a:extLst>
-              <a:ext uri="{FF2B5EF4-FFF2-40B4-BE49-F238E27FC236}">
-                <a16:creationId xmlns:a16="http://schemas.microsoft.com/office/drawing/2014/main" id="{11357D2E-026C-5A4F-A590-9C6164108CD6}"/>
-              </a:ext>
-            </a:extLst>
-          </p:cNvPr>
-          <p:cNvSpPr/>
-          <p:nvPr/>
-        </p:nvSpPr>
-        <p:spPr>
-          <a:xfrm>
-            <a:off x="5683030" y="1240042"/>
-            <a:ext cx="1360967" cy="435936"/>
-          </a:xfrm>
-          <a:prstGeom prst="rect">
-            <a:avLst/>
-          </a:prstGeom>
-          <a:solidFill>
-            <a:schemeClr val="accent1">
-              <a:lumMod val="75000"/>
-            </a:schemeClr>
-          </a:solidFill>
-        </p:spPr>
-        <p:style>
-          <a:lnRef idx="2">
-            <a:schemeClr val="accent1">
-              <a:shade val="50000"/>
-            </a:schemeClr>
-          </a:lnRef>
-          <a:fillRef idx="1">
-            <a:schemeClr val="accent1"/>
-          </a:fillRef>
-          <a:effectRef idx="0">
-            <a:schemeClr val="accent1"/>
-          </a:effectRef>
-          <a:fontRef idx="minor">
-            <a:schemeClr val="lt1"/>
-          </a:fontRef>
-        </p:style>
-        <p:txBody>
-          <a:bodyPr rtlCol="0" anchor="ctr"/>
-          <a:lstStyle/>
-          <a:p>
-            <a:pPr algn="ctr"/>
-            <a:r>
-              <a:rPr lang="en-US" dirty="0" err="1"/>
-              <a:t>API</a:t>
-            </a:r>
-            <a:r>
-              <a:rPr lang="en-US" baseline="-25000" dirty="0" err="1"/>
-              <a:t>Consumer</a:t>
-            </a:r>
-            <a:endParaRPr lang="en-US" dirty="0"/>
-          </a:p>
-        </p:txBody>
-      </p:sp>
-      <p:sp>
-        <p:nvSpPr>
-          <p:cNvPr id="29" name="Rectangle 28">
-            <a:extLst>
-              <a:ext uri="{FF2B5EF4-FFF2-40B4-BE49-F238E27FC236}">
-                <a16:creationId xmlns:a16="http://schemas.microsoft.com/office/drawing/2014/main" id="{3D2D7876-F859-4B41-AC06-AA012FEBC794}"/>
-              </a:ext>
-            </a:extLst>
-          </p:cNvPr>
-          <p:cNvSpPr/>
-          <p:nvPr/>
-        </p:nvSpPr>
-        <p:spPr>
-          <a:xfrm>
-            <a:off x="7292090" y="1240042"/>
-            <a:ext cx="1360967" cy="435936"/>
-          </a:xfrm>
-          <a:prstGeom prst="rect">
-            <a:avLst/>
-          </a:prstGeom>
-          <a:solidFill>
-            <a:schemeClr val="accent1">
-              <a:lumMod val="75000"/>
-            </a:schemeClr>
-          </a:solidFill>
-        </p:spPr>
-        <p:style>
-          <a:lnRef idx="2">
-            <a:schemeClr val="accent1">
-              <a:shade val="50000"/>
-            </a:schemeClr>
-          </a:lnRef>
-          <a:fillRef idx="1">
-            <a:schemeClr val="accent1"/>
-          </a:fillRef>
-          <a:effectRef idx="0">
-            <a:schemeClr val="accent1"/>
-          </a:effectRef>
-          <a:fontRef idx="minor">
-            <a:schemeClr val="lt1"/>
-          </a:fontRef>
-        </p:style>
-        <p:txBody>
-          <a:bodyPr rtlCol="0" anchor="ctr"/>
-          <a:lstStyle/>
-          <a:p>
-            <a:pPr algn="ctr"/>
-            <a:r>
-              <a:rPr lang="en-US" dirty="0" err="1"/>
-              <a:t>API</a:t>
-            </a:r>
-            <a:r>
-              <a:rPr lang="en-US" baseline="-25000" dirty="0" err="1"/>
-              <a:t>Consumer</a:t>
-            </a:r>
-            <a:endParaRPr lang="en-US" dirty="0"/>
-          </a:p>
-        </p:txBody>
-      </p:sp>
-      <p:sp>
-        <p:nvSpPr>
-          <p:cNvPr id="30" name="Rectangle 29">
-            <a:extLst>
-              <a:ext uri="{FF2B5EF4-FFF2-40B4-BE49-F238E27FC236}">
-                <a16:creationId xmlns:a16="http://schemas.microsoft.com/office/drawing/2014/main" id="{81D340E0-C542-7844-8F2A-89F54621D2F8}"/>
-              </a:ext>
-            </a:extLst>
-          </p:cNvPr>
-          <p:cNvSpPr/>
-          <p:nvPr/>
-        </p:nvSpPr>
-        <p:spPr>
-          <a:xfrm>
-            <a:off x="3848950" y="689342"/>
-            <a:ext cx="1360967" cy="435936"/>
-          </a:xfrm>
-          <a:prstGeom prst="rect">
-            <a:avLst/>
-          </a:prstGeom>
-          <a:solidFill>
-            <a:schemeClr val="accent1">
-              <a:lumMod val="50000"/>
-            </a:schemeClr>
-          </a:solidFill>
-        </p:spPr>
-        <p:style>
-          <a:lnRef idx="2">
-            <a:schemeClr val="accent1">
-              <a:shade val="50000"/>
-            </a:schemeClr>
-          </a:lnRef>
-          <a:fillRef idx="1">
-            <a:schemeClr val="accent1"/>
-          </a:fillRef>
-          <a:effectRef idx="0">
-            <a:schemeClr val="accent1"/>
-          </a:effectRef>
-          <a:fontRef idx="minor">
-            <a:schemeClr val="lt1"/>
-          </a:fontRef>
-        </p:style>
-        <p:txBody>
-          <a:bodyPr rtlCol="0" anchor="ctr"/>
-          <a:lstStyle/>
-          <a:p>
-            <a:pPr algn="ctr"/>
-            <a:r>
-              <a:rPr lang="en-US" dirty="0"/>
-              <a:t>Product</a:t>
-            </a:r>
-          </a:p>
-        </p:txBody>
-      </p:sp>
-      <p:sp>
-        <p:nvSpPr>
-          <p:cNvPr id="31" name="Rectangle 30">
-            <a:extLst>
-              <a:ext uri="{FF2B5EF4-FFF2-40B4-BE49-F238E27FC236}">
-                <a16:creationId xmlns:a16="http://schemas.microsoft.com/office/drawing/2014/main" id="{72AE3F21-17F0-A244-BB5C-D3EACB6ACB5B}"/>
-              </a:ext>
-            </a:extLst>
-          </p:cNvPr>
-          <p:cNvSpPr/>
-          <p:nvPr/>
-        </p:nvSpPr>
-        <p:spPr>
-          <a:xfrm>
-            <a:off x="3848950" y="1240042"/>
-            <a:ext cx="1360967" cy="435936"/>
-          </a:xfrm>
-          <a:prstGeom prst="rect">
-            <a:avLst/>
-          </a:prstGeom>
-          <a:solidFill>
-            <a:schemeClr val="accent1">
-              <a:lumMod val="75000"/>
-            </a:schemeClr>
-          </a:solidFill>
-        </p:spPr>
-        <p:style>
-          <a:lnRef idx="2">
-            <a:schemeClr val="accent1">
-              <a:shade val="50000"/>
-            </a:schemeClr>
-          </a:lnRef>
-          <a:fillRef idx="1">
-            <a:schemeClr val="accent1"/>
-          </a:fillRef>
-          <a:effectRef idx="0">
-            <a:schemeClr val="accent1"/>
-          </a:effectRef>
-          <a:fontRef idx="minor">
-            <a:schemeClr val="lt1"/>
-          </a:fontRef>
-        </p:style>
-        <p:txBody>
-          <a:bodyPr rtlCol="0" anchor="ctr"/>
-          <a:lstStyle/>
-          <a:p>
-            <a:pPr algn="ctr"/>
-            <a:r>
-              <a:rPr lang="en-US" dirty="0" err="1"/>
-              <a:t>API</a:t>
-            </a:r>
-            <a:r>
-              <a:rPr lang="en-US" baseline="-25000" dirty="0" err="1"/>
-              <a:t>Consumer</a:t>
-            </a:r>
-            <a:endParaRPr lang="en-US" dirty="0"/>
-          </a:p>
-        </p:txBody>
-      </p:sp>
-      <p:pic>
-        <p:nvPicPr>
-          <p:cNvPr id="33" name="Picture 32">
-            <a:extLst>
-              <a:ext uri="{FF2B5EF4-FFF2-40B4-BE49-F238E27FC236}">
-                <a16:creationId xmlns:a16="http://schemas.microsoft.com/office/drawing/2014/main" id="{6389B22B-4DEB-3641-AA41-90954C7AC73F}"/>
-              </a:ext>
-            </a:extLst>
-          </p:cNvPr>
-          <p:cNvPicPr>
-            <a:picLocks noChangeAspect="1"/>
-          </p:cNvPicPr>
-          <p:nvPr/>
-        </p:nvPicPr>
-        <p:blipFill>
-          <a:blip r:embed="rId4"/>
-          <a:stretch>
-            <a:fillRect/>
-          </a:stretch>
-        </p:blipFill>
-        <p:spPr>
-          <a:xfrm>
-            <a:off x="9872886" y="2831207"/>
-            <a:ext cx="1154377" cy="1149506"/>
-          </a:xfrm>
-          <a:prstGeom prst="rect">
-            <a:avLst/>
-          </a:prstGeom>
-        </p:spPr>
-      </p:pic>
-      <p:sp>
-        <p:nvSpPr>
-          <p:cNvPr id="32" name="Rectangle 31">
-            <a:extLst>
-              <a:ext uri="{FF2B5EF4-FFF2-40B4-BE49-F238E27FC236}">
-                <a16:creationId xmlns:a16="http://schemas.microsoft.com/office/drawing/2014/main" id="{D3FA2E88-4AA9-4F4D-8FD0-45D0BD4E01E0}"/>
-              </a:ext>
-            </a:extLst>
-          </p:cNvPr>
-          <p:cNvSpPr/>
-          <p:nvPr/>
-        </p:nvSpPr>
-        <p:spPr>
-          <a:xfrm>
-            <a:off x="5683030" y="1905126"/>
-            <a:ext cx="2970028" cy="435936"/>
-          </a:xfrm>
-          <a:prstGeom prst="rect">
-            <a:avLst/>
-          </a:prstGeom>
-          <a:solidFill>
-            <a:schemeClr val="accent1">
-              <a:lumMod val="20000"/>
-              <a:lumOff val="80000"/>
-            </a:schemeClr>
-          </a:solidFill>
-          <a:ln>
-            <a:solidFill>
-              <a:schemeClr val="accent1">
-                <a:lumMod val="60000"/>
-                <a:lumOff val="40000"/>
-              </a:schemeClr>
-            </a:solidFill>
-          </a:ln>
-        </p:spPr>
-        <p:style>
-          <a:lnRef idx="2">
-            <a:schemeClr val="accent1">
-              <a:shade val="50000"/>
-            </a:schemeClr>
-          </a:lnRef>
-          <a:fillRef idx="1">
-            <a:schemeClr val="accent1"/>
-          </a:fillRef>
-          <a:effectRef idx="0">
-            <a:schemeClr val="accent1"/>
-          </a:effectRef>
-          <a:fontRef idx="minor">
-            <a:schemeClr val="lt1"/>
-          </a:fontRef>
-        </p:style>
-        <p:txBody>
-          <a:bodyPr rtlCol="0" anchor="ctr"/>
-          <a:lstStyle/>
-          <a:p>
-            <a:pPr algn="ctr"/>
-            <a:r>
-              <a:rPr lang="en-US" dirty="0"/>
-              <a:t>Marketplace</a:t>
-            </a:r>
-          </a:p>
-        </p:txBody>
-      </p:sp>
-      <p:sp>
-        <p:nvSpPr>
-          <p:cNvPr id="34" name="Rectangle 33">
-            <a:extLst>
-              <a:ext uri="{FF2B5EF4-FFF2-40B4-BE49-F238E27FC236}">
-                <a16:creationId xmlns:a16="http://schemas.microsoft.com/office/drawing/2014/main" id="{5380F2A4-5C4E-7F40-8EAD-B0A9F6F32103}"/>
-              </a:ext>
-            </a:extLst>
-          </p:cNvPr>
-          <p:cNvSpPr/>
-          <p:nvPr/>
-        </p:nvSpPr>
-        <p:spPr>
-          <a:xfrm>
-            <a:off x="373939" y="1905126"/>
-            <a:ext cx="2970028" cy="435936"/>
-          </a:xfrm>
-          <a:prstGeom prst="rect">
-            <a:avLst/>
-          </a:prstGeom>
-          <a:solidFill>
-            <a:schemeClr val="accent1">
-              <a:lumMod val="20000"/>
-              <a:lumOff val="80000"/>
-            </a:schemeClr>
-          </a:solidFill>
-          <a:ln>
-            <a:solidFill>
-              <a:schemeClr val="accent1">
-                <a:lumMod val="60000"/>
-                <a:lumOff val="40000"/>
-              </a:schemeClr>
-            </a:solidFill>
-          </a:ln>
-        </p:spPr>
-        <p:style>
-          <a:lnRef idx="2">
-            <a:schemeClr val="accent1">
-              <a:shade val="50000"/>
-            </a:schemeClr>
-          </a:lnRef>
-          <a:fillRef idx="1">
-            <a:schemeClr val="accent1"/>
-          </a:fillRef>
-          <a:effectRef idx="0">
-            <a:schemeClr val="accent1"/>
-          </a:effectRef>
-          <a:fontRef idx="minor">
-            <a:schemeClr val="lt1"/>
-          </a:fontRef>
-        </p:style>
-        <p:txBody>
-          <a:bodyPr rtlCol="0" anchor="ctr"/>
-          <a:lstStyle/>
-          <a:p>
-            <a:pPr algn="ctr"/>
-            <a:r>
-              <a:rPr lang="en-US" dirty="0"/>
-              <a:t>Portal</a:t>
-            </a:r>
-          </a:p>
-        </p:txBody>
-      </p:sp>
-      <p:sp>
-        <p:nvSpPr>
-          <p:cNvPr id="35" name="Rectangle 34">
-            <a:extLst>
-              <a:ext uri="{FF2B5EF4-FFF2-40B4-BE49-F238E27FC236}">
-                <a16:creationId xmlns:a16="http://schemas.microsoft.com/office/drawing/2014/main" id="{5070D854-2878-9448-B5D8-DC23EC7B7F21}"/>
-              </a:ext>
-            </a:extLst>
-          </p:cNvPr>
-          <p:cNvSpPr/>
-          <p:nvPr/>
-        </p:nvSpPr>
-        <p:spPr>
-          <a:xfrm>
-            <a:off x="3835264" y="1905126"/>
-            <a:ext cx="1360967" cy="435936"/>
-          </a:xfrm>
-          <a:prstGeom prst="rect">
-            <a:avLst/>
-          </a:prstGeom>
-          <a:solidFill>
-            <a:schemeClr val="accent1">
-              <a:lumMod val="20000"/>
-              <a:lumOff val="80000"/>
-            </a:schemeClr>
-          </a:solidFill>
-          <a:ln>
-            <a:solidFill>
-              <a:schemeClr val="accent1">
-                <a:lumMod val="60000"/>
-                <a:lumOff val="40000"/>
-              </a:schemeClr>
-            </a:solidFill>
-          </a:ln>
-        </p:spPr>
-        <p:style>
-          <a:lnRef idx="2">
-            <a:schemeClr val="accent1">
-              <a:shade val="50000"/>
-            </a:schemeClr>
-          </a:lnRef>
-          <a:fillRef idx="1">
-            <a:schemeClr val="accent1"/>
-          </a:fillRef>
-          <a:effectRef idx="0">
-            <a:schemeClr val="accent1"/>
-          </a:effectRef>
-          <a:fontRef idx="minor">
-            <a:schemeClr val="lt1"/>
-          </a:fontRef>
-        </p:style>
-        <p:txBody>
-          <a:bodyPr rtlCol="0" anchor="ctr"/>
-          <a:lstStyle/>
-          <a:p>
-            <a:pPr algn="ctr"/>
-            <a:r>
-              <a:rPr lang="en-US" dirty="0"/>
-              <a:t>Portal</a:t>
+              <a:rPr lang="en-US" sz="1100" dirty="0"/>
+              <a:t>Marketing</a:t>
             </a:r>
           </a:p>
         </p:txBody>

--- a/getting-apis-to-work-2021/img/API-ERP.pptx
+++ b/getting-apis-to-work-2021/img/API-ERP.pptx
@@ -6,6 +6,9 @@
   </p:sldMasterIdLst>
   <p:sldIdLst>
     <p:sldId id="264" r:id="rId2"/>
+    <p:sldId id="265" r:id="rId3"/>
+    <p:sldId id="266" r:id="rId4"/>
+    <p:sldId id="267" r:id="rId5"/>
   </p:sldIdLst>
   <p:sldSz cx="12192000" cy="6858000"/>
   <p:notesSz cx="6858000" cy="9144000"/>
@@ -3441,10 +3444,10 @@
       </p:sp>
       <p:sp>
         <p:nvSpPr>
-          <p:cNvPr id="8" name="Rectangle 7">
-            <a:extLst>
-              <a:ext uri="{FF2B5EF4-FFF2-40B4-BE49-F238E27FC236}">
-                <a16:creationId xmlns:a16="http://schemas.microsoft.com/office/drawing/2014/main" id="{C097CC69-F3DF-5242-834D-D17351C5B1EA}"/>
+          <p:cNvPr id="10" name="Rectangle 9">
+            <a:extLst>
+              <a:ext uri="{FF2B5EF4-FFF2-40B4-BE49-F238E27FC236}">
+                <a16:creationId xmlns:a16="http://schemas.microsoft.com/office/drawing/2014/main" id="{2B393DD3-7185-8145-9533-FDF1CECE79A4}"/>
               </a:ext>
             </a:extLst>
           </p:cNvPr>
@@ -3453,16 +3456,15 @@
         </p:nvSpPr>
         <p:spPr>
           <a:xfrm>
-            <a:off x="3277430" y="2497753"/>
-            <a:ext cx="2504004" cy="1073259"/>
+            <a:off x="7292089" y="5341085"/>
+            <a:ext cx="1360967" cy="435936"/>
           </a:xfrm>
           <a:prstGeom prst="rect">
             <a:avLst/>
           </a:prstGeom>
           <a:solidFill>
             <a:schemeClr val="accent1">
-              <a:lumMod val="60000"/>
-              <a:lumOff val="40000"/>
+              <a:lumMod val="50000"/>
             </a:schemeClr>
           </a:solidFill>
         </p:spPr>
@@ -3483,59 +3485,23 @@
           </a:fontRef>
         </p:style>
         <p:txBody>
-          <a:bodyPr rtlCol="0" anchor="b"/>
-          <a:lstStyle/>
-          <a:p>
-            <a:pPr algn="r"/>
+          <a:bodyPr rtlCol="0" anchor="ctr"/>
+          <a:lstStyle/>
+          <a:p>
+            <a:pPr algn="ctr"/>
             <a:r>
               <a:rPr lang="en-US" dirty="0"/>
-              <a:t>Catalog</a:t>
-            </a:r>
-          </a:p>
-        </p:txBody>
-      </p:sp>
-      <p:pic>
-        <p:nvPicPr>
-          <p:cNvPr id="7" name="Graphic 6">
-            <a:extLst>
-              <a:ext uri="{FF2B5EF4-FFF2-40B4-BE49-F238E27FC236}">
-                <a16:creationId xmlns:a16="http://schemas.microsoft.com/office/drawing/2014/main" id="{8E1450E0-72FD-8946-8286-8222E2F1789F}"/>
-              </a:ext>
-            </a:extLst>
-          </p:cNvPr>
-          <p:cNvPicPr>
-            <a:picLocks noChangeAspect="1"/>
-          </p:cNvPicPr>
-          <p:nvPr/>
-        </p:nvPicPr>
-        <p:blipFill>
-          <a:blip r:embed="rId2">
-            <a:extLst>
-              <a:ext uri="{96DAC541-7B7A-43D3-8B79-37D633B846F1}">
-                <asvg:svgBlip xmlns:asvg="http://schemas.microsoft.com/office/drawing/2016/SVG/main" r:embed="rId3"/>
-              </a:ext>
-            </a:extLst>
-          </a:blip>
-          <a:stretch>
-            <a:fillRect/>
-          </a:stretch>
-        </p:blipFill>
-        <p:spPr>
-          <a:xfrm>
-            <a:off x="3343966" y="2562883"/>
-            <a:ext cx="1903079" cy="942998"/>
-          </a:xfrm>
-          <a:prstGeom prst="rect">
-            <a:avLst/>
-          </a:prstGeom>
-        </p:spPr>
-      </p:pic>
-      <p:sp>
-        <p:nvSpPr>
-          <p:cNvPr id="10" name="Rectangle 9">
-            <a:extLst>
-              <a:ext uri="{FF2B5EF4-FFF2-40B4-BE49-F238E27FC236}">
-                <a16:creationId xmlns:a16="http://schemas.microsoft.com/office/drawing/2014/main" id="{2B393DD3-7185-8145-9533-FDF1CECE79A4}"/>
+              <a:t>Digital Asset</a:t>
+            </a:r>
+          </a:p>
+        </p:txBody>
+      </p:sp>
+      <p:sp>
+        <p:nvSpPr>
+          <p:cNvPr id="11" name="Rectangle 10">
+            <a:extLst>
+              <a:ext uri="{FF2B5EF4-FFF2-40B4-BE49-F238E27FC236}">
+                <a16:creationId xmlns:a16="http://schemas.microsoft.com/office/drawing/2014/main" id="{C45211D4-C403-C249-8362-B1B386FEC205}"/>
               </a:ext>
             </a:extLst>
           </p:cNvPr>
@@ -3544,400 +3510,7 @@
         </p:nvSpPr>
         <p:spPr>
           <a:xfrm>
-            <a:off x="7292089" y="5341085"/>
-            <a:ext cx="1360967" cy="435936"/>
-          </a:xfrm>
-          <a:prstGeom prst="rect">
-            <a:avLst/>
-          </a:prstGeom>
-          <a:solidFill>
-            <a:schemeClr val="accent1">
-              <a:lumMod val="50000"/>
-            </a:schemeClr>
-          </a:solidFill>
-        </p:spPr>
-        <p:style>
-          <a:lnRef idx="2">
-            <a:schemeClr val="accent1">
-              <a:shade val="50000"/>
-            </a:schemeClr>
-          </a:lnRef>
-          <a:fillRef idx="1">
-            <a:schemeClr val="accent1"/>
-          </a:fillRef>
-          <a:effectRef idx="0">
-            <a:schemeClr val="accent1"/>
-          </a:effectRef>
-          <a:fontRef idx="minor">
-            <a:schemeClr val="lt1"/>
-          </a:fontRef>
-        </p:style>
-        <p:txBody>
-          <a:bodyPr rtlCol="0" anchor="ctr"/>
-          <a:lstStyle/>
-          <a:p>
-            <a:pPr algn="ctr"/>
-            <a:r>
-              <a:rPr lang="en-US" dirty="0"/>
-              <a:t>Digital Asset</a:t>
-            </a:r>
-          </a:p>
-        </p:txBody>
-      </p:sp>
-      <p:sp>
-        <p:nvSpPr>
-          <p:cNvPr id="11" name="Rectangle 10">
-            <a:extLst>
-              <a:ext uri="{FF2B5EF4-FFF2-40B4-BE49-F238E27FC236}">
-                <a16:creationId xmlns:a16="http://schemas.microsoft.com/office/drawing/2014/main" id="{C45211D4-C403-C249-8362-B1B386FEC205}"/>
-              </a:ext>
-            </a:extLst>
-          </p:cNvPr>
-          <p:cNvSpPr/>
-          <p:nvPr/>
-        </p:nvSpPr>
-        <p:spPr>
-          <a:xfrm>
             <a:off x="7292088" y="4789290"/>
-            <a:ext cx="1360967" cy="435936"/>
-          </a:xfrm>
-          <a:prstGeom prst="rect">
-            <a:avLst/>
-          </a:prstGeom>
-          <a:solidFill>
-            <a:schemeClr val="accent1">
-              <a:lumMod val="75000"/>
-            </a:schemeClr>
-          </a:solidFill>
-        </p:spPr>
-        <p:style>
-          <a:lnRef idx="2">
-            <a:schemeClr val="accent1">
-              <a:shade val="50000"/>
-            </a:schemeClr>
-          </a:lnRef>
-          <a:fillRef idx="1">
-            <a:schemeClr val="accent1"/>
-          </a:fillRef>
-          <a:effectRef idx="0">
-            <a:schemeClr val="accent1"/>
-          </a:effectRef>
-          <a:fontRef idx="minor">
-            <a:schemeClr val="lt1"/>
-          </a:fontRef>
-        </p:style>
-        <p:txBody>
-          <a:bodyPr rtlCol="0" anchor="ctr"/>
-          <a:lstStyle/>
-          <a:p>
-            <a:pPr algn="ctr"/>
-            <a:r>
-              <a:rPr lang="en-US" dirty="0" err="1"/>
-              <a:t>API</a:t>
-            </a:r>
-            <a:r>
-              <a:rPr lang="en-US" baseline="-25000" dirty="0" err="1"/>
-              <a:t>Provider</a:t>
-            </a:r>
-            <a:endParaRPr lang="en-US" dirty="0"/>
-          </a:p>
-        </p:txBody>
-      </p:sp>
-      <p:sp>
-        <p:nvSpPr>
-          <p:cNvPr id="12" name="Rectangle 11">
-            <a:extLst>
-              <a:ext uri="{FF2B5EF4-FFF2-40B4-BE49-F238E27FC236}">
-                <a16:creationId xmlns:a16="http://schemas.microsoft.com/office/drawing/2014/main" id="{CAC86C98-5B0C-CB46-9A75-0B3DBC2FF255}"/>
-              </a:ext>
-            </a:extLst>
-          </p:cNvPr>
-          <p:cNvSpPr/>
-          <p:nvPr/>
-        </p:nvSpPr>
-        <p:spPr>
-          <a:xfrm>
-            <a:off x="405808" y="5341085"/>
-            <a:ext cx="1360967" cy="435936"/>
-          </a:xfrm>
-          <a:prstGeom prst="rect">
-            <a:avLst/>
-          </a:prstGeom>
-          <a:solidFill>
-            <a:schemeClr val="accent1">
-              <a:lumMod val="50000"/>
-            </a:schemeClr>
-          </a:solidFill>
-        </p:spPr>
-        <p:style>
-          <a:lnRef idx="2">
-            <a:schemeClr val="accent1">
-              <a:shade val="50000"/>
-            </a:schemeClr>
-          </a:lnRef>
-          <a:fillRef idx="1">
-            <a:schemeClr val="accent1"/>
-          </a:fillRef>
-          <a:effectRef idx="0">
-            <a:schemeClr val="accent1"/>
-          </a:effectRef>
-          <a:fontRef idx="minor">
-            <a:schemeClr val="lt1"/>
-          </a:fontRef>
-        </p:style>
-        <p:txBody>
-          <a:bodyPr rtlCol="0" anchor="ctr"/>
-          <a:lstStyle/>
-          <a:p>
-            <a:pPr algn="ctr"/>
-            <a:r>
-              <a:rPr lang="en-US" dirty="0"/>
-              <a:t>Digital Asset</a:t>
-            </a:r>
-          </a:p>
-        </p:txBody>
-      </p:sp>
-      <p:sp>
-        <p:nvSpPr>
-          <p:cNvPr id="13" name="Rectangle 12">
-            <a:extLst>
-              <a:ext uri="{FF2B5EF4-FFF2-40B4-BE49-F238E27FC236}">
-                <a16:creationId xmlns:a16="http://schemas.microsoft.com/office/drawing/2014/main" id="{00A1E21E-21CB-1A46-9D12-80A2E40D8D89}"/>
-              </a:ext>
-            </a:extLst>
-          </p:cNvPr>
-          <p:cNvSpPr/>
-          <p:nvPr/>
-        </p:nvSpPr>
-        <p:spPr>
-          <a:xfrm>
-            <a:off x="405808" y="4790385"/>
-            <a:ext cx="1360967" cy="435936"/>
-          </a:xfrm>
-          <a:prstGeom prst="rect">
-            <a:avLst/>
-          </a:prstGeom>
-          <a:solidFill>
-            <a:schemeClr val="accent1">
-              <a:lumMod val="75000"/>
-            </a:schemeClr>
-          </a:solidFill>
-        </p:spPr>
-        <p:style>
-          <a:lnRef idx="2">
-            <a:schemeClr val="accent1">
-              <a:shade val="50000"/>
-            </a:schemeClr>
-          </a:lnRef>
-          <a:fillRef idx="1">
-            <a:schemeClr val="accent1"/>
-          </a:fillRef>
-          <a:effectRef idx="0">
-            <a:schemeClr val="accent1"/>
-          </a:effectRef>
-          <a:fontRef idx="minor">
-            <a:schemeClr val="lt1"/>
-          </a:fontRef>
-        </p:style>
-        <p:txBody>
-          <a:bodyPr rtlCol="0" anchor="ctr"/>
-          <a:lstStyle/>
-          <a:p>
-            <a:pPr algn="ctr"/>
-            <a:r>
-              <a:rPr lang="en-US" dirty="0" err="1"/>
-              <a:t>API</a:t>
-            </a:r>
-            <a:r>
-              <a:rPr lang="en-US" baseline="-25000" dirty="0" err="1"/>
-              <a:t>Provider</a:t>
-            </a:r>
-            <a:endParaRPr lang="en-US" dirty="0"/>
-          </a:p>
-        </p:txBody>
-      </p:sp>
-      <p:sp>
-        <p:nvSpPr>
-          <p:cNvPr id="14" name="Rectangle 13">
-            <a:extLst>
-              <a:ext uri="{FF2B5EF4-FFF2-40B4-BE49-F238E27FC236}">
-                <a16:creationId xmlns:a16="http://schemas.microsoft.com/office/drawing/2014/main" id="{AEB52E2E-C599-7F43-8437-77CA49E0C8C5}"/>
-              </a:ext>
-            </a:extLst>
-          </p:cNvPr>
-          <p:cNvSpPr/>
-          <p:nvPr/>
-        </p:nvSpPr>
-        <p:spPr>
-          <a:xfrm>
-            <a:off x="2014868" y="5341085"/>
-            <a:ext cx="1360967" cy="435936"/>
-          </a:xfrm>
-          <a:prstGeom prst="rect">
-            <a:avLst/>
-          </a:prstGeom>
-          <a:solidFill>
-            <a:schemeClr val="accent1">
-              <a:lumMod val="50000"/>
-            </a:schemeClr>
-          </a:solidFill>
-        </p:spPr>
-        <p:style>
-          <a:lnRef idx="2">
-            <a:schemeClr val="accent1">
-              <a:shade val="50000"/>
-            </a:schemeClr>
-          </a:lnRef>
-          <a:fillRef idx="1">
-            <a:schemeClr val="accent1"/>
-          </a:fillRef>
-          <a:effectRef idx="0">
-            <a:schemeClr val="accent1"/>
-          </a:effectRef>
-          <a:fontRef idx="minor">
-            <a:schemeClr val="lt1"/>
-          </a:fontRef>
-        </p:style>
-        <p:txBody>
-          <a:bodyPr rtlCol="0" anchor="ctr"/>
-          <a:lstStyle/>
-          <a:p>
-            <a:pPr algn="ctr"/>
-            <a:r>
-              <a:rPr lang="en-US" dirty="0"/>
-              <a:t>Digital Asset</a:t>
-            </a:r>
-          </a:p>
-        </p:txBody>
-      </p:sp>
-      <p:sp>
-        <p:nvSpPr>
-          <p:cNvPr id="15" name="Rectangle 14">
-            <a:extLst>
-              <a:ext uri="{FF2B5EF4-FFF2-40B4-BE49-F238E27FC236}">
-                <a16:creationId xmlns:a16="http://schemas.microsoft.com/office/drawing/2014/main" id="{0DCD9790-E817-5F42-963B-086773F5FC69}"/>
-              </a:ext>
-            </a:extLst>
-          </p:cNvPr>
-          <p:cNvSpPr/>
-          <p:nvPr/>
-        </p:nvSpPr>
-        <p:spPr>
-          <a:xfrm>
-            <a:off x="2014868" y="4789290"/>
-            <a:ext cx="1360967" cy="435936"/>
-          </a:xfrm>
-          <a:prstGeom prst="rect">
-            <a:avLst/>
-          </a:prstGeom>
-          <a:solidFill>
-            <a:schemeClr val="accent1">
-              <a:lumMod val="75000"/>
-            </a:schemeClr>
-          </a:solidFill>
-        </p:spPr>
-        <p:style>
-          <a:lnRef idx="2">
-            <a:schemeClr val="accent1">
-              <a:shade val="50000"/>
-            </a:schemeClr>
-          </a:lnRef>
-          <a:fillRef idx="1">
-            <a:schemeClr val="accent1"/>
-          </a:fillRef>
-          <a:effectRef idx="0">
-            <a:schemeClr val="accent1"/>
-          </a:effectRef>
-          <a:fontRef idx="minor">
-            <a:schemeClr val="lt1"/>
-          </a:fontRef>
-        </p:style>
-        <p:txBody>
-          <a:bodyPr rtlCol="0" anchor="ctr"/>
-          <a:lstStyle/>
-          <a:p>
-            <a:pPr algn="ctr"/>
-            <a:r>
-              <a:rPr lang="en-US" dirty="0" err="1"/>
-              <a:t>API</a:t>
-            </a:r>
-            <a:r>
-              <a:rPr lang="en-US" baseline="-25000" dirty="0" err="1"/>
-              <a:t>Provider</a:t>
-            </a:r>
-            <a:endParaRPr lang="en-US" dirty="0"/>
-          </a:p>
-        </p:txBody>
-      </p:sp>
-      <p:sp>
-        <p:nvSpPr>
-          <p:cNvPr id="16" name="Rectangle 15">
-            <a:extLst>
-              <a:ext uri="{FF2B5EF4-FFF2-40B4-BE49-F238E27FC236}">
-                <a16:creationId xmlns:a16="http://schemas.microsoft.com/office/drawing/2014/main" id="{C837277F-B763-7B46-9545-F91A5DF8566A}"/>
-              </a:ext>
-            </a:extLst>
-          </p:cNvPr>
-          <p:cNvSpPr/>
-          <p:nvPr/>
-        </p:nvSpPr>
-        <p:spPr>
-          <a:xfrm>
-            <a:off x="3848948" y="5341086"/>
-            <a:ext cx="1360967" cy="435936"/>
-          </a:xfrm>
-          <a:prstGeom prst="rect">
-            <a:avLst/>
-          </a:prstGeom>
-          <a:solidFill>
-            <a:schemeClr val="accent1">
-              <a:lumMod val="50000"/>
-            </a:schemeClr>
-          </a:solidFill>
-        </p:spPr>
-        <p:style>
-          <a:lnRef idx="2">
-            <a:schemeClr val="accent1">
-              <a:shade val="50000"/>
-            </a:schemeClr>
-          </a:lnRef>
-          <a:fillRef idx="1">
-            <a:schemeClr val="accent1"/>
-          </a:fillRef>
-          <a:effectRef idx="0">
-            <a:schemeClr val="accent1"/>
-          </a:effectRef>
-          <a:fontRef idx="minor">
-            <a:schemeClr val="lt1"/>
-          </a:fontRef>
-        </p:style>
-        <p:txBody>
-          <a:bodyPr rtlCol="0" anchor="ctr"/>
-          <a:lstStyle/>
-          <a:p>
-            <a:pPr algn="ctr"/>
-            <a:r>
-              <a:rPr lang="en-US" dirty="0"/>
-              <a:t>Digital Asset</a:t>
-            </a:r>
-          </a:p>
-        </p:txBody>
-      </p:sp>
-      <p:sp>
-        <p:nvSpPr>
-          <p:cNvPr id="17" name="Rectangle 16">
-            <a:extLst>
-              <a:ext uri="{FF2B5EF4-FFF2-40B4-BE49-F238E27FC236}">
-                <a16:creationId xmlns:a16="http://schemas.microsoft.com/office/drawing/2014/main" id="{519005A8-38F4-E749-8CA7-58B98E35BC59}"/>
-              </a:ext>
-            </a:extLst>
-          </p:cNvPr>
-          <p:cNvSpPr/>
-          <p:nvPr/>
-        </p:nvSpPr>
-        <p:spPr>
-          <a:xfrm>
-            <a:off x="3848947" y="4790385"/>
             <a:ext cx="1360967" cy="435936"/>
           </a:xfrm>
           <a:prstGeom prst="rect">
@@ -4047,10 +3620,10 @@
       </p:sp>
       <p:sp>
         <p:nvSpPr>
-          <p:cNvPr id="19" name="Rectangle 18">
-            <a:extLst>
-              <a:ext uri="{FF2B5EF4-FFF2-40B4-BE49-F238E27FC236}">
-                <a16:creationId xmlns:a16="http://schemas.microsoft.com/office/drawing/2014/main" id="{89AF62B9-ADF0-9447-B76F-EC7667F8B8D3}"/>
+          <p:cNvPr id="25" name="Left-Right Arrow 24">
+            <a:extLst>
+              <a:ext uri="{FF2B5EF4-FFF2-40B4-BE49-F238E27FC236}">
+                <a16:creationId xmlns:a16="http://schemas.microsoft.com/office/drawing/2014/main" id="{C5F4C495-95A0-7B46-9BC6-E4B548F4CC55}"/>
               </a:ext>
             </a:extLst>
           </p:cNvPr>
@@ -4058,8 +3631,335 @@
           <p:nvPr/>
         </p:nvSpPr>
         <p:spPr>
-          <a:xfrm>
-            <a:off x="405807" y="4113025"/>
+          <a:xfrm rot="16200000">
+            <a:off x="8322637" y="4606555"/>
+            <a:ext cx="1663996" cy="676937"/>
+          </a:xfrm>
+          <a:prstGeom prst="leftRightArrow">
+            <a:avLst>
+              <a:gd name="adj1" fmla="val 73256"/>
+              <a:gd name="adj2" fmla="val 43023"/>
+            </a:avLst>
+          </a:prstGeom>
+          <a:solidFill>
+            <a:schemeClr val="accent6">
+              <a:lumMod val="75000"/>
+            </a:schemeClr>
+          </a:solidFill>
+          <a:ln>
+            <a:solidFill>
+              <a:schemeClr val="accent6">
+                <a:lumMod val="50000"/>
+              </a:schemeClr>
+            </a:solidFill>
+          </a:ln>
+        </p:spPr>
+        <p:style>
+          <a:lnRef idx="2">
+            <a:schemeClr val="accent1">
+              <a:shade val="50000"/>
+            </a:schemeClr>
+          </a:lnRef>
+          <a:fillRef idx="1">
+            <a:schemeClr val="accent1"/>
+          </a:fillRef>
+          <a:effectRef idx="0">
+            <a:schemeClr val="accent1"/>
+          </a:effectRef>
+          <a:fontRef idx="minor">
+            <a:schemeClr val="lt1"/>
+          </a:fontRef>
+        </p:style>
+        <p:txBody>
+          <a:bodyPr rtlCol="0" anchor="ctr"/>
+          <a:lstStyle/>
+          <a:p>
+            <a:pPr algn="ctr"/>
+            <a:r>
+              <a:rPr lang="en-US" sz="1100" dirty="0"/>
+              <a:t> Technical API</a:t>
+            </a:r>
+          </a:p>
+          <a:p>
+            <a:pPr algn="ctr"/>
+            <a:r>
+              <a:rPr lang="en-US" sz="1100" dirty="0"/>
+              <a:t>Management</a:t>
+            </a:r>
+          </a:p>
+        </p:txBody>
+      </p:sp>
+    </p:spTree>
+    <p:extLst>
+      <p:ext uri="{BB962C8B-B14F-4D97-AF65-F5344CB8AC3E}">
+        <p14:creationId xmlns:p14="http://schemas.microsoft.com/office/powerpoint/2010/main" val="4075955793"/>
+      </p:ext>
+    </p:extLst>
+  </p:cSld>
+  <p:clrMapOvr>
+    <a:masterClrMapping/>
+  </p:clrMapOvr>
+</p:sld>
+</file>
+
+<file path=ppt/slides/slide2.xml><?xml version="1.0" encoding="utf-8"?>
+<p:sld xmlns:a="http://schemas.openxmlformats.org/drawingml/2006/main" xmlns:r="http://schemas.openxmlformats.org/officeDocument/2006/relationships" xmlns:p="http://schemas.openxmlformats.org/presentationml/2006/main">
+  <p:cSld>
+    <p:spTree>
+      <p:nvGrpSpPr>
+        <p:cNvPr id="1" name=""/>
+        <p:cNvGrpSpPr/>
+        <p:nvPr/>
+      </p:nvGrpSpPr>
+      <p:grpSpPr>
+        <a:xfrm>
+          <a:off x="0" y="0"/>
+          <a:ext cx="0" cy="0"/>
+          <a:chOff x="0" y="0"/>
+          <a:chExt cx="0" cy="0"/>
+        </a:xfrm>
+      </p:grpSpPr>
+      <p:sp>
+        <p:nvSpPr>
+          <p:cNvPr id="4" name="Rectangle 3">
+            <a:extLst>
+              <a:ext uri="{FF2B5EF4-FFF2-40B4-BE49-F238E27FC236}">
+                <a16:creationId xmlns:a16="http://schemas.microsoft.com/office/drawing/2014/main" id="{AFE62128-DAA0-9C44-A811-C7D4B435533E}"/>
+              </a:ext>
+            </a:extLst>
+          </p:cNvPr>
+          <p:cNvSpPr/>
+          <p:nvPr/>
+        </p:nvSpPr>
+        <p:spPr>
+          <a:xfrm>
+            <a:off x="5683029" y="5341085"/>
+            <a:ext cx="1360967" cy="435936"/>
+          </a:xfrm>
+          <a:prstGeom prst="rect">
+            <a:avLst/>
+          </a:prstGeom>
+          <a:solidFill>
+            <a:schemeClr val="accent1">
+              <a:lumMod val="50000"/>
+            </a:schemeClr>
+          </a:solidFill>
+        </p:spPr>
+        <p:style>
+          <a:lnRef idx="2">
+            <a:schemeClr val="accent1">
+              <a:shade val="50000"/>
+            </a:schemeClr>
+          </a:lnRef>
+          <a:fillRef idx="1">
+            <a:schemeClr val="accent1"/>
+          </a:fillRef>
+          <a:effectRef idx="0">
+            <a:schemeClr val="accent1"/>
+          </a:effectRef>
+          <a:fontRef idx="minor">
+            <a:schemeClr val="lt1"/>
+          </a:fontRef>
+        </p:style>
+        <p:txBody>
+          <a:bodyPr rtlCol="0" anchor="ctr"/>
+          <a:lstStyle/>
+          <a:p>
+            <a:pPr algn="ctr"/>
+            <a:r>
+              <a:rPr lang="en-US" dirty="0"/>
+              <a:t>Digital Asset</a:t>
+            </a:r>
+          </a:p>
+        </p:txBody>
+      </p:sp>
+      <p:sp>
+        <p:nvSpPr>
+          <p:cNvPr id="5" name="Rectangle 4">
+            <a:extLst>
+              <a:ext uri="{FF2B5EF4-FFF2-40B4-BE49-F238E27FC236}">
+                <a16:creationId xmlns:a16="http://schemas.microsoft.com/office/drawing/2014/main" id="{A554FE1C-5FC9-B149-BCDC-7AD424CE742D}"/>
+              </a:ext>
+            </a:extLst>
+          </p:cNvPr>
+          <p:cNvSpPr/>
+          <p:nvPr/>
+        </p:nvSpPr>
+        <p:spPr>
+          <a:xfrm>
+            <a:off x="5683028" y="4789290"/>
+            <a:ext cx="1360967" cy="435936"/>
+          </a:xfrm>
+          <a:prstGeom prst="rect">
+            <a:avLst/>
+          </a:prstGeom>
+          <a:solidFill>
+            <a:schemeClr val="accent1">
+              <a:lumMod val="75000"/>
+            </a:schemeClr>
+          </a:solidFill>
+        </p:spPr>
+        <p:style>
+          <a:lnRef idx="2">
+            <a:schemeClr val="accent1">
+              <a:shade val="50000"/>
+            </a:schemeClr>
+          </a:lnRef>
+          <a:fillRef idx="1">
+            <a:schemeClr val="accent1"/>
+          </a:fillRef>
+          <a:effectRef idx="0">
+            <a:schemeClr val="accent1"/>
+          </a:effectRef>
+          <a:fontRef idx="minor">
+            <a:schemeClr val="lt1"/>
+          </a:fontRef>
+        </p:style>
+        <p:txBody>
+          <a:bodyPr rtlCol="0" anchor="ctr"/>
+          <a:lstStyle/>
+          <a:p>
+            <a:pPr algn="ctr"/>
+            <a:r>
+              <a:rPr lang="en-US" dirty="0" err="1"/>
+              <a:t>API</a:t>
+            </a:r>
+            <a:r>
+              <a:rPr lang="en-US" baseline="-25000" dirty="0" err="1"/>
+              <a:t>Provider</a:t>
+            </a:r>
+            <a:endParaRPr lang="en-US" dirty="0"/>
+          </a:p>
+        </p:txBody>
+      </p:sp>
+      <p:sp>
+        <p:nvSpPr>
+          <p:cNvPr id="10" name="Rectangle 9">
+            <a:extLst>
+              <a:ext uri="{FF2B5EF4-FFF2-40B4-BE49-F238E27FC236}">
+                <a16:creationId xmlns:a16="http://schemas.microsoft.com/office/drawing/2014/main" id="{2B393DD3-7185-8145-9533-FDF1CECE79A4}"/>
+              </a:ext>
+            </a:extLst>
+          </p:cNvPr>
+          <p:cNvSpPr/>
+          <p:nvPr/>
+        </p:nvSpPr>
+        <p:spPr>
+          <a:xfrm>
+            <a:off x="7292089" y="5341085"/>
+            <a:ext cx="1360967" cy="435936"/>
+          </a:xfrm>
+          <a:prstGeom prst="rect">
+            <a:avLst/>
+          </a:prstGeom>
+          <a:solidFill>
+            <a:schemeClr val="accent1">
+              <a:lumMod val="50000"/>
+            </a:schemeClr>
+          </a:solidFill>
+        </p:spPr>
+        <p:style>
+          <a:lnRef idx="2">
+            <a:schemeClr val="accent1">
+              <a:shade val="50000"/>
+            </a:schemeClr>
+          </a:lnRef>
+          <a:fillRef idx="1">
+            <a:schemeClr val="accent1"/>
+          </a:fillRef>
+          <a:effectRef idx="0">
+            <a:schemeClr val="accent1"/>
+          </a:effectRef>
+          <a:fontRef idx="minor">
+            <a:schemeClr val="lt1"/>
+          </a:fontRef>
+        </p:style>
+        <p:txBody>
+          <a:bodyPr rtlCol="0" anchor="ctr"/>
+          <a:lstStyle/>
+          <a:p>
+            <a:pPr algn="ctr"/>
+            <a:r>
+              <a:rPr lang="en-US" dirty="0"/>
+              <a:t>Digital Asset</a:t>
+            </a:r>
+          </a:p>
+        </p:txBody>
+      </p:sp>
+      <p:sp>
+        <p:nvSpPr>
+          <p:cNvPr id="11" name="Rectangle 10">
+            <a:extLst>
+              <a:ext uri="{FF2B5EF4-FFF2-40B4-BE49-F238E27FC236}">
+                <a16:creationId xmlns:a16="http://schemas.microsoft.com/office/drawing/2014/main" id="{C45211D4-C403-C249-8362-B1B386FEC205}"/>
+              </a:ext>
+            </a:extLst>
+          </p:cNvPr>
+          <p:cNvSpPr/>
+          <p:nvPr/>
+        </p:nvSpPr>
+        <p:spPr>
+          <a:xfrm>
+            <a:off x="7292088" y="4789290"/>
+            <a:ext cx="1360967" cy="435936"/>
+          </a:xfrm>
+          <a:prstGeom prst="rect">
+            <a:avLst/>
+          </a:prstGeom>
+          <a:solidFill>
+            <a:schemeClr val="accent1">
+              <a:lumMod val="75000"/>
+            </a:schemeClr>
+          </a:solidFill>
+        </p:spPr>
+        <p:style>
+          <a:lnRef idx="2">
+            <a:schemeClr val="accent1">
+              <a:shade val="50000"/>
+            </a:schemeClr>
+          </a:lnRef>
+          <a:fillRef idx="1">
+            <a:schemeClr val="accent1"/>
+          </a:fillRef>
+          <a:effectRef idx="0">
+            <a:schemeClr val="accent1"/>
+          </a:effectRef>
+          <a:fontRef idx="minor">
+            <a:schemeClr val="lt1"/>
+          </a:fontRef>
+        </p:style>
+        <p:txBody>
+          <a:bodyPr rtlCol="0" anchor="ctr"/>
+          <a:lstStyle/>
+          <a:p>
+            <a:pPr algn="ctr"/>
+            <a:r>
+              <a:rPr lang="en-US" dirty="0" err="1"/>
+              <a:t>API</a:t>
+            </a:r>
+            <a:r>
+              <a:rPr lang="en-US" baseline="-25000" dirty="0" err="1"/>
+              <a:t>Provider</a:t>
+            </a:r>
+            <a:endParaRPr lang="en-US" dirty="0"/>
+          </a:p>
+        </p:txBody>
+      </p:sp>
+      <p:sp>
+        <p:nvSpPr>
+          <p:cNvPr id="18" name="Rectangle 17">
+            <a:extLst>
+              <a:ext uri="{FF2B5EF4-FFF2-40B4-BE49-F238E27FC236}">
+                <a16:creationId xmlns:a16="http://schemas.microsoft.com/office/drawing/2014/main" id="{5EA7F77D-A9CE-5843-8176-AFA5C2CE1FFD}"/>
+              </a:ext>
+            </a:extLst>
+          </p:cNvPr>
+          <p:cNvSpPr/>
+          <p:nvPr/>
+        </p:nvSpPr>
+        <p:spPr>
+          <a:xfrm>
+            <a:off x="5683028" y="4113025"/>
             <a:ext cx="2970028" cy="435936"/>
           </a:xfrm>
           <a:prstGeom prst="rect">
@@ -4110,10 +4010,10 @@
       </p:sp>
       <p:sp>
         <p:nvSpPr>
-          <p:cNvPr id="20" name="Rectangle 19">
-            <a:extLst>
-              <a:ext uri="{FF2B5EF4-FFF2-40B4-BE49-F238E27FC236}">
-                <a16:creationId xmlns:a16="http://schemas.microsoft.com/office/drawing/2014/main" id="{1E4834FB-16C1-D842-988D-801595A91D65}"/>
+          <p:cNvPr id="25" name="Left-Right Arrow 24">
+            <a:extLst>
+              <a:ext uri="{FF2B5EF4-FFF2-40B4-BE49-F238E27FC236}">
+                <a16:creationId xmlns:a16="http://schemas.microsoft.com/office/drawing/2014/main" id="{C5F4C495-95A0-7B46-9BC6-E4B548F4CC55}"/>
               </a:ext>
             </a:extLst>
           </p:cNvPr>
@@ -4121,9 +4021,837 @@
           <p:nvPr/>
         </p:nvSpPr>
         <p:spPr>
-          <a:xfrm>
-            <a:off x="3848947" y="4113025"/>
+          <a:xfrm rot="16200000">
+            <a:off x="8322637" y="4606555"/>
+            <a:ext cx="1663996" cy="676937"/>
+          </a:xfrm>
+          <a:prstGeom prst="leftRightArrow">
+            <a:avLst>
+              <a:gd name="adj1" fmla="val 73256"/>
+              <a:gd name="adj2" fmla="val 43023"/>
+            </a:avLst>
+          </a:prstGeom>
+          <a:solidFill>
+            <a:schemeClr val="accent6">
+              <a:lumMod val="75000"/>
+            </a:schemeClr>
+          </a:solidFill>
+          <a:ln>
+            <a:solidFill>
+              <a:schemeClr val="accent6">
+                <a:lumMod val="50000"/>
+              </a:schemeClr>
+            </a:solidFill>
+          </a:ln>
+        </p:spPr>
+        <p:style>
+          <a:lnRef idx="2">
+            <a:schemeClr val="accent1">
+              <a:shade val="50000"/>
+            </a:schemeClr>
+          </a:lnRef>
+          <a:fillRef idx="1">
+            <a:schemeClr val="accent1"/>
+          </a:fillRef>
+          <a:effectRef idx="0">
+            <a:schemeClr val="accent1"/>
+          </a:effectRef>
+          <a:fontRef idx="minor">
+            <a:schemeClr val="lt1"/>
+          </a:fontRef>
+        </p:style>
+        <p:txBody>
+          <a:bodyPr rtlCol="0" anchor="ctr"/>
+          <a:lstStyle/>
+          <a:p>
+            <a:pPr algn="ctr"/>
+            <a:r>
+              <a:rPr lang="en-US" sz="1100" dirty="0"/>
+              <a:t> Technical API</a:t>
+            </a:r>
+          </a:p>
+          <a:p>
+            <a:pPr algn="ctr"/>
+            <a:r>
+              <a:rPr lang="en-US" sz="1100" dirty="0"/>
+              <a:t>Management</a:t>
+            </a:r>
+          </a:p>
+        </p:txBody>
+      </p:sp>
+      <p:sp>
+        <p:nvSpPr>
+          <p:cNvPr id="36" name="Left-Right Arrow 35">
+            <a:extLst>
+              <a:ext uri="{FF2B5EF4-FFF2-40B4-BE49-F238E27FC236}">
+                <a16:creationId xmlns:a16="http://schemas.microsoft.com/office/drawing/2014/main" id="{FF2B0A4D-4A66-0748-B57A-424CD1F3F13E}"/>
+              </a:ext>
+            </a:extLst>
+          </p:cNvPr>
+          <p:cNvSpPr/>
+          <p:nvPr/>
+        </p:nvSpPr>
+        <p:spPr>
+          <a:xfrm>
+            <a:off x="5683028" y="5932970"/>
+            <a:ext cx="2993062" cy="676937"/>
+          </a:xfrm>
+          <a:prstGeom prst="leftRightArrow">
+            <a:avLst>
+              <a:gd name="adj1" fmla="val 73256"/>
+              <a:gd name="adj2" fmla="val 43023"/>
+            </a:avLst>
+          </a:prstGeom>
+          <a:solidFill>
+            <a:schemeClr val="accent6">
+              <a:lumMod val="75000"/>
+            </a:schemeClr>
+          </a:solidFill>
+          <a:ln>
+            <a:solidFill>
+              <a:schemeClr val="accent6">
+                <a:lumMod val="50000"/>
+              </a:schemeClr>
+            </a:solidFill>
+          </a:ln>
+        </p:spPr>
+        <p:style>
+          <a:lnRef idx="2">
+            <a:schemeClr val="accent1">
+              <a:shade val="50000"/>
+            </a:schemeClr>
+          </a:lnRef>
+          <a:fillRef idx="1">
+            <a:schemeClr val="accent1"/>
+          </a:fillRef>
+          <a:effectRef idx="0">
+            <a:schemeClr val="accent1"/>
+          </a:effectRef>
+          <a:fontRef idx="minor">
+            <a:schemeClr val="lt1"/>
+          </a:fontRef>
+        </p:style>
+        <p:txBody>
+          <a:bodyPr rtlCol="0" anchor="ctr"/>
+          <a:lstStyle/>
+          <a:p>
+            <a:pPr algn="ctr"/>
+            <a:r>
+              <a:rPr lang="en-US" sz="1100" dirty="0"/>
+              <a:t>API Lifecycle</a:t>
+            </a:r>
+          </a:p>
+          <a:p>
+            <a:pPr algn="ctr"/>
+            <a:r>
+              <a:rPr lang="en-US" sz="1100" dirty="0"/>
+              <a:t>Management</a:t>
+            </a:r>
+          </a:p>
+        </p:txBody>
+      </p:sp>
+    </p:spTree>
+    <p:extLst>
+      <p:ext uri="{BB962C8B-B14F-4D97-AF65-F5344CB8AC3E}">
+        <p14:creationId xmlns:p14="http://schemas.microsoft.com/office/powerpoint/2010/main" val="1865711378"/>
+      </p:ext>
+    </p:extLst>
+  </p:cSld>
+  <p:clrMapOvr>
+    <a:masterClrMapping/>
+  </p:clrMapOvr>
+</p:sld>
+</file>
+
+<file path=ppt/slides/slide3.xml><?xml version="1.0" encoding="utf-8"?>
+<p:sld xmlns:a="http://schemas.openxmlformats.org/drawingml/2006/main" xmlns:r="http://schemas.openxmlformats.org/officeDocument/2006/relationships" xmlns:p="http://schemas.openxmlformats.org/presentationml/2006/main">
+  <p:cSld>
+    <p:spTree>
+      <p:nvGrpSpPr>
+        <p:cNvPr id="1" name=""/>
+        <p:cNvGrpSpPr/>
+        <p:nvPr/>
+      </p:nvGrpSpPr>
+      <p:grpSpPr>
+        <a:xfrm>
+          <a:off x="0" y="0"/>
+          <a:ext cx="0" cy="0"/>
+          <a:chOff x="0" y="0"/>
+          <a:chExt cx="0" cy="0"/>
+        </a:xfrm>
+      </p:grpSpPr>
+      <p:sp>
+        <p:nvSpPr>
+          <p:cNvPr id="4" name="Rectangle 3">
+            <a:extLst>
+              <a:ext uri="{FF2B5EF4-FFF2-40B4-BE49-F238E27FC236}">
+                <a16:creationId xmlns:a16="http://schemas.microsoft.com/office/drawing/2014/main" id="{AFE62128-DAA0-9C44-A811-C7D4B435533E}"/>
+              </a:ext>
+            </a:extLst>
+          </p:cNvPr>
+          <p:cNvSpPr/>
+          <p:nvPr/>
+        </p:nvSpPr>
+        <p:spPr>
+          <a:xfrm>
+            <a:off x="5683029" y="5341085"/>
             <a:ext cx="1360967" cy="435936"/>
+          </a:xfrm>
+          <a:prstGeom prst="rect">
+            <a:avLst/>
+          </a:prstGeom>
+          <a:solidFill>
+            <a:schemeClr val="accent1">
+              <a:lumMod val="50000"/>
+            </a:schemeClr>
+          </a:solidFill>
+        </p:spPr>
+        <p:style>
+          <a:lnRef idx="2">
+            <a:schemeClr val="accent1">
+              <a:shade val="50000"/>
+            </a:schemeClr>
+          </a:lnRef>
+          <a:fillRef idx="1">
+            <a:schemeClr val="accent1"/>
+          </a:fillRef>
+          <a:effectRef idx="0">
+            <a:schemeClr val="accent1"/>
+          </a:effectRef>
+          <a:fontRef idx="minor">
+            <a:schemeClr val="lt1"/>
+          </a:fontRef>
+        </p:style>
+        <p:txBody>
+          <a:bodyPr rtlCol="0" anchor="ctr"/>
+          <a:lstStyle/>
+          <a:p>
+            <a:pPr algn="ctr"/>
+            <a:r>
+              <a:rPr lang="en-US" dirty="0"/>
+              <a:t>Digital Asset</a:t>
+            </a:r>
+          </a:p>
+        </p:txBody>
+      </p:sp>
+      <p:sp>
+        <p:nvSpPr>
+          <p:cNvPr id="5" name="Rectangle 4">
+            <a:extLst>
+              <a:ext uri="{FF2B5EF4-FFF2-40B4-BE49-F238E27FC236}">
+                <a16:creationId xmlns:a16="http://schemas.microsoft.com/office/drawing/2014/main" id="{A554FE1C-5FC9-B149-BCDC-7AD424CE742D}"/>
+              </a:ext>
+            </a:extLst>
+          </p:cNvPr>
+          <p:cNvSpPr/>
+          <p:nvPr/>
+        </p:nvSpPr>
+        <p:spPr>
+          <a:xfrm>
+            <a:off x="5683028" y="4789290"/>
+            <a:ext cx="1360967" cy="435936"/>
+          </a:xfrm>
+          <a:prstGeom prst="rect">
+            <a:avLst/>
+          </a:prstGeom>
+          <a:solidFill>
+            <a:schemeClr val="accent1">
+              <a:lumMod val="75000"/>
+            </a:schemeClr>
+          </a:solidFill>
+        </p:spPr>
+        <p:style>
+          <a:lnRef idx="2">
+            <a:schemeClr val="accent1">
+              <a:shade val="50000"/>
+            </a:schemeClr>
+          </a:lnRef>
+          <a:fillRef idx="1">
+            <a:schemeClr val="accent1"/>
+          </a:fillRef>
+          <a:effectRef idx="0">
+            <a:schemeClr val="accent1"/>
+          </a:effectRef>
+          <a:fontRef idx="minor">
+            <a:schemeClr val="lt1"/>
+          </a:fontRef>
+        </p:style>
+        <p:txBody>
+          <a:bodyPr rtlCol="0" anchor="ctr"/>
+          <a:lstStyle/>
+          <a:p>
+            <a:pPr algn="ctr"/>
+            <a:r>
+              <a:rPr lang="en-US" dirty="0" err="1"/>
+              <a:t>API</a:t>
+            </a:r>
+            <a:r>
+              <a:rPr lang="en-US" baseline="-25000" dirty="0" err="1"/>
+              <a:t>Provider</a:t>
+            </a:r>
+            <a:endParaRPr lang="en-US" dirty="0"/>
+          </a:p>
+        </p:txBody>
+      </p:sp>
+      <p:sp>
+        <p:nvSpPr>
+          <p:cNvPr id="8" name="Rectangle 7">
+            <a:extLst>
+              <a:ext uri="{FF2B5EF4-FFF2-40B4-BE49-F238E27FC236}">
+                <a16:creationId xmlns:a16="http://schemas.microsoft.com/office/drawing/2014/main" id="{C097CC69-F3DF-5242-834D-D17351C5B1EA}"/>
+              </a:ext>
+            </a:extLst>
+          </p:cNvPr>
+          <p:cNvSpPr/>
+          <p:nvPr/>
+        </p:nvSpPr>
+        <p:spPr>
+          <a:xfrm>
+            <a:off x="3277430" y="2497753"/>
+            <a:ext cx="2504004" cy="1073259"/>
+          </a:xfrm>
+          <a:prstGeom prst="rect">
+            <a:avLst/>
+          </a:prstGeom>
+          <a:solidFill>
+            <a:schemeClr val="accent1">
+              <a:lumMod val="60000"/>
+              <a:lumOff val="40000"/>
+            </a:schemeClr>
+          </a:solidFill>
+        </p:spPr>
+        <p:style>
+          <a:lnRef idx="2">
+            <a:schemeClr val="accent1">
+              <a:shade val="50000"/>
+            </a:schemeClr>
+          </a:lnRef>
+          <a:fillRef idx="1">
+            <a:schemeClr val="accent1"/>
+          </a:fillRef>
+          <a:effectRef idx="0">
+            <a:schemeClr val="accent1"/>
+          </a:effectRef>
+          <a:fontRef idx="minor">
+            <a:schemeClr val="lt1"/>
+          </a:fontRef>
+        </p:style>
+        <p:txBody>
+          <a:bodyPr rtlCol="0" anchor="b"/>
+          <a:lstStyle/>
+          <a:p>
+            <a:pPr algn="r"/>
+            <a:r>
+              <a:rPr lang="en-US" dirty="0"/>
+              <a:t>Catalog</a:t>
+            </a:r>
+          </a:p>
+        </p:txBody>
+      </p:sp>
+      <p:pic>
+        <p:nvPicPr>
+          <p:cNvPr id="7" name="Graphic 6">
+            <a:extLst>
+              <a:ext uri="{FF2B5EF4-FFF2-40B4-BE49-F238E27FC236}">
+                <a16:creationId xmlns:a16="http://schemas.microsoft.com/office/drawing/2014/main" id="{8E1450E0-72FD-8946-8286-8222E2F1789F}"/>
+              </a:ext>
+            </a:extLst>
+          </p:cNvPr>
+          <p:cNvPicPr>
+            <a:picLocks noChangeAspect="1"/>
+          </p:cNvPicPr>
+          <p:nvPr/>
+        </p:nvPicPr>
+        <p:blipFill>
+          <a:blip r:embed="rId2">
+            <a:extLst>
+              <a:ext uri="{96DAC541-7B7A-43D3-8B79-37D633B846F1}">
+                <asvg:svgBlip xmlns:asvg="http://schemas.microsoft.com/office/drawing/2016/SVG/main" r:embed="rId3"/>
+              </a:ext>
+            </a:extLst>
+          </a:blip>
+          <a:stretch>
+            <a:fillRect/>
+          </a:stretch>
+        </p:blipFill>
+        <p:spPr>
+          <a:xfrm>
+            <a:off x="3343966" y="2562883"/>
+            <a:ext cx="1903079" cy="942998"/>
+          </a:xfrm>
+          <a:prstGeom prst="rect">
+            <a:avLst/>
+          </a:prstGeom>
+        </p:spPr>
+      </p:pic>
+      <p:sp>
+        <p:nvSpPr>
+          <p:cNvPr id="10" name="Rectangle 9">
+            <a:extLst>
+              <a:ext uri="{FF2B5EF4-FFF2-40B4-BE49-F238E27FC236}">
+                <a16:creationId xmlns:a16="http://schemas.microsoft.com/office/drawing/2014/main" id="{2B393DD3-7185-8145-9533-FDF1CECE79A4}"/>
+              </a:ext>
+            </a:extLst>
+          </p:cNvPr>
+          <p:cNvSpPr/>
+          <p:nvPr/>
+        </p:nvSpPr>
+        <p:spPr>
+          <a:xfrm>
+            <a:off x="7292089" y="5341085"/>
+            <a:ext cx="1360967" cy="435936"/>
+          </a:xfrm>
+          <a:prstGeom prst="rect">
+            <a:avLst/>
+          </a:prstGeom>
+          <a:solidFill>
+            <a:schemeClr val="accent1">
+              <a:lumMod val="50000"/>
+            </a:schemeClr>
+          </a:solidFill>
+        </p:spPr>
+        <p:style>
+          <a:lnRef idx="2">
+            <a:schemeClr val="accent1">
+              <a:shade val="50000"/>
+            </a:schemeClr>
+          </a:lnRef>
+          <a:fillRef idx="1">
+            <a:schemeClr val="accent1"/>
+          </a:fillRef>
+          <a:effectRef idx="0">
+            <a:schemeClr val="accent1"/>
+          </a:effectRef>
+          <a:fontRef idx="minor">
+            <a:schemeClr val="lt1"/>
+          </a:fontRef>
+        </p:style>
+        <p:txBody>
+          <a:bodyPr rtlCol="0" anchor="ctr"/>
+          <a:lstStyle/>
+          <a:p>
+            <a:pPr algn="ctr"/>
+            <a:r>
+              <a:rPr lang="en-US" dirty="0"/>
+              <a:t>Digital Asset</a:t>
+            </a:r>
+          </a:p>
+        </p:txBody>
+      </p:sp>
+      <p:sp>
+        <p:nvSpPr>
+          <p:cNvPr id="11" name="Rectangle 10">
+            <a:extLst>
+              <a:ext uri="{FF2B5EF4-FFF2-40B4-BE49-F238E27FC236}">
+                <a16:creationId xmlns:a16="http://schemas.microsoft.com/office/drawing/2014/main" id="{C45211D4-C403-C249-8362-B1B386FEC205}"/>
+              </a:ext>
+            </a:extLst>
+          </p:cNvPr>
+          <p:cNvSpPr/>
+          <p:nvPr/>
+        </p:nvSpPr>
+        <p:spPr>
+          <a:xfrm>
+            <a:off x="7292088" y="4789290"/>
+            <a:ext cx="1360967" cy="435936"/>
+          </a:xfrm>
+          <a:prstGeom prst="rect">
+            <a:avLst/>
+          </a:prstGeom>
+          <a:solidFill>
+            <a:schemeClr val="accent1">
+              <a:lumMod val="75000"/>
+            </a:schemeClr>
+          </a:solidFill>
+        </p:spPr>
+        <p:style>
+          <a:lnRef idx="2">
+            <a:schemeClr val="accent1">
+              <a:shade val="50000"/>
+            </a:schemeClr>
+          </a:lnRef>
+          <a:fillRef idx="1">
+            <a:schemeClr val="accent1"/>
+          </a:fillRef>
+          <a:effectRef idx="0">
+            <a:schemeClr val="accent1"/>
+          </a:effectRef>
+          <a:fontRef idx="minor">
+            <a:schemeClr val="lt1"/>
+          </a:fontRef>
+        </p:style>
+        <p:txBody>
+          <a:bodyPr rtlCol="0" anchor="ctr"/>
+          <a:lstStyle/>
+          <a:p>
+            <a:pPr algn="ctr"/>
+            <a:r>
+              <a:rPr lang="en-US" dirty="0" err="1"/>
+              <a:t>API</a:t>
+            </a:r>
+            <a:r>
+              <a:rPr lang="en-US" baseline="-25000" dirty="0" err="1"/>
+              <a:t>Provider</a:t>
+            </a:r>
+            <a:endParaRPr lang="en-US" dirty="0"/>
+          </a:p>
+        </p:txBody>
+      </p:sp>
+      <p:sp>
+        <p:nvSpPr>
+          <p:cNvPr id="12" name="Rectangle 11">
+            <a:extLst>
+              <a:ext uri="{FF2B5EF4-FFF2-40B4-BE49-F238E27FC236}">
+                <a16:creationId xmlns:a16="http://schemas.microsoft.com/office/drawing/2014/main" id="{CAC86C98-5B0C-CB46-9A75-0B3DBC2FF255}"/>
+              </a:ext>
+            </a:extLst>
+          </p:cNvPr>
+          <p:cNvSpPr/>
+          <p:nvPr/>
+        </p:nvSpPr>
+        <p:spPr>
+          <a:xfrm>
+            <a:off x="405808" y="5341085"/>
+            <a:ext cx="1360967" cy="435936"/>
+          </a:xfrm>
+          <a:prstGeom prst="rect">
+            <a:avLst/>
+          </a:prstGeom>
+          <a:solidFill>
+            <a:schemeClr val="accent1">
+              <a:lumMod val="50000"/>
+            </a:schemeClr>
+          </a:solidFill>
+        </p:spPr>
+        <p:style>
+          <a:lnRef idx="2">
+            <a:schemeClr val="accent1">
+              <a:shade val="50000"/>
+            </a:schemeClr>
+          </a:lnRef>
+          <a:fillRef idx="1">
+            <a:schemeClr val="accent1"/>
+          </a:fillRef>
+          <a:effectRef idx="0">
+            <a:schemeClr val="accent1"/>
+          </a:effectRef>
+          <a:fontRef idx="minor">
+            <a:schemeClr val="lt1"/>
+          </a:fontRef>
+        </p:style>
+        <p:txBody>
+          <a:bodyPr rtlCol="0" anchor="ctr"/>
+          <a:lstStyle/>
+          <a:p>
+            <a:pPr algn="ctr"/>
+            <a:r>
+              <a:rPr lang="en-US" dirty="0"/>
+              <a:t>Digital Asset</a:t>
+            </a:r>
+          </a:p>
+        </p:txBody>
+      </p:sp>
+      <p:sp>
+        <p:nvSpPr>
+          <p:cNvPr id="13" name="Rectangle 12">
+            <a:extLst>
+              <a:ext uri="{FF2B5EF4-FFF2-40B4-BE49-F238E27FC236}">
+                <a16:creationId xmlns:a16="http://schemas.microsoft.com/office/drawing/2014/main" id="{00A1E21E-21CB-1A46-9D12-80A2E40D8D89}"/>
+              </a:ext>
+            </a:extLst>
+          </p:cNvPr>
+          <p:cNvSpPr/>
+          <p:nvPr/>
+        </p:nvSpPr>
+        <p:spPr>
+          <a:xfrm>
+            <a:off x="405808" y="4790385"/>
+            <a:ext cx="1360967" cy="435936"/>
+          </a:xfrm>
+          <a:prstGeom prst="rect">
+            <a:avLst/>
+          </a:prstGeom>
+          <a:solidFill>
+            <a:schemeClr val="accent1">
+              <a:lumMod val="75000"/>
+            </a:schemeClr>
+          </a:solidFill>
+        </p:spPr>
+        <p:style>
+          <a:lnRef idx="2">
+            <a:schemeClr val="accent1">
+              <a:shade val="50000"/>
+            </a:schemeClr>
+          </a:lnRef>
+          <a:fillRef idx="1">
+            <a:schemeClr val="accent1"/>
+          </a:fillRef>
+          <a:effectRef idx="0">
+            <a:schemeClr val="accent1"/>
+          </a:effectRef>
+          <a:fontRef idx="minor">
+            <a:schemeClr val="lt1"/>
+          </a:fontRef>
+        </p:style>
+        <p:txBody>
+          <a:bodyPr rtlCol="0" anchor="ctr"/>
+          <a:lstStyle/>
+          <a:p>
+            <a:pPr algn="ctr"/>
+            <a:r>
+              <a:rPr lang="en-US" dirty="0" err="1"/>
+              <a:t>API</a:t>
+            </a:r>
+            <a:r>
+              <a:rPr lang="en-US" baseline="-25000" dirty="0" err="1"/>
+              <a:t>Provider</a:t>
+            </a:r>
+            <a:endParaRPr lang="en-US" dirty="0"/>
+          </a:p>
+        </p:txBody>
+      </p:sp>
+      <p:sp>
+        <p:nvSpPr>
+          <p:cNvPr id="14" name="Rectangle 13">
+            <a:extLst>
+              <a:ext uri="{FF2B5EF4-FFF2-40B4-BE49-F238E27FC236}">
+                <a16:creationId xmlns:a16="http://schemas.microsoft.com/office/drawing/2014/main" id="{AEB52E2E-C599-7F43-8437-77CA49E0C8C5}"/>
+              </a:ext>
+            </a:extLst>
+          </p:cNvPr>
+          <p:cNvSpPr/>
+          <p:nvPr/>
+        </p:nvSpPr>
+        <p:spPr>
+          <a:xfrm>
+            <a:off x="2014868" y="5341085"/>
+            <a:ext cx="1360967" cy="435936"/>
+          </a:xfrm>
+          <a:prstGeom prst="rect">
+            <a:avLst/>
+          </a:prstGeom>
+          <a:solidFill>
+            <a:schemeClr val="accent1">
+              <a:lumMod val="50000"/>
+            </a:schemeClr>
+          </a:solidFill>
+        </p:spPr>
+        <p:style>
+          <a:lnRef idx="2">
+            <a:schemeClr val="accent1">
+              <a:shade val="50000"/>
+            </a:schemeClr>
+          </a:lnRef>
+          <a:fillRef idx="1">
+            <a:schemeClr val="accent1"/>
+          </a:fillRef>
+          <a:effectRef idx="0">
+            <a:schemeClr val="accent1"/>
+          </a:effectRef>
+          <a:fontRef idx="minor">
+            <a:schemeClr val="lt1"/>
+          </a:fontRef>
+        </p:style>
+        <p:txBody>
+          <a:bodyPr rtlCol="0" anchor="ctr"/>
+          <a:lstStyle/>
+          <a:p>
+            <a:pPr algn="ctr"/>
+            <a:r>
+              <a:rPr lang="en-US" dirty="0"/>
+              <a:t>Digital Asset</a:t>
+            </a:r>
+          </a:p>
+        </p:txBody>
+      </p:sp>
+      <p:sp>
+        <p:nvSpPr>
+          <p:cNvPr id="15" name="Rectangle 14">
+            <a:extLst>
+              <a:ext uri="{FF2B5EF4-FFF2-40B4-BE49-F238E27FC236}">
+                <a16:creationId xmlns:a16="http://schemas.microsoft.com/office/drawing/2014/main" id="{0DCD9790-E817-5F42-963B-086773F5FC69}"/>
+              </a:ext>
+            </a:extLst>
+          </p:cNvPr>
+          <p:cNvSpPr/>
+          <p:nvPr/>
+        </p:nvSpPr>
+        <p:spPr>
+          <a:xfrm>
+            <a:off x="2014868" y="4789290"/>
+            <a:ext cx="1360967" cy="435936"/>
+          </a:xfrm>
+          <a:prstGeom prst="rect">
+            <a:avLst/>
+          </a:prstGeom>
+          <a:solidFill>
+            <a:schemeClr val="accent1">
+              <a:lumMod val="75000"/>
+            </a:schemeClr>
+          </a:solidFill>
+        </p:spPr>
+        <p:style>
+          <a:lnRef idx="2">
+            <a:schemeClr val="accent1">
+              <a:shade val="50000"/>
+            </a:schemeClr>
+          </a:lnRef>
+          <a:fillRef idx="1">
+            <a:schemeClr val="accent1"/>
+          </a:fillRef>
+          <a:effectRef idx="0">
+            <a:schemeClr val="accent1"/>
+          </a:effectRef>
+          <a:fontRef idx="minor">
+            <a:schemeClr val="lt1"/>
+          </a:fontRef>
+        </p:style>
+        <p:txBody>
+          <a:bodyPr rtlCol="0" anchor="ctr"/>
+          <a:lstStyle/>
+          <a:p>
+            <a:pPr algn="ctr"/>
+            <a:r>
+              <a:rPr lang="en-US" dirty="0" err="1"/>
+              <a:t>API</a:t>
+            </a:r>
+            <a:r>
+              <a:rPr lang="en-US" baseline="-25000" dirty="0" err="1"/>
+              <a:t>Provider</a:t>
+            </a:r>
+            <a:endParaRPr lang="en-US" dirty="0"/>
+          </a:p>
+        </p:txBody>
+      </p:sp>
+      <p:sp>
+        <p:nvSpPr>
+          <p:cNvPr id="16" name="Rectangle 15">
+            <a:extLst>
+              <a:ext uri="{FF2B5EF4-FFF2-40B4-BE49-F238E27FC236}">
+                <a16:creationId xmlns:a16="http://schemas.microsoft.com/office/drawing/2014/main" id="{C837277F-B763-7B46-9545-F91A5DF8566A}"/>
+              </a:ext>
+            </a:extLst>
+          </p:cNvPr>
+          <p:cNvSpPr/>
+          <p:nvPr/>
+        </p:nvSpPr>
+        <p:spPr>
+          <a:xfrm>
+            <a:off x="3848948" y="5341086"/>
+            <a:ext cx="1360967" cy="435936"/>
+          </a:xfrm>
+          <a:prstGeom prst="rect">
+            <a:avLst/>
+          </a:prstGeom>
+          <a:solidFill>
+            <a:schemeClr val="accent1">
+              <a:lumMod val="50000"/>
+            </a:schemeClr>
+          </a:solidFill>
+        </p:spPr>
+        <p:style>
+          <a:lnRef idx="2">
+            <a:schemeClr val="accent1">
+              <a:shade val="50000"/>
+            </a:schemeClr>
+          </a:lnRef>
+          <a:fillRef idx="1">
+            <a:schemeClr val="accent1"/>
+          </a:fillRef>
+          <a:effectRef idx="0">
+            <a:schemeClr val="accent1"/>
+          </a:effectRef>
+          <a:fontRef idx="minor">
+            <a:schemeClr val="lt1"/>
+          </a:fontRef>
+        </p:style>
+        <p:txBody>
+          <a:bodyPr rtlCol="0" anchor="ctr"/>
+          <a:lstStyle/>
+          <a:p>
+            <a:pPr algn="ctr"/>
+            <a:r>
+              <a:rPr lang="en-US" dirty="0"/>
+              <a:t>Digital Asset</a:t>
+            </a:r>
+          </a:p>
+        </p:txBody>
+      </p:sp>
+      <p:sp>
+        <p:nvSpPr>
+          <p:cNvPr id="17" name="Rectangle 16">
+            <a:extLst>
+              <a:ext uri="{FF2B5EF4-FFF2-40B4-BE49-F238E27FC236}">
+                <a16:creationId xmlns:a16="http://schemas.microsoft.com/office/drawing/2014/main" id="{519005A8-38F4-E749-8CA7-58B98E35BC59}"/>
+              </a:ext>
+            </a:extLst>
+          </p:cNvPr>
+          <p:cNvSpPr/>
+          <p:nvPr/>
+        </p:nvSpPr>
+        <p:spPr>
+          <a:xfrm>
+            <a:off x="3848947" y="4790385"/>
+            <a:ext cx="1360967" cy="435936"/>
+          </a:xfrm>
+          <a:prstGeom prst="rect">
+            <a:avLst/>
+          </a:prstGeom>
+          <a:solidFill>
+            <a:schemeClr val="accent1">
+              <a:lumMod val="75000"/>
+            </a:schemeClr>
+          </a:solidFill>
+        </p:spPr>
+        <p:style>
+          <a:lnRef idx="2">
+            <a:schemeClr val="accent1">
+              <a:shade val="50000"/>
+            </a:schemeClr>
+          </a:lnRef>
+          <a:fillRef idx="1">
+            <a:schemeClr val="accent1"/>
+          </a:fillRef>
+          <a:effectRef idx="0">
+            <a:schemeClr val="accent1"/>
+          </a:effectRef>
+          <a:fontRef idx="minor">
+            <a:schemeClr val="lt1"/>
+          </a:fontRef>
+        </p:style>
+        <p:txBody>
+          <a:bodyPr rtlCol="0" anchor="ctr"/>
+          <a:lstStyle/>
+          <a:p>
+            <a:pPr algn="ctr"/>
+            <a:r>
+              <a:rPr lang="en-US" dirty="0" err="1"/>
+              <a:t>API</a:t>
+            </a:r>
+            <a:r>
+              <a:rPr lang="en-US" baseline="-25000" dirty="0" err="1"/>
+              <a:t>Provider</a:t>
+            </a:r>
+            <a:endParaRPr lang="en-US" dirty="0"/>
+          </a:p>
+        </p:txBody>
+      </p:sp>
+      <p:sp>
+        <p:nvSpPr>
+          <p:cNvPr id="18" name="Rectangle 17">
+            <a:extLst>
+              <a:ext uri="{FF2B5EF4-FFF2-40B4-BE49-F238E27FC236}">
+                <a16:creationId xmlns:a16="http://schemas.microsoft.com/office/drawing/2014/main" id="{5EA7F77D-A9CE-5843-8176-AFA5C2CE1FFD}"/>
+              </a:ext>
+            </a:extLst>
+          </p:cNvPr>
+          <p:cNvSpPr/>
+          <p:nvPr/>
+        </p:nvSpPr>
+        <p:spPr>
+          <a:xfrm>
+            <a:off x="5683028" y="4113025"/>
+            <a:ext cx="2970028" cy="435936"/>
           </a:xfrm>
           <a:prstGeom prst="rect">
             <a:avLst/>
@@ -4173,10 +4901,10 @@
       </p:sp>
       <p:sp>
         <p:nvSpPr>
-          <p:cNvPr id="22" name="Rectangle 21">
-            <a:extLst>
-              <a:ext uri="{FF2B5EF4-FFF2-40B4-BE49-F238E27FC236}">
-                <a16:creationId xmlns:a16="http://schemas.microsoft.com/office/drawing/2014/main" id="{91D54C4F-B4AE-1441-9D56-A2C9E5237445}"/>
+          <p:cNvPr id="19" name="Rectangle 18">
+            <a:extLst>
+              <a:ext uri="{FF2B5EF4-FFF2-40B4-BE49-F238E27FC236}">
+                <a16:creationId xmlns:a16="http://schemas.microsoft.com/office/drawing/2014/main" id="{89AF62B9-ADF0-9447-B76F-EC7667F8B8D3}"/>
               </a:ext>
             </a:extLst>
           </p:cNvPr>
@@ -4185,373 +4913,7 @@
         </p:nvSpPr>
         <p:spPr>
           <a:xfrm>
-            <a:off x="405809" y="810520"/>
-            <a:ext cx="1360967" cy="435936"/>
-          </a:xfrm>
-          <a:prstGeom prst="rect">
-            <a:avLst/>
-          </a:prstGeom>
-          <a:solidFill>
-            <a:schemeClr val="accent1">
-              <a:lumMod val="75000"/>
-            </a:schemeClr>
-          </a:solidFill>
-        </p:spPr>
-        <p:style>
-          <a:lnRef idx="2">
-            <a:schemeClr val="accent1">
-              <a:shade val="50000"/>
-            </a:schemeClr>
-          </a:lnRef>
-          <a:fillRef idx="1">
-            <a:schemeClr val="accent1"/>
-          </a:fillRef>
-          <a:effectRef idx="0">
-            <a:schemeClr val="accent1"/>
-          </a:effectRef>
-          <a:fontRef idx="minor">
-            <a:schemeClr val="lt1"/>
-          </a:fontRef>
-        </p:style>
-        <p:txBody>
-          <a:bodyPr rtlCol="0" anchor="ctr"/>
-          <a:lstStyle/>
-          <a:p>
-            <a:pPr algn="ctr"/>
-            <a:r>
-              <a:rPr lang="en-US" dirty="0" err="1"/>
-              <a:t>API</a:t>
-            </a:r>
-            <a:r>
-              <a:rPr lang="en-US" baseline="-25000" dirty="0" err="1"/>
-              <a:t>Consumer</a:t>
-            </a:r>
-            <a:endParaRPr lang="en-US" baseline="-25000" dirty="0"/>
-          </a:p>
-        </p:txBody>
-      </p:sp>
-      <p:sp>
-        <p:nvSpPr>
-          <p:cNvPr id="23" name="Rectangle 22">
-            <a:extLst>
-              <a:ext uri="{FF2B5EF4-FFF2-40B4-BE49-F238E27FC236}">
-                <a16:creationId xmlns:a16="http://schemas.microsoft.com/office/drawing/2014/main" id="{A9544A8B-3602-0E41-A6A1-33F7FB5A504A}"/>
-              </a:ext>
-            </a:extLst>
-          </p:cNvPr>
-          <p:cNvSpPr/>
-          <p:nvPr/>
-        </p:nvSpPr>
-        <p:spPr>
-          <a:xfrm>
-            <a:off x="2014869" y="810520"/>
-            <a:ext cx="1360967" cy="435936"/>
-          </a:xfrm>
-          <a:prstGeom prst="rect">
-            <a:avLst/>
-          </a:prstGeom>
-          <a:solidFill>
-            <a:schemeClr val="accent1">
-              <a:lumMod val="75000"/>
-            </a:schemeClr>
-          </a:solidFill>
-        </p:spPr>
-        <p:style>
-          <a:lnRef idx="2">
-            <a:schemeClr val="accent1">
-              <a:shade val="50000"/>
-            </a:schemeClr>
-          </a:lnRef>
-          <a:fillRef idx="1">
-            <a:schemeClr val="accent1"/>
-          </a:fillRef>
-          <a:effectRef idx="0">
-            <a:schemeClr val="accent1"/>
-          </a:effectRef>
-          <a:fontRef idx="minor">
-            <a:schemeClr val="lt1"/>
-          </a:fontRef>
-        </p:style>
-        <p:txBody>
-          <a:bodyPr rtlCol="0" anchor="ctr"/>
-          <a:lstStyle/>
-          <a:p>
-            <a:pPr algn="ctr"/>
-            <a:r>
-              <a:rPr lang="en-US" dirty="0" err="1"/>
-              <a:t>API</a:t>
-            </a:r>
-            <a:r>
-              <a:rPr lang="en-US" baseline="-25000" dirty="0" err="1"/>
-              <a:t>Consumer</a:t>
-            </a:r>
-            <a:endParaRPr lang="en-US" dirty="0"/>
-          </a:p>
-        </p:txBody>
-      </p:sp>
-      <p:sp>
-        <p:nvSpPr>
-          <p:cNvPr id="25" name="Left-Right Arrow 24">
-            <a:extLst>
-              <a:ext uri="{FF2B5EF4-FFF2-40B4-BE49-F238E27FC236}">
-                <a16:creationId xmlns:a16="http://schemas.microsoft.com/office/drawing/2014/main" id="{C5F4C495-95A0-7B46-9BC6-E4B548F4CC55}"/>
-              </a:ext>
-            </a:extLst>
-          </p:cNvPr>
-          <p:cNvSpPr/>
-          <p:nvPr/>
-        </p:nvSpPr>
-        <p:spPr>
-          <a:xfrm rot="16200000">
-            <a:off x="8322637" y="4606555"/>
-            <a:ext cx="1663996" cy="676937"/>
-          </a:xfrm>
-          <a:prstGeom prst="leftRightArrow">
-            <a:avLst>
-              <a:gd name="adj1" fmla="val 73256"/>
-              <a:gd name="adj2" fmla="val 43023"/>
-            </a:avLst>
-          </a:prstGeom>
-          <a:solidFill>
-            <a:schemeClr val="accent6">
-              <a:lumMod val="75000"/>
-            </a:schemeClr>
-          </a:solidFill>
-          <a:ln>
-            <a:solidFill>
-              <a:schemeClr val="accent6">
-                <a:lumMod val="50000"/>
-              </a:schemeClr>
-            </a:solidFill>
-          </a:ln>
-        </p:spPr>
-        <p:style>
-          <a:lnRef idx="2">
-            <a:schemeClr val="accent1">
-              <a:shade val="50000"/>
-            </a:schemeClr>
-          </a:lnRef>
-          <a:fillRef idx="1">
-            <a:schemeClr val="accent1"/>
-          </a:fillRef>
-          <a:effectRef idx="0">
-            <a:schemeClr val="accent1"/>
-          </a:effectRef>
-          <a:fontRef idx="minor">
-            <a:schemeClr val="lt1"/>
-          </a:fontRef>
-        </p:style>
-        <p:txBody>
-          <a:bodyPr rtlCol="0" anchor="ctr"/>
-          <a:lstStyle/>
-          <a:p>
-            <a:pPr algn="ctr"/>
-            <a:r>
-              <a:rPr lang="en-US" sz="1100" dirty="0"/>
-              <a:t> Technical API</a:t>
-            </a:r>
-          </a:p>
-          <a:p>
-            <a:pPr algn="ctr"/>
-            <a:r>
-              <a:rPr lang="en-US" sz="1100" dirty="0"/>
-              <a:t>Management</a:t>
-            </a:r>
-          </a:p>
-        </p:txBody>
-      </p:sp>
-      <p:sp>
-        <p:nvSpPr>
-          <p:cNvPr id="28" name="Rectangle 27">
-            <a:extLst>
-              <a:ext uri="{FF2B5EF4-FFF2-40B4-BE49-F238E27FC236}">
-                <a16:creationId xmlns:a16="http://schemas.microsoft.com/office/drawing/2014/main" id="{11357D2E-026C-5A4F-A590-9C6164108CD6}"/>
-              </a:ext>
-            </a:extLst>
-          </p:cNvPr>
-          <p:cNvSpPr/>
-          <p:nvPr/>
-        </p:nvSpPr>
-        <p:spPr>
-          <a:xfrm>
-            <a:off x="5683029" y="797019"/>
-            <a:ext cx="1360967" cy="435936"/>
-          </a:xfrm>
-          <a:prstGeom prst="rect">
-            <a:avLst/>
-          </a:prstGeom>
-          <a:solidFill>
-            <a:schemeClr val="accent1">
-              <a:lumMod val="75000"/>
-            </a:schemeClr>
-          </a:solidFill>
-        </p:spPr>
-        <p:style>
-          <a:lnRef idx="2">
-            <a:schemeClr val="accent1">
-              <a:shade val="50000"/>
-            </a:schemeClr>
-          </a:lnRef>
-          <a:fillRef idx="1">
-            <a:schemeClr val="accent1"/>
-          </a:fillRef>
-          <a:effectRef idx="0">
-            <a:schemeClr val="accent1"/>
-          </a:effectRef>
-          <a:fontRef idx="minor">
-            <a:schemeClr val="lt1"/>
-          </a:fontRef>
-        </p:style>
-        <p:txBody>
-          <a:bodyPr rtlCol="0" anchor="ctr"/>
-          <a:lstStyle/>
-          <a:p>
-            <a:pPr algn="ctr"/>
-            <a:r>
-              <a:rPr lang="en-US" dirty="0" err="1"/>
-              <a:t>API</a:t>
-            </a:r>
-            <a:r>
-              <a:rPr lang="en-US" baseline="-25000" dirty="0" err="1"/>
-              <a:t>Consumer</a:t>
-            </a:r>
-            <a:endParaRPr lang="en-US" dirty="0"/>
-          </a:p>
-        </p:txBody>
-      </p:sp>
-      <p:sp>
-        <p:nvSpPr>
-          <p:cNvPr id="29" name="Rectangle 28">
-            <a:extLst>
-              <a:ext uri="{FF2B5EF4-FFF2-40B4-BE49-F238E27FC236}">
-                <a16:creationId xmlns:a16="http://schemas.microsoft.com/office/drawing/2014/main" id="{3D2D7876-F859-4B41-AC06-AA012FEBC794}"/>
-              </a:ext>
-            </a:extLst>
-          </p:cNvPr>
-          <p:cNvSpPr/>
-          <p:nvPr/>
-        </p:nvSpPr>
-        <p:spPr>
-          <a:xfrm>
-            <a:off x="7292089" y="797019"/>
-            <a:ext cx="1360967" cy="435936"/>
-          </a:xfrm>
-          <a:prstGeom prst="rect">
-            <a:avLst/>
-          </a:prstGeom>
-          <a:solidFill>
-            <a:schemeClr val="accent1">
-              <a:lumMod val="75000"/>
-            </a:schemeClr>
-          </a:solidFill>
-        </p:spPr>
-        <p:style>
-          <a:lnRef idx="2">
-            <a:schemeClr val="accent1">
-              <a:shade val="50000"/>
-            </a:schemeClr>
-          </a:lnRef>
-          <a:fillRef idx="1">
-            <a:schemeClr val="accent1"/>
-          </a:fillRef>
-          <a:effectRef idx="0">
-            <a:schemeClr val="accent1"/>
-          </a:effectRef>
-          <a:fontRef idx="minor">
-            <a:schemeClr val="lt1"/>
-          </a:fontRef>
-        </p:style>
-        <p:txBody>
-          <a:bodyPr rtlCol="0" anchor="ctr"/>
-          <a:lstStyle/>
-          <a:p>
-            <a:pPr algn="ctr"/>
-            <a:r>
-              <a:rPr lang="en-US" dirty="0" err="1"/>
-              <a:t>API</a:t>
-            </a:r>
-            <a:r>
-              <a:rPr lang="en-US" baseline="-25000" dirty="0" err="1"/>
-              <a:t>Consumer</a:t>
-            </a:r>
-            <a:endParaRPr lang="en-US" dirty="0"/>
-          </a:p>
-        </p:txBody>
-      </p:sp>
-      <p:sp>
-        <p:nvSpPr>
-          <p:cNvPr id="31" name="Rectangle 30">
-            <a:extLst>
-              <a:ext uri="{FF2B5EF4-FFF2-40B4-BE49-F238E27FC236}">
-                <a16:creationId xmlns:a16="http://schemas.microsoft.com/office/drawing/2014/main" id="{72AE3F21-17F0-A244-BB5C-D3EACB6ACB5B}"/>
-              </a:ext>
-            </a:extLst>
-          </p:cNvPr>
-          <p:cNvSpPr/>
-          <p:nvPr/>
-        </p:nvSpPr>
-        <p:spPr>
-          <a:xfrm>
-            <a:off x="3848949" y="797019"/>
-            <a:ext cx="1360967" cy="435936"/>
-          </a:xfrm>
-          <a:prstGeom prst="rect">
-            <a:avLst/>
-          </a:prstGeom>
-          <a:solidFill>
-            <a:schemeClr val="accent1">
-              <a:lumMod val="75000"/>
-            </a:schemeClr>
-          </a:solidFill>
-        </p:spPr>
-        <p:style>
-          <a:lnRef idx="2">
-            <a:schemeClr val="accent1">
-              <a:shade val="50000"/>
-            </a:schemeClr>
-          </a:lnRef>
-          <a:fillRef idx="1">
-            <a:schemeClr val="accent1"/>
-          </a:fillRef>
-          <a:effectRef idx="0">
-            <a:schemeClr val="accent1"/>
-          </a:effectRef>
-          <a:fontRef idx="minor">
-            <a:schemeClr val="lt1"/>
-          </a:fontRef>
-        </p:style>
-        <p:txBody>
-          <a:bodyPr rtlCol="0" anchor="ctr"/>
-          <a:lstStyle/>
-          <a:p>
-            <a:pPr algn="ctr"/>
-            <a:r>
-              <a:rPr lang="en-US" dirty="0" err="1"/>
-              <a:t>API</a:t>
-            </a:r>
-            <a:r>
-              <a:rPr lang="en-US" baseline="-25000" dirty="0" err="1"/>
-              <a:t>Consumer</a:t>
-            </a:r>
-            <a:endParaRPr lang="en-US" dirty="0"/>
-          </a:p>
-        </p:txBody>
-      </p:sp>
-      <p:sp>
-        <p:nvSpPr>
-          <p:cNvPr id="32" name="Rectangle 31">
-            <a:extLst>
-              <a:ext uri="{FF2B5EF4-FFF2-40B4-BE49-F238E27FC236}">
-                <a16:creationId xmlns:a16="http://schemas.microsoft.com/office/drawing/2014/main" id="{D3FA2E88-4AA9-4F4D-8FD0-45D0BD4E01E0}"/>
-              </a:ext>
-            </a:extLst>
-          </p:cNvPr>
-          <p:cNvSpPr/>
-          <p:nvPr/>
-        </p:nvSpPr>
-        <p:spPr>
-          <a:xfrm>
-            <a:off x="5683029" y="1462103"/>
+            <a:off x="405807" y="4113025"/>
             <a:ext cx="2970028" cy="435936"/>
           </a:xfrm>
           <a:prstGeom prst="rect">
@@ -4595,17 +4957,17 @@
             <a:pPr algn="ctr"/>
             <a:r>
               <a:rPr lang="en-US" dirty="0"/>
-              <a:t>Marketplace</a:t>
-            </a:r>
-          </a:p>
-        </p:txBody>
-      </p:sp>
-      <p:sp>
-        <p:nvSpPr>
-          <p:cNvPr id="34" name="Rectangle 33">
-            <a:extLst>
-              <a:ext uri="{FF2B5EF4-FFF2-40B4-BE49-F238E27FC236}">
-                <a16:creationId xmlns:a16="http://schemas.microsoft.com/office/drawing/2014/main" id="{5380F2A4-5C4E-7F40-8EAD-B0A9F6F32103}"/>
+              <a:t>Gateway</a:t>
+            </a:r>
+          </a:p>
+        </p:txBody>
+      </p:sp>
+      <p:sp>
+        <p:nvSpPr>
+          <p:cNvPr id="20" name="Rectangle 19">
+            <a:extLst>
+              <a:ext uri="{FF2B5EF4-FFF2-40B4-BE49-F238E27FC236}">
+                <a16:creationId xmlns:a16="http://schemas.microsoft.com/office/drawing/2014/main" id="{1E4834FB-16C1-D842-988D-801595A91D65}"/>
               </a:ext>
             </a:extLst>
           </p:cNvPr>
@@ -4614,8 +4976,8 @@
         </p:nvSpPr>
         <p:spPr>
           <a:xfrm>
-            <a:off x="405807" y="1462103"/>
-            <a:ext cx="2970028" cy="435936"/>
+            <a:off x="3848947" y="4113025"/>
+            <a:ext cx="1360967" cy="435936"/>
           </a:xfrm>
           <a:prstGeom prst="rect">
             <a:avLst/>
@@ -4658,17 +5020,17 @@
             <a:pPr algn="ctr"/>
             <a:r>
               <a:rPr lang="en-US" dirty="0"/>
-              <a:t>Portal</a:t>
-            </a:r>
-          </a:p>
-        </p:txBody>
-      </p:sp>
-      <p:sp>
-        <p:nvSpPr>
-          <p:cNvPr id="35" name="Rectangle 34">
-            <a:extLst>
-              <a:ext uri="{FF2B5EF4-FFF2-40B4-BE49-F238E27FC236}">
-                <a16:creationId xmlns:a16="http://schemas.microsoft.com/office/drawing/2014/main" id="{5070D854-2878-9448-B5D8-DC23EC7B7F21}"/>
+              <a:t>Gateway</a:t>
+            </a:r>
+          </a:p>
+        </p:txBody>
+      </p:sp>
+      <p:sp>
+        <p:nvSpPr>
+          <p:cNvPr id="25" name="Left-Right Arrow 24">
+            <a:extLst>
+              <a:ext uri="{FF2B5EF4-FFF2-40B4-BE49-F238E27FC236}">
+                <a16:creationId xmlns:a16="http://schemas.microsoft.com/office/drawing/2014/main" id="{C5F4C495-95A0-7B46-9BC6-E4B548F4CC55}"/>
               </a:ext>
             </a:extLst>
           </p:cNvPr>
@@ -4676,9 +5038,908 @@
           <p:nvPr/>
         </p:nvSpPr>
         <p:spPr>
-          <a:xfrm>
-            <a:off x="3848947" y="1472792"/>
+          <a:xfrm rot="16200000">
+            <a:off x="8322637" y="4606555"/>
+            <a:ext cx="1663996" cy="676937"/>
+          </a:xfrm>
+          <a:prstGeom prst="leftRightArrow">
+            <a:avLst>
+              <a:gd name="adj1" fmla="val 73256"/>
+              <a:gd name="adj2" fmla="val 43023"/>
+            </a:avLst>
+          </a:prstGeom>
+          <a:solidFill>
+            <a:schemeClr val="accent6">
+              <a:lumMod val="75000"/>
+            </a:schemeClr>
+          </a:solidFill>
+          <a:ln>
+            <a:solidFill>
+              <a:schemeClr val="accent6">
+                <a:lumMod val="50000"/>
+              </a:schemeClr>
+            </a:solidFill>
+          </a:ln>
+        </p:spPr>
+        <p:style>
+          <a:lnRef idx="2">
+            <a:schemeClr val="accent1">
+              <a:shade val="50000"/>
+            </a:schemeClr>
+          </a:lnRef>
+          <a:fillRef idx="1">
+            <a:schemeClr val="accent1"/>
+          </a:fillRef>
+          <a:effectRef idx="0">
+            <a:schemeClr val="accent1"/>
+          </a:effectRef>
+          <a:fontRef idx="minor">
+            <a:schemeClr val="lt1"/>
+          </a:fontRef>
+        </p:style>
+        <p:txBody>
+          <a:bodyPr rtlCol="0" anchor="ctr"/>
+          <a:lstStyle/>
+          <a:p>
+            <a:pPr algn="ctr"/>
+            <a:r>
+              <a:rPr lang="en-US" sz="1100" dirty="0"/>
+              <a:t> Technical API</a:t>
+            </a:r>
+          </a:p>
+          <a:p>
+            <a:pPr algn="ctr"/>
+            <a:r>
+              <a:rPr lang="en-US" sz="1100" dirty="0"/>
+              <a:t>Management</a:t>
+            </a:r>
+          </a:p>
+        </p:txBody>
+      </p:sp>
+      <p:sp>
+        <p:nvSpPr>
+          <p:cNvPr id="36" name="Left-Right Arrow 35">
+            <a:extLst>
+              <a:ext uri="{FF2B5EF4-FFF2-40B4-BE49-F238E27FC236}">
+                <a16:creationId xmlns:a16="http://schemas.microsoft.com/office/drawing/2014/main" id="{FF2B0A4D-4A66-0748-B57A-424CD1F3F13E}"/>
+              </a:ext>
+            </a:extLst>
+          </p:cNvPr>
+          <p:cNvSpPr/>
+          <p:nvPr/>
+        </p:nvSpPr>
+        <p:spPr>
+          <a:xfrm>
+            <a:off x="405807" y="5932970"/>
+            <a:ext cx="8270283" cy="676937"/>
+          </a:xfrm>
+          <a:prstGeom prst="leftRightArrow">
+            <a:avLst>
+              <a:gd name="adj1" fmla="val 73256"/>
+              <a:gd name="adj2" fmla="val 43023"/>
+            </a:avLst>
+          </a:prstGeom>
+          <a:solidFill>
+            <a:schemeClr val="accent6">
+              <a:lumMod val="75000"/>
+            </a:schemeClr>
+          </a:solidFill>
+          <a:ln>
+            <a:solidFill>
+              <a:schemeClr val="accent6">
+                <a:lumMod val="50000"/>
+              </a:schemeClr>
+            </a:solidFill>
+          </a:ln>
+        </p:spPr>
+        <p:style>
+          <a:lnRef idx="2">
+            <a:schemeClr val="accent1">
+              <a:shade val="50000"/>
+            </a:schemeClr>
+          </a:lnRef>
+          <a:fillRef idx="1">
+            <a:schemeClr val="accent1"/>
+          </a:fillRef>
+          <a:effectRef idx="0">
+            <a:schemeClr val="accent1"/>
+          </a:effectRef>
+          <a:fontRef idx="minor">
+            <a:schemeClr val="lt1"/>
+          </a:fontRef>
+        </p:style>
+        <p:txBody>
+          <a:bodyPr rtlCol="0" anchor="ctr"/>
+          <a:lstStyle/>
+          <a:p>
+            <a:pPr algn="ctr"/>
+            <a:r>
+              <a:rPr lang="en-US" sz="1100" dirty="0"/>
+              <a:t>API Lifecycle</a:t>
+            </a:r>
+          </a:p>
+          <a:p>
+            <a:pPr algn="ctr"/>
+            <a:r>
+              <a:rPr lang="en-US" sz="1100" dirty="0"/>
+              <a:t>Management</a:t>
+            </a:r>
+          </a:p>
+        </p:txBody>
+      </p:sp>
+      <p:sp>
+        <p:nvSpPr>
+          <p:cNvPr id="37" name="Left-Right Arrow 36">
+            <a:extLst>
+              <a:ext uri="{FF2B5EF4-FFF2-40B4-BE49-F238E27FC236}">
+                <a16:creationId xmlns:a16="http://schemas.microsoft.com/office/drawing/2014/main" id="{D6E1B239-6049-5A41-ADC0-56A1CDF9A472}"/>
+              </a:ext>
+            </a:extLst>
+          </p:cNvPr>
+          <p:cNvSpPr/>
+          <p:nvPr/>
+        </p:nvSpPr>
+        <p:spPr>
+          <a:xfrm rot="16200000">
+            <a:off x="8833891" y="4144925"/>
+            <a:ext cx="2587254" cy="676937"/>
+          </a:xfrm>
+          <a:prstGeom prst="leftRightArrow">
+            <a:avLst>
+              <a:gd name="adj1" fmla="val 73256"/>
+              <a:gd name="adj2" fmla="val 43023"/>
+            </a:avLst>
+          </a:prstGeom>
+          <a:solidFill>
+            <a:schemeClr val="accent6">
+              <a:lumMod val="75000"/>
+            </a:schemeClr>
+          </a:solidFill>
+          <a:ln>
+            <a:solidFill>
+              <a:schemeClr val="accent6">
+                <a:lumMod val="50000"/>
+              </a:schemeClr>
+            </a:solidFill>
+          </a:ln>
+        </p:spPr>
+        <p:style>
+          <a:lnRef idx="2">
+            <a:schemeClr val="accent1">
+              <a:shade val="50000"/>
+            </a:schemeClr>
+          </a:lnRef>
+          <a:fillRef idx="1">
+            <a:schemeClr val="accent1"/>
+          </a:fillRef>
+          <a:effectRef idx="0">
+            <a:schemeClr val="accent1"/>
+          </a:effectRef>
+          <a:fontRef idx="minor">
+            <a:schemeClr val="lt1"/>
+          </a:fontRef>
+        </p:style>
+        <p:txBody>
+          <a:bodyPr rtlCol="0" anchor="ctr"/>
+          <a:lstStyle/>
+          <a:p>
+            <a:pPr algn="ctr"/>
+            <a:r>
+              <a:rPr lang="en-US" sz="1100" dirty="0"/>
+              <a:t>API Product</a:t>
+            </a:r>
+          </a:p>
+          <a:p>
+            <a:pPr algn="ctr"/>
+            <a:r>
+              <a:rPr lang="en-US" sz="1100" dirty="0"/>
+              <a:t>Management</a:t>
+            </a:r>
+          </a:p>
+        </p:txBody>
+      </p:sp>
+    </p:spTree>
+    <p:extLst>
+      <p:ext uri="{BB962C8B-B14F-4D97-AF65-F5344CB8AC3E}">
+        <p14:creationId xmlns:p14="http://schemas.microsoft.com/office/powerpoint/2010/main" val="651464529"/>
+      </p:ext>
+    </p:extLst>
+  </p:cSld>
+  <p:clrMapOvr>
+    <a:masterClrMapping/>
+  </p:clrMapOvr>
+</p:sld>
+</file>
+
+<file path=ppt/slides/slide4.xml><?xml version="1.0" encoding="utf-8"?>
+<p:sld xmlns:a="http://schemas.openxmlformats.org/drawingml/2006/main" xmlns:r="http://schemas.openxmlformats.org/officeDocument/2006/relationships" xmlns:p="http://schemas.openxmlformats.org/presentationml/2006/main">
+  <p:cSld>
+    <p:spTree>
+      <p:nvGrpSpPr>
+        <p:cNvPr id="1" name=""/>
+        <p:cNvGrpSpPr/>
+        <p:nvPr/>
+      </p:nvGrpSpPr>
+      <p:grpSpPr>
+        <a:xfrm>
+          <a:off x="0" y="0"/>
+          <a:ext cx="0" cy="0"/>
+          <a:chOff x="0" y="0"/>
+          <a:chExt cx="0" cy="0"/>
+        </a:xfrm>
+      </p:grpSpPr>
+      <p:sp>
+        <p:nvSpPr>
+          <p:cNvPr id="4" name="Rectangle 3">
+            <a:extLst>
+              <a:ext uri="{FF2B5EF4-FFF2-40B4-BE49-F238E27FC236}">
+                <a16:creationId xmlns:a16="http://schemas.microsoft.com/office/drawing/2014/main" id="{AFE62128-DAA0-9C44-A811-C7D4B435533E}"/>
+              </a:ext>
+            </a:extLst>
+          </p:cNvPr>
+          <p:cNvSpPr/>
+          <p:nvPr/>
+        </p:nvSpPr>
+        <p:spPr>
+          <a:xfrm>
+            <a:off x="5683029" y="5341085"/>
             <a:ext cx="1360967" cy="435936"/>
+          </a:xfrm>
+          <a:prstGeom prst="rect">
+            <a:avLst/>
+          </a:prstGeom>
+          <a:solidFill>
+            <a:schemeClr val="accent1">
+              <a:lumMod val="50000"/>
+            </a:schemeClr>
+          </a:solidFill>
+        </p:spPr>
+        <p:style>
+          <a:lnRef idx="2">
+            <a:schemeClr val="accent1">
+              <a:shade val="50000"/>
+            </a:schemeClr>
+          </a:lnRef>
+          <a:fillRef idx="1">
+            <a:schemeClr val="accent1"/>
+          </a:fillRef>
+          <a:effectRef idx="0">
+            <a:schemeClr val="accent1"/>
+          </a:effectRef>
+          <a:fontRef idx="minor">
+            <a:schemeClr val="lt1"/>
+          </a:fontRef>
+        </p:style>
+        <p:txBody>
+          <a:bodyPr rtlCol="0" anchor="ctr"/>
+          <a:lstStyle/>
+          <a:p>
+            <a:pPr algn="ctr"/>
+            <a:r>
+              <a:rPr lang="en-US" dirty="0"/>
+              <a:t>Digital Asset</a:t>
+            </a:r>
+          </a:p>
+        </p:txBody>
+      </p:sp>
+      <p:sp>
+        <p:nvSpPr>
+          <p:cNvPr id="5" name="Rectangle 4">
+            <a:extLst>
+              <a:ext uri="{FF2B5EF4-FFF2-40B4-BE49-F238E27FC236}">
+                <a16:creationId xmlns:a16="http://schemas.microsoft.com/office/drawing/2014/main" id="{A554FE1C-5FC9-B149-BCDC-7AD424CE742D}"/>
+              </a:ext>
+            </a:extLst>
+          </p:cNvPr>
+          <p:cNvSpPr/>
+          <p:nvPr/>
+        </p:nvSpPr>
+        <p:spPr>
+          <a:xfrm>
+            <a:off x="5683028" y="4789290"/>
+            <a:ext cx="1360967" cy="435936"/>
+          </a:xfrm>
+          <a:prstGeom prst="rect">
+            <a:avLst/>
+          </a:prstGeom>
+          <a:solidFill>
+            <a:schemeClr val="accent1">
+              <a:lumMod val="75000"/>
+            </a:schemeClr>
+          </a:solidFill>
+        </p:spPr>
+        <p:style>
+          <a:lnRef idx="2">
+            <a:schemeClr val="accent1">
+              <a:shade val="50000"/>
+            </a:schemeClr>
+          </a:lnRef>
+          <a:fillRef idx="1">
+            <a:schemeClr val="accent1"/>
+          </a:fillRef>
+          <a:effectRef idx="0">
+            <a:schemeClr val="accent1"/>
+          </a:effectRef>
+          <a:fontRef idx="minor">
+            <a:schemeClr val="lt1"/>
+          </a:fontRef>
+        </p:style>
+        <p:txBody>
+          <a:bodyPr rtlCol="0" anchor="ctr"/>
+          <a:lstStyle/>
+          <a:p>
+            <a:pPr algn="ctr"/>
+            <a:r>
+              <a:rPr lang="en-US" dirty="0" err="1"/>
+              <a:t>API</a:t>
+            </a:r>
+            <a:r>
+              <a:rPr lang="en-US" baseline="-25000" dirty="0" err="1"/>
+              <a:t>Provider</a:t>
+            </a:r>
+            <a:endParaRPr lang="en-US" dirty="0"/>
+          </a:p>
+        </p:txBody>
+      </p:sp>
+      <p:sp>
+        <p:nvSpPr>
+          <p:cNvPr id="8" name="Rectangle 7">
+            <a:extLst>
+              <a:ext uri="{FF2B5EF4-FFF2-40B4-BE49-F238E27FC236}">
+                <a16:creationId xmlns:a16="http://schemas.microsoft.com/office/drawing/2014/main" id="{C097CC69-F3DF-5242-834D-D17351C5B1EA}"/>
+              </a:ext>
+            </a:extLst>
+          </p:cNvPr>
+          <p:cNvSpPr/>
+          <p:nvPr/>
+        </p:nvSpPr>
+        <p:spPr>
+          <a:xfrm>
+            <a:off x="3277430" y="2497753"/>
+            <a:ext cx="2504004" cy="1073259"/>
+          </a:xfrm>
+          <a:prstGeom prst="rect">
+            <a:avLst/>
+          </a:prstGeom>
+          <a:solidFill>
+            <a:schemeClr val="accent1">
+              <a:lumMod val="60000"/>
+              <a:lumOff val="40000"/>
+            </a:schemeClr>
+          </a:solidFill>
+        </p:spPr>
+        <p:style>
+          <a:lnRef idx="2">
+            <a:schemeClr val="accent1">
+              <a:shade val="50000"/>
+            </a:schemeClr>
+          </a:lnRef>
+          <a:fillRef idx="1">
+            <a:schemeClr val="accent1"/>
+          </a:fillRef>
+          <a:effectRef idx="0">
+            <a:schemeClr val="accent1"/>
+          </a:effectRef>
+          <a:fontRef idx="minor">
+            <a:schemeClr val="lt1"/>
+          </a:fontRef>
+        </p:style>
+        <p:txBody>
+          <a:bodyPr rtlCol="0" anchor="b"/>
+          <a:lstStyle/>
+          <a:p>
+            <a:pPr algn="r"/>
+            <a:r>
+              <a:rPr lang="en-US" dirty="0"/>
+              <a:t>Catalog</a:t>
+            </a:r>
+          </a:p>
+        </p:txBody>
+      </p:sp>
+      <p:pic>
+        <p:nvPicPr>
+          <p:cNvPr id="7" name="Graphic 6">
+            <a:extLst>
+              <a:ext uri="{FF2B5EF4-FFF2-40B4-BE49-F238E27FC236}">
+                <a16:creationId xmlns:a16="http://schemas.microsoft.com/office/drawing/2014/main" id="{8E1450E0-72FD-8946-8286-8222E2F1789F}"/>
+              </a:ext>
+            </a:extLst>
+          </p:cNvPr>
+          <p:cNvPicPr>
+            <a:picLocks noChangeAspect="1"/>
+          </p:cNvPicPr>
+          <p:nvPr/>
+        </p:nvPicPr>
+        <p:blipFill>
+          <a:blip r:embed="rId2">
+            <a:extLst>
+              <a:ext uri="{96DAC541-7B7A-43D3-8B79-37D633B846F1}">
+                <asvg:svgBlip xmlns:asvg="http://schemas.microsoft.com/office/drawing/2016/SVG/main" r:embed="rId3"/>
+              </a:ext>
+            </a:extLst>
+          </a:blip>
+          <a:stretch>
+            <a:fillRect/>
+          </a:stretch>
+        </p:blipFill>
+        <p:spPr>
+          <a:xfrm>
+            <a:off x="3343966" y="2562883"/>
+            <a:ext cx="1903079" cy="942998"/>
+          </a:xfrm>
+          <a:prstGeom prst="rect">
+            <a:avLst/>
+          </a:prstGeom>
+        </p:spPr>
+      </p:pic>
+      <p:sp>
+        <p:nvSpPr>
+          <p:cNvPr id="10" name="Rectangle 9">
+            <a:extLst>
+              <a:ext uri="{FF2B5EF4-FFF2-40B4-BE49-F238E27FC236}">
+                <a16:creationId xmlns:a16="http://schemas.microsoft.com/office/drawing/2014/main" id="{2B393DD3-7185-8145-9533-FDF1CECE79A4}"/>
+              </a:ext>
+            </a:extLst>
+          </p:cNvPr>
+          <p:cNvSpPr/>
+          <p:nvPr/>
+        </p:nvSpPr>
+        <p:spPr>
+          <a:xfrm>
+            <a:off x="7292089" y="5341085"/>
+            <a:ext cx="1360967" cy="435936"/>
+          </a:xfrm>
+          <a:prstGeom prst="rect">
+            <a:avLst/>
+          </a:prstGeom>
+          <a:solidFill>
+            <a:schemeClr val="accent1">
+              <a:lumMod val="50000"/>
+            </a:schemeClr>
+          </a:solidFill>
+        </p:spPr>
+        <p:style>
+          <a:lnRef idx="2">
+            <a:schemeClr val="accent1">
+              <a:shade val="50000"/>
+            </a:schemeClr>
+          </a:lnRef>
+          <a:fillRef idx="1">
+            <a:schemeClr val="accent1"/>
+          </a:fillRef>
+          <a:effectRef idx="0">
+            <a:schemeClr val="accent1"/>
+          </a:effectRef>
+          <a:fontRef idx="minor">
+            <a:schemeClr val="lt1"/>
+          </a:fontRef>
+        </p:style>
+        <p:txBody>
+          <a:bodyPr rtlCol="0" anchor="ctr"/>
+          <a:lstStyle/>
+          <a:p>
+            <a:pPr algn="ctr"/>
+            <a:r>
+              <a:rPr lang="en-US" dirty="0"/>
+              <a:t>Digital Asset</a:t>
+            </a:r>
+          </a:p>
+        </p:txBody>
+      </p:sp>
+      <p:sp>
+        <p:nvSpPr>
+          <p:cNvPr id="11" name="Rectangle 10">
+            <a:extLst>
+              <a:ext uri="{FF2B5EF4-FFF2-40B4-BE49-F238E27FC236}">
+                <a16:creationId xmlns:a16="http://schemas.microsoft.com/office/drawing/2014/main" id="{C45211D4-C403-C249-8362-B1B386FEC205}"/>
+              </a:ext>
+            </a:extLst>
+          </p:cNvPr>
+          <p:cNvSpPr/>
+          <p:nvPr/>
+        </p:nvSpPr>
+        <p:spPr>
+          <a:xfrm>
+            <a:off x="7292088" y="4789290"/>
+            <a:ext cx="1360967" cy="435936"/>
+          </a:xfrm>
+          <a:prstGeom prst="rect">
+            <a:avLst/>
+          </a:prstGeom>
+          <a:solidFill>
+            <a:schemeClr val="accent1">
+              <a:lumMod val="75000"/>
+            </a:schemeClr>
+          </a:solidFill>
+        </p:spPr>
+        <p:style>
+          <a:lnRef idx="2">
+            <a:schemeClr val="accent1">
+              <a:shade val="50000"/>
+            </a:schemeClr>
+          </a:lnRef>
+          <a:fillRef idx="1">
+            <a:schemeClr val="accent1"/>
+          </a:fillRef>
+          <a:effectRef idx="0">
+            <a:schemeClr val="accent1"/>
+          </a:effectRef>
+          <a:fontRef idx="minor">
+            <a:schemeClr val="lt1"/>
+          </a:fontRef>
+        </p:style>
+        <p:txBody>
+          <a:bodyPr rtlCol="0" anchor="ctr"/>
+          <a:lstStyle/>
+          <a:p>
+            <a:pPr algn="ctr"/>
+            <a:r>
+              <a:rPr lang="en-US" dirty="0" err="1"/>
+              <a:t>API</a:t>
+            </a:r>
+            <a:r>
+              <a:rPr lang="en-US" baseline="-25000" dirty="0" err="1"/>
+              <a:t>Provider</a:t>
+            </a:r>
+            <a:endParaRPr lang="en-US" dirty="0"/>
+          </a:p>
+        </p:txBody>
+      </p:sp>
+      <p:sp>
+        <p:nvSpPr>
+          <p:cNvPr id="12" name="Rectangle 11">
+            <a:extLst>
+              <a:ext uri="{FF2B5EF4-FFF2-40B4-BE49-F238E27FC236}">
+                <a16:creationId xmlns:a16="http://schemas.microsoft.com/office/drawing/2014/main" id="{CAC86C98-5B0C-CB46-9A75-0B3DBC2FF255}"/>
+              </a:ext>
+            </a:extLst>
+          </p:cNvPr>
+          <p:cNvSpPr/>
+          <p:nvPr/>
+        </p:nvSpPr>
+        <p:spPr>
+          <a:xfrm>
+            <a:off x="405808" y="5341085"/>
+            <a:ext cx="1360967" cy="435936"/>
+          </a:xfrm>
+          <a:prstGeom prst="rect">
+            <a:avLst/>
+          </a:prstGeom>
+          <a:solidFill>
+            <a:schemeClr val="accent1">
+              <a:lumMod val="50000"/>
+            </a:schemeClr>
+          </a:solidFill>
+        </p:spPr>
+        <p:style>
+          <a:lnRef idx="2">
+            <a:schemeClr val="accent1">
+              <a:shade val="50000"/>
+            </a:schemeClr>
+          </a:lnRef>
+          <a:fillRef idx="1">
+            <a:schemeClr val="accent1"/>
+          </a:fillRef>
+          <a:effectRef idx="0">
+            <a:schemeClr val="accent1"/>
+          </a:effectRef>
+          <a:fontRef idx="minor">
+            <a:schemeClr val="lt1"/>
+          </a:fontRef>
+        </p:style>
+        <p:txBody>
+          <a:bodyPr rtlCol="0" anchor="ctr"/>
+          <a:lstStyle/>
+          <a:p>
+            <a:pPr algn="ctr"/>
+            <a:r>
+              <a:rPr lang="en-US" dirty="0"/>
+              <a:t>Digital Asset</a:t>
+            </a:r>
+          </a:p>
+        </p:txBody>
+      </p:sp>
+      <p:sp>
+        <p:nvSpPr>
+          <p:cNvPr id="13" name="Rectangle 12">
+            <a:extLst>
+              <a:ext uri="{FF2B5EF4-FFF2-40B4-BE49-F238E27FC236}">
+                <a16:creationId xmlns:a16="http://schemas.microsoft.com/office/drawing/2014/main" id="{00A1E21E-21CB-1A46-9D12-80A2E40D8D89}"/>
+              </a:ext>
+            </a:extLst>
+          </p:cNvPr>
+          <p:cNvSpPr/>
+          <p:nvPr/>
+        </p:nvSpPr>
+        <p:spPr>
+          <a:xfrm>
+            <a:off x="405808" y="4790385"/>
+            <a:ext cx="1360967" cy="435936"/>
+          </a:xfrm>
+          <a:prstGeom prst="rect">
+            <a:avLst/>
+          </a:prstGeom>
+          <a:solidFill>
+            <a:schemeClr val="accent1">
+              <a:lumMod val="75000"/>
+            </a:schemeClr>
+          </a:solidFill>
+        </p:spPr>
+        <p:style>
+          <a:lnRef idx="2">
+            <a:schemeClr val="accent1">
+              <a:shade val="50000"/>
+            </a:schemeClr>
+          </a:lnRef>
+          <a:fillRef idx="1">
+            <a:schemeClr val="accent1"/>
+          </a:fillRef>
+          <a:effectRef idx="0">
+            <a:schemeClr val="accent1"/>
+          </a:effectRef>
+          <a:fontRef idx="minor">
+            <a:schemeClr val="lt1"/>
+          </a:fontRef>
+        </p:style>
+        <p:txBody>
+          <a:bodyPr rtlCol="0" anchor="ctr"/>
+          <a:lstStyle/>
+          <a:p>
+            <a:pPr algn="ctr"/>
+            <a:r>
+              <a:rPr lang="en-US" dirty="0" err="1"/>
+              <a:t>API</a:t>
+            </a:r>
+            <a:r>
+              <a:rPr lang="en-US" baseline="-25000" dirty="0" err="1"/>
+              <a:t>Provider</a:t>
+            </a:r>
+            <a:endParaRPr lang="en-US" dirty="0"/>
+          </a:p>
+        </p:txBody>
+      </p:sp>
+      <p:sp>
+        <p:nvSpPr>
+          <p:cNvPr id="14" name="Rectangle 13">
+            <a:extLst>
+              <a:ext uri="{FF2B5EF4-FFF2-40B4-BE49-F238E27FC236}">
+                <a16:creationId xmlns:a16="http://schemas.microsoft.com/office/drawing/2014/main" id="{AEB52E2E-C599-7F43-8437-77CA49E0C8C5}"/>
+              </a:ext>
+            </a:extLst>
+          </p:cNvPr>
+          <p:cNvSpPr/>
+          <p:nvPr/>
+        </p:nvSpPr>
+        <p:spPr>
+          <a:xfrm>
+            <a:off x="2014868" y="5341085"/>
+            <a:ext cx="1360967" cy="435936"/>
+          </a:xfrm>
+          <a:prstGeom prst="rect">
+            <a:avLst/>
+          </a:prstGeom>
+          <a:solidFill>
+            <a:schemeClr val="accent1">
+              <a:lumMod val="50000"/>
+            </a:schemeClr>
+          </a:solidFill>
+        </p:spPr>
+        <p:style>
+          <a:lnRef idx="2">
+            <a:schemeClr val="accent1">
+              <a:shade val="50000"/>
+            </a:schemeClr>
+          </a:lnRef>
+          <a:fillRef idx="1">
+            <a:schemeClr val="accent1"/>
+          </a:fillRef>
+          <a:effectRef idx="0">
+            <a:schemeClr val="accent1"/>
+          </a:effectRef>
+          <a:fontRef idx="minor">
+            <a:schemeClr val="lt1"/>
+          </a:fontRef>
+        </p:style>
+        <p:txBody>
+          <a:bodyPr rtlCol="0" anchor="ctr"/>
+          <a:lstStyle/>
+          <a:p>
+            <a:pPr algn="ctr"/>
+            <a:r>
+              <a:rPr lang="en-US" dirty="0"/>
+              <a:t>Digital Asset</a:t>
+            </a:r>
+          </a:p>
+        </p:txBody>
+      </p:sp>
+      <p:sp>
+        <p:nvSpPr>
+          <p:cNvPr id="15" name="Rectangle 14">
+            <a:extLst>
+              <a:ext uri="{FF2B5EF4-FFF2-40B4-BE49-F238E27FC236}">
+                <a16:creationId xmlns:a16="http://schemas.microsoft.com/office/drawing/2014/main" id="{0DCD9790-E817-5F42-963B-086773F5FC69}"/>
+              </a:ext>
+            </a:extLst>
+          </p:cNvPr>
+          <p:cNvSpPr/>
+          <p:nvPr/>
+        </p:nvSpPr>
+        <p:spPr>
+          <a:xfrm>
+            <a:off x="2014868" y="4789290"/>
+            <a:ext cx="1360967" cy="435936"/>
+          </a:xfrm>
+          <a:prstGeom prst="rect">
+            <a:avLst/>
+          </a:prstGeom>
+          <a:solidFill>
+            <a:schemeClr val="accent1">
+              <a:lumMod val="75000"/>
+            </a:schemeClr>
+          </a:solidFill>
+        </p:spPr>
+        <p:style>
+          <a:lnRef idx="2">
+            <a:schemeClr val="accent1">
+              <a:shade val="50000"/>
+            </a:schemeClr>
+          </a:lnRef>
+          <a:fillRef idx="1">
+            <a:schemeClr val="accent1"/>
+          </a:fillRef>
+          <a:effectRef idx="0">
+            <a:schemeClr val="accent1"/>
+          </a:effectRef>
+          <a:fontRef idx="minor">
+            <a:schemeClr val="lt1"/>
+          </a:fontRef>
+        </p:style>
+        <p:txBody>
+          <a:bodyPr rtlCol="0" anchor="ctr"/>
+          <a:lstStyle/>
+          <a:p>
+            <a:pPr algn="ctr"/>
+            <a:r>
+              <a:rPr lang="en-US" dirty="0" err="1"/>
+              <a:t>API</a:t>
+            </a:r>
+            <a:r>
+              <a:rPr lang="en-US" baseline="-25000" dirty="0" err="1"/>
+              <a:t>Provider</a:t>
+            </a:r>
+            <a:endParaRPr lang="en-US" dirty="0"/>
+          </a:p>
+        </p:txBody>
+      </p:sp>
+      <p:sp>
+        <p:nvSpPr>
+          <p:cNvPr id="16" name="Rectangle 15">
+            <a:extLst>
+              <a:ext uri="{FF2B5EF4-FFF2-40B4-BE49-F238E27FC236}">
+                <a16:creationId xmlns:a16="http://schemas.microsoft.com/office/drawing/2014/main" id="{C837277F-B763-7B46-9545-F91A5DF8566A}"/>
+              </a:ext>
+            </a:extLst>
+          </p:cNvPr>
+          <p:cNvSpPr/>
+          <p:nvPr/>
+        </p:nvSpPr>
+        <p:spPr>
+          <a:xfrm>
+            <a:off x="3848948" y="5341086"/>
+            <a:ext cx="1360967" cy="435936"/>
+          </a:xfrm>
+          <a:prstGeom prst="rect">
+            <a:avLst/>
+          </a:prstGeom>
+          <a:solidFill>
+            <a:schemeClr val="accent1">
+              <a:lumMod val="50000"/>
+            </a:schemeClr>
+          </a:solidFill>
+        </p:spPr>
+        <p:style>
+          <a:lnRef idx="2">
+            <a:schemeClr val="accent1">
+              <a:shade val="50000"/>
+            </a:schemeClr>
+          </a:lnRef>
+          <a:fillRef idx="1">
+            <a:schemeClr val="accent1"/>
+          </a:fillRef>
+          <a:effectRef idx="0">
+            <a:schemeClr val="accent1"/>
+          </a:effectRef>
+          <a:fontRef idx="minor">
+            <a:schemeClr val="lt1"/>
+          </a:fontRef>
+        </p:style>
+        <p:txBody>
+          <a:bodyPr rtlCol="0" anchor="ctr"/>
+          <a:lstStyle/>
+          <a:p>
+            <a:pPr algn="ctr"/>
+            <a:r>
+              <a:rPr lang="en-US" dirty="0"/>
+              <a:t>Digital Asset</a:t>
+            </a:r>
+          </a:p>
+        </p:txBody>
+      </p:sp>
+      <p:sp>
+        <p:nvSpPr>
+          <p:cNvPr id="17" name="Rectangle 16">
+            <a:extLst>
+              <a:ext uri="{FF2B5EF4-FFF2-40B4-BE49-F238E27FC236}">
+                <a16:creationId xmlns:a16="http://schemas.microsoft.com/office/drawing/2014/main" id="{519005A8-38F4-E749-8CA7-58B98E35BC59}"/>
+              </a:ext>
+            </a:extLst>
+          </p:cNvPr>
+          <p:cNvSpPr/>
+          <p:nvPr/>
+        </p:nvSpPr>
+        <p:spPr>
+          <a:xfrm>
+            <a:off x="3848947" y="4790385"/>
+            <a:ext cx="1360967" cy="435936"/>
+          </a:xfrm>
+          <a:prstGeom prst="rect">
+            <a:avLst/>
+          </a:prstGeom>
+          <a:solidFill>
+            <a:schemeClr val="accent1">
+              <a:lumMod val="75000"/>
+            </a:schemeClr>
+          </a:solidFill>
+        </p:spPr>
+        <p:style>
+          <a:lnRef idx="2">
+            <a:schemeClr val="accent1">
+              <a:shade val="50000"/>
+            </a:schemeClr>
+          </a:lnRef>
+          <a:fillRef idx="1">
+            <a:schemeClr val="accent1"/>
+          </a:fillRef>
+          <a:effectRef idx="0">
+            <a:schemeClr val="accent1"/>
+          </a:effectRef>
+          <a:fontRef idx="minor">
+            <a:schemeClr val="lt1"/>
+          </a:fontRef>
+        </p:style>
+        <p:txBody>
+          <a:bodyPr rtlCol="0" anchor="ctr"/>
+          <a:lstStyle/>
+          <a:p>
+            <a:pPr algn="ctr"/>
+            <a:r>
+              <a:rPr lang="en-US" dirty="0" err="1"/>
+              <a:t>API</a:t>
+            </a:r>
+            <a:r>
+              <a:rPr lang="en-US" baseline="-25000" dirty="0" err="1"/>
+              <a:t>Provider</a:t>
+            </a:r>
+            <a:endParaRPr lang="en-US" dirty="0"/>
+          </a:p>
+        </p:txBody>
+      </p:sp>
+      <p:sp>
+        <p:nvSpPr>
+          <p:cNvPr id="18" name="Rectangle 17">
+            <a:extLst>
+              <a:ext uri="{FF2B5EF4-FFF2-40B4-BE49-F238E27FC236}">
+                <a16:creationId xmlns:a16="http://schemas.microsoft.com/office/drawing/2014/main" id="{5EA7F77D-A9CE-5843-8176-AFA5C2CE1FFD}"/>
+              </a:ext>
+            </a:extLst>
+          </p:cNvPr>
+          <p:cNvSpPr/>
+          <p:nvPr/>
+        </p:nvSpPr>
+        <p:spPr>
+          <a:xfrm>
+            <a:off x="5683028" y="4113025"/>
+            <a:ext cx="2970028" cy="435936"/>
           </a:xfrm>
           <a:prstGeom prst="rect">
             <a:avLst/>
@@ -4721,17 +5982,17 @@
             <a:pPr algn="ctr"/>
             <a:r>
               <a:rPr lang="en-US" dirty="0"/>
-              <a:t>Portal</a:t>
-            </a:r>
-          </a:p>
-        </p:txBody>
-      </p:sp>
-      <p:sp>
-        <p:nvSpPr>
-          <p:cNvPr id="36" name="Left-Right Arrow 35">
-            <a:extLst>
-              <a:ext uri="{FF2B5EF4-FFF2-40B4-BE49-F238E27FC236}">
-                <a16:creationId xmlns:a16="http://schemas.microsoft.com/office/drawing/2014/main" id="{FF2B0A4D-4A66-0748-B57A-424CD1F3F13E}"/>
+              <a:t>Gateway</a:t>
+            </a:r>
+          </a:p>
+        </p:txBody>
+      </p:sp>
+      <p:sp>
+        <p:nvSpPr>
+          <p:cNvPr id="19" name="Rectangle 18">
+            <a:extLst>
+              <a:ext uri="{FF2B5EF4-FFF2-40B4-BE49-F238E27FC236}">
+                <a16:creationId xmlns:a16="http://schemas.microsoft.com/office/drawing/2014/main" id="{89AF62B9-ADF0-9447-B76F-EC7667F8B8D3}"/>
               </a:ext>
             </a:extLst>
           </p:cNvPr>
@@ -4740,8 +6001,252 @@
         </p:nvSpPr>
         <p:spPr>
           <a:xfrm>
-            <a:off x="5683028" y="5932970"/>
-            <a:ext cx="2993062" cy="676937"/>
+            <a:off x="405807" y="4113025"/>
+            <a:ext cx="2970028" cy="435936"/>
+          </a:xfrm>
+          <a:prstGeom prst="rect">
+            <a:avLst/>
+          </a:prstGeom>
+          <a:solidFill>
+            <a:schemeClr val="accent1">
+              <a:lumMod val="20000"/>
+              <a:lumOff val="80000"/>
+            </a:schemeClr>
+          </a:solidFill>
+          <a:ln>
+            <a:solidFill>
+              <a:schemeClr val="accent1">
+                <a:lumMod val="60000"/>
+                <a:lumOff val="40000"/>
+              </a:schemeClr>
+            </a:solidFill>
+          </a:ln>
+        </p:spPr>
+        <p:style>
+          <a:lnRef idx="2">
+            <a:schemeClr val="accent1">
+              <a:shade val="50000"/>
+            </a:schemeClr>
+          </a:lnRef>
+          <a:fillRef idx="1">
+            <a:schemeClr val="accent1"/>
+          </a:fillRef>
+          <a:effectRef idx="0">
+            <a:schemeClr val="accent1"/>
+          </a:effectRef>
+          <a:fontRef idx="minor">
+            <a:schemeClr val="lt1"/>
+          </a:fontRef>
+        </p:style>
+        <p:txBody>
+          <a:bodyPr rtlCol="0" anchor="ctr"/>
+          <a:lstStyle/>
+          <a:p>
+            <a:pPr algn="ctr"/>
+            <a:r>
+              <a:rPr lang="en-US" dirty="0"/>
+              <a:t>Gateway</a:t>
+            </a:r>
+          </a:p>
+        </p:txBody>
+      </p:sp>
+      <p:sp>
+        <p:nvSpPr>
+          <p:cNvPr id="20" name="Rectangle 19">
+            <a:extLst>
+              <a:ext uri="{FF2B5EF4-FFF2-40B4-BE49-F238E27FC236}">
+                <a16:creationId xmlns:a16="http://schemas.microsoft.com/office/drawing/2014/main" id="{1E4834FB-16C1-D842-988D-801595A91D65}"/>
+              </a:ext>
+            </a:extLst>
+          </p:cNvPr>
+          <p:cNvSpPr/>
+          <p:nvPr/>
+        </p:nvSpPr>
+        <p:spPr>
+          <a:xfrm>
+            <a:off x="3848947" y="4113025"/>
+            <a:ext cx="1360967" cy="435936"/>
+          </a:xfrm>
+          <a:prstGeom prst="rect">
+            <a:avLst/>
+          </a:prstGeom>
+          <a:solidFill>
+            <a:schemeClr val="accent1">
+              <a:lumMod val="20000"/>
+              <a:lumOff val="80000"/>
+            </a:schemeClr>
+          </a:solidFill>
+          <a:ln>
+            <a:solidFill>
+              <a:schemeClr val="accent1">
+                <a:lumMod val="60000"/>
+                <a:lumOff val="40000"/>
+              </a:schemeClr>
+            </a:solidFill>
+          </a:ln>
+        </p:spPr>
+        <p:style>
+          <a:lnRef idx="2">
+            <a:schemeClr val="accent1">
+              <a:shade val="50000"/>
+            </a:schemeClr>
+          </a:lnRef>
+          <a:fillRef idx="1">
+            <a:schemeClr val="accent1"/>
+          </a:fillRef>
+          <a:effectRef idx="0">
+            <a:schemeClr val="accent1"/>
+          </a:effectRef>
+          <a:fontRef idx="minor">
+            <a:schemeClr val="lt1"/>
+          </a:fontRef>
+        </p:style>
+        <p:txBody>
+          <a:bodyPr rtlCol="0" anchor="ctr"/>
+          <a:lstStyle/>
+          <a:p>
+            <a:pPr algn="ctr"/>
+            <a:r>
+              <a:rPr lang="en-US" dirty="0"/>
+              <a:t>Gateway</a:t>
+            </a:r>
+          </a:p>
+        </p:txBody>
+      </p:sp>
+      <p:sp>
+        <p:nvSpPr>
+          <p:cNvPr id="22" name="Rectangle 21">
+            <a:extLst>
+              <a:ext uri="{FF2B5EF4-FFF2-40B4-BE49-F238E27FC236}">
+                <a16:creationId xmlns:a16="http://schemas.microsoft.com/office/drawing/2014/main" id="{91D54C4F-B4AE-1441-9D56-A2C9E5237445}"/>
+              </a:ext>
+            </a:extLst>
+          </p:cNvPr>
+          <p:cNvSpPr/>
+          <p:nvPr/>
+        </p:nvSpPr>
+        <p:spPr>
+          <a:xfrm>
+            <a:off x="405809" y="810520"/>
+            <a:ext cx="1360967" cy="435936"/>
+          </a:xfrm>
+          <a:prstGeom prst="rect">
+            <a:avLst/>
+          </a:prstGeom>
+          <a:solidFill>
+            <a:schemeClr val="accent1">
+              <a:lumMod val="75000"/>
+            </a:schemeClr>
+          </a:solidFill>
+        </p:spPr>
+        <p:style>
+          <a:lnRef idx="2">
+            <a:schemeClr val="accent1">
+              <a:shade val="50000"/>
+            </a:schemeClr>
+          </a:lnRef>
+          <a:fillRef idx="1">
+            <a:schemeClr val="accent1"/>
+          </a:fillRef>
+          <a:effectRef idx="0">
+            <a:schemeClr val="accent1"/>
+          </a:effectRef>
+          <a:fontRef idx="minor">
+            <a:schemeClr val="lt1"/>
+          </a:fontRef>
+        </p:style>
+        <p:txBody>
+          <a:bodyPr rtlCol="0" anchor="ctr"/>
+          <a:lstStyle/>
+          <a:p>
+            <a:pPr algn="ctr"/>
+            <a:r>
+              <a:rPr lang="en-US" dirty="0" err="1"/>
+              <a:t>API</a:t>
+            </a:r>
+            <a:r>
+              <a:rPr lang="en-US" baseline="-25000" dirty="0" err="1"/>
+              <a:t>Consumer</a:t>
+            </a:r>
+            <a:endParaRPr lang="en-US" baseline="-25000" dirty="0"/>
+          </a:p>
+        </p:txBody>
+      </p:sp>
+      <p:sp>
+        <p:nvSpPr>
+          <p:cNvPr id="23" name="Rectangle 22">
+            <a:extLst>
+              <a:ext uri="{FF2B5EF4-FFF2-40B4-BE49-F238E27FC236}">
+                <a16:creationId xmlns:a16="http://schemas.microsoft.com/office/drawing/2014/main" id="{A9544A8B-3602-0E41-A6A1-33F7FB5A504A}"/>
+              </a:ext>
+            </a:extLst>
+          </p:cNvPr>
+          <p:cNvSpPr/>
+          <p:nvPr/>
+        </p:nvSpPr>
+        <p:spPr>
+          <a:xfrm>
+            <a:off x="2014869" y="810520"/>
+            <a:ext cx="1360967" cy="435936"/>
+          </a:xfrm>
+          <a:prstGeom prst="rect">
+            <a:avLst/>
+          </a:prstGeom>
+          <a:solidFill>
+            <a:schemeClr val="accent1">
+              <a:lumMod val="75000"/>
+            </a:schemeClr>
+          </a:solidFill>
+        </p:spPr>
+        <p:style>
+          <a:lnRef idx="2">
+            <a:schemeClr val="accent1">
+              <a:shade val="50000"/>
+            </a:schemeClr>
+          </a:lnRef>
+          <a:fillRef idx="1">
+            <a:schemeClr val="accent1"/>
+          </a:fillRef>
+          <a:effectRef idx="0">
+            <a:schemeClr val="accent1"/>
+          </a:effectRef>
+          <a:fontRef idx="minor">
+            <a:schemeClr val="lt1"/>
+          </a:fontRef>
+        </p:style>
+        <p:txBody>
+          <a:bodyPr rtlCol="0" anchor="ctr"/>
+          <a:lstStyle/>
+          <a:p>
+            <a:pPr algn="ctr"/>
+            <a:r>
+              <a:rPr lang="en-US" dirty="0" err="1"/>
+              <a:t>API</a:t>
+            </a:r>
+            <a:r>
+              <a:rPr lang="en-US" baseline="-25000" dirty="0" err="1"/>
+              <a:t>Consumer</a:t>
+            </a:r>
+            <a:endParaRPr lang="en-US" dirty="0"/>
+          </a:p>
+        </p:txBody>
+      </p:sp>
+      <p:sp>
+        <p:nvSpPr>
+          <p:cNvPr id="25" name="Left-Right Arrow 24">
+            <a:extLst>
+              <a:ext uri="{FF2B5EF4-FFF2-40B4-BE49-F238E27FC236}">
+                <a16:creationId xmlns:a16="http://schemas.microsoft.com/office/drawing/2014/main" id="{C5F4C495-95A0-7B46-9BC6-E4B548F4CC55}"/>
+              </a:ext>
+            </a:extLst>
+          </p:cNvPr>
+          <p:cNvSpPr/>
+          <p:nvPr/>
+        </p:nvSpPr>
+        <p:spPr>
+          <a:xfrm rot="16200000">
+            <a:off x="8322637" y="4606555"/>
+            <a:ext cx="1663996" cy="676937"/>
           </a:xfrm>
           <a:prstGeom prst="leftRightArrow">
             <a:avLst>
@@ -4785,7 +6290,7 @@
             <a:pPr algn="ctr"/>
             <a:r>
               <a:rPr lang="en-US" sz="1100" dirty="0"/>
-              <a:t>API Lifecycle</a:t>
+              <a:t> Technical API</a:t>
             </a:r>
           </a:p>
           <a:p>
@@ -4793,6 +6298,372 @@
             <a:r>
               <a:rPr lang="en-US" sz="1100" dirty="0"/>
               <a:t>Management</a:t>
+            </a:r>
+          </a:p>
+        </p:txBody>
+      </p:sp>
+      <p:sp>
+        <p:nvSpPr>
+          <p:cNvPr id="28" name="Rectangle 27">
+            <a:extLst>
+              <a:ext uri="{FF2B5EF4-FFF2-40B4-BE49-F238E27FC236}">
+                <a16:creationId xmlns:a16="http://schemas.microsoft.com/office/drawing/2014/main" id="{11357D2E-026C-5A4F-A590-9C6164108CD6}"/>
+              </a:ext>
+            </a:extLst>
+          </p:cNvPr>
+          <p:cNvSpPr/>
+          <p:nvPr/>
+        </p:nvSpPr>
+        <p:spPr>
+          <a:xfrm>
+            <a:off x="5683029" y="797019"/>
+            <a:ext cx="1360967" cy="435936"/>
+          </a:xfrm>
+          <a:prstGeom prst="rect">
+            <a:avLst/>
+          </a:prstGeom>
+          <a:solidFill>
+            <a:schemeClr val="accent1">
+              <a:lumMod val="75000"/>
+            </a:schemeClr>
+          </a:solidFill>
+        </p:spPr>
+        <p:style>
+          <a:lnRef idx="2">
+            <a:schemeClr val="accent1">
+              <a:shade val="50000"/>
+            </a:schemeClr>
+          </a:lnRef>
+          <a:fillRef idx="1">
+            <a:schemeClr val="accent1"/>
+          </a:fillRef>
+          <a:effectRef idx="0">
+            <a:schemeClr val="accent1"/>
+          </a:effectRef>
+          <a:fontRef idx="minor">
+            <a:schemeClr val="lt1"/>
+          </a:fontRef>
+        </p:style>
+        <p:txBody>
+          <a:bodyPr rtlCol="0" anchor="ctr"/>
+          <a:lstStyle/>
+          <a:p>
+            <a:pPr algn="ctr"/>
+            <a:r>
+              <a:rPr lang="en-US" dirty="0" err="1"/>
+              <a:t>API</a:t>
+            </a:r>
+            <a:r>
+              <a:rPr lang="en-US" baseline="-25000" dirty="0" err="1"/>
+              <a:t>Consumer</a:t>
+            </a:r>
+            <a:endParaRPr lang="en-US" dirty="0"/>
+          </a:p>
+        </p:txBody>
+      </p:sp>
+      <p:sp>
+        <p:nvSpPr>
+          <p:cNvPr id="29" name="Rectangle 28">
+            <a:extLst>
+              <a:ext uri="{FF2B5EF4-FFF2-40B4-BE49-F238E27FC236}">
+                <a16:creationId xmlns:a16="http://schemas.microsoft.com/office/drawing/2014/main" id="{3D2D7876-F859-4B41-AC06-AA012FEBC794}"/>
+              </a:ext>
+            </a:extLst>
+          </p:cNvPr>
+          <p:cNvSpPr/>
+          <p:nvPr/>
+        </p:nvSpPr>
+        <p:spPr>
+          <a:xfrm>
+            <a:off x="7292089" y="797019"/>
+            <a:ext cx="1360967" cy="435936"/>
+          </a:xfrm>
+          <a:prstGeom prst="rect">
+            <a:avLst/>
+          </a:prstGeom>
+          <a:solidFill>
+            <a:schemeClr val="accent1">
+              <a:lumMod val="75000"/>
+            </a:schemeClr>
+          </a:solidFill>
+        </p:spPr>
+        <p:style>
+          <a:lnRef idx="2">
+            <a:schemeClr val="accent1">
+              <a:shade val="50000"/>
+            </a:schemeClr>
+          </a:lnRef>
+          <a:fillRef idx="1">
+            <a:schemeClr val="accent1"/>
+          </a:fillRef>
+          <a:effectRef idx="0">
+            <a:schemeClr val="accent1"/>
+          </a:effectRef>
+          <a:fontRef idx="minor">
+            <a:schemeClr val="lt1"/>
+          </a:fontRef>
+        </p:style>
+        <p:txBody>
+          <a:bodyPr rtlCol="0" anchor="ctr"/>
+          <a:lstStyle/>
+          <a:p>
+            <a:pPr algn="ctr"/>
+            <a:r>
+              <a:rPr lang="en-US" dirty="0" err="1"/>
+              <a:t>API</a:t>
+            </a:r>
+            <a:r>
+              <a:rPr lang="en-US" baseline="-25000" dirty="0" err="1"/>
+              <a:t>Consumer</a:t>
+            </a:r>
+            <a:endParaRPr lang="en-US" dirty="0"/>
+          </a:p>
+        </p:txBody>
+      </p:sp>
+      <p:sp>
+        <p:nvSpPr>
+          <p:cNvPr id="31" name="Rectangle 30">
+            <a:extLst>
+              <a:ext uri="{FF2B5EF4-FFF2-40B4-BE49-F238E27FC236}">
+                <a16:creationId xmlns:a16="http://schemas.microsoft.com/office/drawing/2014/main" id="{72AE3F21-17F0-A244-BB5C-D3EACB6ACB5B}"/>
+              </a:ext>
+            </a:extLst>
+          </p:cNvPr>
+          <p:cNvSpPr/>
+          <p:nvPr/>
+        </p:nvSpPr>
+        <p:spPr>
+          <a:xfrm>
+            <a:off x="3848949" y="797019"/>
+            <a:ext cx="1360967" cy="435936"/>
+          </a:xfrm>
+          <a:prstGeom prst="rect">
+            <a:avLst/>
+          </a:prstGeom>
+          <a:solidFill>
+            <a:schemeClr val="accent1">
+              <a:lumMod val="75000"/>
+            </a:schemeClr>
+          </a:solidFill>
+        </p:spPr>
+        <p:style>
+          <a:lnRef idx="2">
+            <a:schemeClr val="accent1">
+              <a:shade val="50000"/>
+            </a:schemeClr>
+          </a:lnRef>
+          <a:fillRef idx="1">
+            <a:schemeClr val="accent1"/>
+          </a:fillRef>
+          <a:effectRef idx="0">
+            <a:schemeClr val="accent1"/>
+          </a:effectRef>
+          <a:fontRef idx="minor">
+            <a:schemeClr val="lt1"/>
+          </a:fontRef>
+        </p:style>
+        <p:txBody>
+          <a:bodyPr rtlCol="0" anchor="ctr"/>
+          <a:lstStyle/>
+          <a:p>
+            <a:pPr algn="ctr"/>
+            <a:r>
+              <a:rPr lang="en-US" dirty="0" err="1"/>
+              <a:t>API</a:t>
+            </a:r>
+            <a:r>
+              <a:rPr lang="en-US" baseline="-25000" dirty="0" err="1"/>
+              <a:t>Consumer</a:t>
+            </a:r>
+            <a:endParaRPr lang="en-US" dirty="0"/>
+          </a:p>
+        </p:txBody>
+      </p:sp>
+      <p:sp>
+        <p:nvSpPr>
+          <p:cNvPr id="32" name="Rectangle 31">
+            <a:extLst>
+              <a:ext uri="{FF2B5EF4-FFF2-40B4-BE49-F238E27FC236}">
+                <a16:creationId xmlns:a16="http://schemas.microsoft.com/office/drawing/2014/main" id="{D3FA2E88-4AA9-4F4D-8FD0-45D0BD4E01E0}"/>
+              </a:ext>
+            </a:extLst>
+          </p:cNvPr>
+          <p:cNvSpPr/>
+          <p:nvPr/>
+        </p:nvSpPr>
+        <p:spPr>
+          <a:xfrm>
+            <a:off x="5683029" y="1462103"/>
+            <a:ext cx="2970028" cy="435936"/>
+          </a:xfrm>
+          <a:prstGeom prst="rect">
+            <a:avLst/>
+          </a:prstGeom>
+          <a:solidFill>
+            <a:schemeClr val="accent1">
+              <a:lumMod val="20000"/>
+              <a:lumOff val="80000"/>
+            </a:schemeClr>
+          </a:solidFill>
+          <a:ln>
+            <a:solidFill>
+              <a:schemeClr val="accent1">
+                <a:lumMod val="60000"/>
+                <a:lumOff val="40000"/>
+              </a:schemeClr>
+            </a:solidFill>
+          </a:ln>
+        </p:spPr>
+        <p:style>
+          <a:lnRef idx="2">
+            <a:schemeClr val="accent1">
+              <a:shade val="50000"/>
+            </a:schemeClr>
+          </a:lnRef>
+          <a:fillRef idx="1">
+            <a:schemeClr val="accent1"/>
+          </a:fillRef>
+          <a:effectRef idx="0">
+            <a:schemeClr val="accent1"/>
+          </a:effectRef>
+          <a:fontRef idx="minor">
+            <a:schemeClr val="lt1"/>
+          </a:fontRef>
+        </p:style>
+        <p:txBody>
+          <a:bodyPr rtlCol="0" anchor="ctr"/>
+          <a:lstStyle/>
+          <a:p>
+            <a:pPr algn="ctr"/>
+            <a:r>
+              <a:rPr lang="en-US" dirty="0"/>
+              <a:t>Marketplace</a:t>
+            </a:r>
+          </a:p>
+        </p:txBody>
+      </p:sp>
+      <p:sp>
+        <p:nvSpPr>
+          <p:cNvPr id="34" name="Rectangle 33">
+            <a:extLst>
+              <a:ext uri="{FF2B5EF4-FFF2-40B4-BE49-F238E27FC236}">
+                <a16:creationId xmlns:a16="http://schemas.microsoft.com/office/drawing/2014/main" id="{5380F2A4-5C4E-7F40-8EAD-B0A9F6F32103}"/>
+              </a:ext>
+            </a:extLst>
+          </p:cNvPr>
+          <p:cNvSpPr/>
+          <p:nvPr/>
+        </p:nvSpPr>
+        <p:spPr>
+          <a:xfrm>
+            <a:off x="405807" y="1462103"/>
+            <a:ext cx="2970028" cy="435936"/>
+          </a:xfrm>
+          <a:prstGeom prst="rect">
+            <a:avLst/>
+          </a:prstGeom>
+          <a:solidFill>
+            <a:schemeClr val="accent1">
+              <a:lumMod val="20000"/>
+              <a:lumOff val="80000"/>
+            </a:schemeClr>
+          </a:solidFill>
+          <a:ln>
+            <a:solidFill>
+              <a:schemeClr val="accent1">
+                <a:lumMod val="60000"/>
+                <a:lumOff val="40000"/>
+              </a:schemeClr>
+            </a:solidFill>
+          </a:ln>
+        </p:spPr>
+        <p:style>
+          <a:lnRef idx="2">
+            <a:schemeClr val="accent1">
+              <a:shade val="50000"/>
+            </a:schemeClr>
+          </a:lnRef>
+          <a:fillRef idx="1">
+            <a:schemeClr val="accent1"/>
+          </a:fillRef>
+          <a:effectRef idx="0">
+            <a:schemeClr val="accent1"/>
+          </a:effectRef>
+          <a:fontRef idx="minor">
+            <a:schemeClr val="lt1"/>
+          </a:fontRef>
+        </p:style>
+        <p:txBody>
+          <a:bodyPr rtlCol="0" anchor="ctr"/>
+          <a:lstStyle/>
+          <a:p>
+            <a:pPr algn="ctr"/>
+            <a:r>
+              <a:rPr lang="en-US" dirty="0"/>
+              <a:t>Portal</a:t>
+            </a:r>
+          </a:p>
+        </p:txBody>
+      </p:sp>
+      <p:sp>
+        <p:nvSpPr>
+          <p:cNvPr id="35" name="Rectangle 34">
+            <a:extLst>
+              <a:ext uri="{FF2B5EF4-FFF2-40B4-BE49-F238E27FC236}">
+                <a16:creationId xmlns:a16="http://schemas.microsoft.com/office/drawing/2014/main" id="{5070D854-2878-9448-B5D8-DC23EC7B7F21}"/>
+              </a:ext>
+            </a:extLst>
+          </p:cNvPr>
+          <p:cNvSpPr/>
+          <p:nvPr/>
+        </p:nvSpPr>
+        <p:spPr>
+          <a:xfrm>
+            <a:off x="3848947" y="1472792"/>
+            <a:ext cx="1360967" cy="435936"/>
+          </a:xfrm>
+          <a:prstGeom prst="rect">
+            <a:avLst/>
+          </a:prstGeom>
+          <a:solidFill>
+            <a:schemeClr val="accent1">
+              <a:lumMod val="20000"/>
+              <a:lumOff val="80000"/>
+            </a:schemeClr>
+          </a:solidFill>
+          <a:ln>
+            <a:solidFill>
+              <a:schemeClr val="accent1">
+                <a:lumMod val="60000"/>
+                <a:lumOff val="40000"/>
+              </a:schemeClr>
+            </a:solidFill>
+          </a:ln>
+        </p:spPr>
+        <p:style>
+          <a:lnRef idx="2">
+            <a:schemeClr val="accent1">
+              <a:shade val="50000"/>
+            </a:schemeClr>
+          </a:lnRef>
+          <a:fillRef idx="1">
+            <a:schemeClr val="accent1"/>
+          </a:fillRef>
+          <a:effectRef idx="0">
+            <a:schemeClr val="accent1"/>
+          </a:effectRef>
+          <a:fontRef idx="minor">
+            <a:schemeClr val="lt1"/>
+          </a:fontRef>
+        </p:style>
+        <p:txBody>
+          <a:bodyPr rtlCol="0" anchor="ctr"/>
+          <a:lstStyle/>
+          <a:p>
+            <a:pPr algn="ctr"/>
+            <a:r>
+              <a:rPr lang="en-US" dirty="0"/>
+              <a:t>Portal</a:t>
             </a:r>
           </a:p>
         </p:txBody>
@@ -4939,10 +6810,81 @@
           </a:p>
         </p:txBody>
       </p:sp>
+      <p:sp>
+        <p:nvSpPr>
+          <p:cNvPr id="39" name="Left-Right Arrow 38">
+            <a:extLst>
+              <a:ext uri="{FF2B5EF4-FFF2-40B4-BE49-F238E27FC236}">
+                <a16:creationId xmlns:a16="http://schemas.microsoft.com/office/drawing/2014/main" id="{BE88AC7A-29BB-3A4D-8BC8-853741F41350}"/>
+              </a:ext>
+            </a:extLst>
+          </p:cNvPr>
+          <p:cNvSpPr/>
+          <p:nvPr/>
+        </p:nvSpPr>
+        <p:spPr>
+          <a:xfrm>
+            <a:off x="405807" y="5932970"/>
+            <a:ext cx="8270283" cy="676937"/>
+          </a:xfrm>
+          <a:prstGeom prst="leftRightArrow">
+            <a:avLst>
+              <a:gd name="adj1" fmla="val 73256"/>
+              <a:gd name="adj2" fmla="val 43023"/>
+            </a:avLst>
+          </a:prstGeom>
+          <a:solidFill>
+            <a:schemeClr val="accent6">
+              <a:lumMod val="75000"/>
+            </a:schemeClr>
+          </a:solidFill>
+          <a:ln>
+            <a:solidFill>
+              <a:schemeClr val="accent6">
+                <a:lumMod val="50000"/>
+              </a:schemeClr>
+            </a:solidFill>
+          </a:ln>
+        </p:spPr>
+        <p:style>
+          <a:lnRef idx="2">
+            <a:schemeClr val="accent1">
+              <a:shade val="50000"/>
+            </a:schemeClr>
+          </a:lnRef>
+          <a:fillRef idx="1">
+            <a:schemeClr val="accent1"/>
+          </a:fillRef>
+          <a:effectRef idx="0">
+            <a:schemeClr val="accent1"/>
+          </a:effectRef>
+          <a:fontRef idx="minor">
+            <a:schemeClr val="lt1"/>
+          </a:fontRef>
+        </p:style>
+        <p:txBody>
+          <a:bodyPr rtlCol="0" anchor="ctr"/>
+          <a:lstStyle/>
+          <a:p>
+            <a:pPr algn="ctr"/>
+            <a:r>
+              <a:rPr lang="en-US" sz="1100" dirty="0"/>
+              <a:t>API Lifecycle</a:t>
+            </a:r>
+          </a:p>
+          <a:p>
+            <a:pPr algn="ctr"/>
+            <a:r>
+              <a:rPr lang="en-US" sz="1100" dirty="0"/>
+              <a:t>Management</a:t>
+            </a:r>
+          </a:p>
+        </p:txBody>
+      </p:sp>
     </p:spTree>
     <p:extLst>
       <p:ext uri="{BB962C8B-B14F-4D97-AF65-F5344CB8AC3E}">
-        <p14:creationId xmlns:p14="http://schemas.microsoft.com/office/powerpoint/2010/main" val="4075955793"/>
+        <p14:creationId xmlns:p14="http://schemas.microsoft.com/office/powerpoint/2010/main" val="1626511264"/>
       </p:ext>
     </p:extLst>
   </p:cSld>
